--- a/Sprint1/Arquivos-Office-Sprint1/Coffee Health - Apresentacao.pptx
+++ b/Sprint1/Arquivos-Office-Sprint1/Coffee Health - Apresentacao.pptx
@@ -134,6 +134,35 @@
     </p:ext>
   </p:extLst>
 </p:presentation>
+</file>
+
+<file path=ppt/changesInfos/changesInfo1.xml><?xml version="1.0" encoding="utf-8"?>
+<pc:chgInfo xmlns:a="http://schemas.openxmlformats.org/drawingml/2006/main" xmlns:r="http://schemas.openxmlformats.org/officeDocument/2006/relationships" xmlns:ac="http://schemas.microsoft.com/office/drawing/2013/main/command" xmlns:pc="http://schemas.microsoft.com/office/powerpoint/2013/main/command">
+  <pc:docChgLst>
+    <pc:chgData name="Diego Vieira" userId="b6b7b548fc3bdae4" providerId="LiveId" clId="{AA0CB821-EAA7-451F-BCE2-605AADE4D64D}"/>
+    <pc:docChg chg="modSld">
+      <pc:chgData name="Diego Vieira" userId="b6b7b548fc3bdae4" providerId="LiveId" clId="{AA0CB821-EAA7-451F-BCE2-605AADE4D64D}" dt="2022-09-07T22:49:46.137" v="3" actId="1076"/>
+      <pc:docMkLst>
+        <pc:docMk/>
+      </pc:docMkLst>
+      <pc:sldChg chg="addSp modSp mod">
+        <pc:chgData name="Diego Vieira" userId="b6b7b548fc3bdae4" providerId="LiveId" clId="{AA0CB821-EAA7-451F-BCE2-605AADE4D64D}" dt="2022-09-07T22:49:46.137" v="3" actId="1076"/>
+        <pc:sldMkLst>
+          <pc:docMk/>
+          <pc:sldMk cId="3950066950" sldId="312"/>
+        </pc:sldMkLst>
+        <pc:picChg chg="add mod">
+          <ac:chgData name="Diego Vieira" userId="b6b7b548fc3bdae4" providerId="LiveId" clId="{AA0CB821-EAA7-451F-BCE2-605AADE4D64D}" dt="2022-09-07T22:49:46.137" v="3" actId="1076"/>
+          <ac:picMkLst>
+            <pc:docMk/>
+            <pc:sldMk cId="3950066950" sldId="312"/>
+            <ac:picMk id="4" creationId="{DE857894-D3A8-3DC9-C880-8F03392B33BC}"/>
+          </ac:picMkLst>
+        </pc:picChg>
+      </pc:sldChg>
+    </pc:docChg>
+  </pc:docChgLst>
+</pc:chgInfo>
 </file>
 
 <file path=ppt/handoutMasters/handoutMaster1.xml><?xml version="1.0" encoding="utf-8"?>
@@ -10102,6 +10131,36 @@
           <a:xfrm>
             <a:off x="499758" y="1855962"/>
             <a:ext cx="5419725" cy="4000500"/>
+          </a:xfrm>
+          <a:prstGeom prst="rect">
+            <a:avLst/>
+          </a:prstGeom>
+        </p:spPr>
+      </p:pic>
+      <p:pic>
+        <p:nvPicPr>
+          <p:cNvPr id="4" name="Imagem 3">
+            <a:extLst>
+              <a:ext uri="{FF2B5EF4-FFF2-40B4-BE49-F238E27FC236}">
+                <a16:creationId xmlns:a16="http://schemas.microsoft.com/office/drawing/2014/main" id="{DE857894-D3A8-3DC9-C880-8F03392B33BC}"/>
+              </a:ext>
+            </a:extLst>
+          </p:cNvPr>
+          <p:cNvPicPr>
+            <a:picLocks noChangeAspect="1"/>
+          </p:cNvPicPr>
+          <p:nvPr/>
+        </p:nvPicPr>
+        <p:blipFill>
+          <a:blip r:embed="rId4"/>
+          <a:stretch>
+            <a:fillRect/>
+          </a:stretch>
+        </p:blipFill>
+        <p:spPr>
+          <a:xfrm>
+            <a:off x="499758" y="1618317"/>
+            <a:ext cx="5596242" cy="4972050"/>
           </a:xfrm>
           <a:prstGeom prst="rect">
             <a:avLst/>
@@ -14564,15 +14623,6 @@
 </file>
 
 <file path=customXml/item1.xml><?xml version="1.0" encoding="utf-8"?>
-<?mso-contentType ?>
-<FormTemplates xmlns="http://schemas.microsoft.com/sharepoint/v3/contenttype/forms">
-  <Display>DocumentLibraryForm</Display>
-  <Edit>DocumentLibraryForm</Edit>
-  <New>DocumentLibraryForm</New>
-</FormTemplates>
-</file>
-
-<file path=customXml/item2.xml><?xml version="1.0" encoding="utf-8"?>
 <ct:contentTypeSchema xmlns:ct="http://schemas.microsoft.com/office/2006/metadata/contentType" xmlns:ma="http://schemas.microsoft.com/office/2006/metadata/properties/metaAttributes" ct:_="" ma:_="" ma:contentTypeName="Document" ma:contentTypeID="0x01010079F111ED35F8CC479449609E8A0923A6" ma:contentTypeVersion="18" ma:contentTypeDescription="Create a new document." ma:contentTypeScope="" ma:versionID="22a266b9fa9a230c5a512669d8b298c3">
   <xsd:schema xmlns:xsd="http://www.w3.org/2001/XMLSchema" xmlns:xs="http://www.w3.org/2001/XMLSchema" xmlns:p="http://schemas.microsoft.com/office/2006/metadata/properties" xmlns:ns1="http://schemas.microsoft.com/sharepoint/v3" xmlns:ns2="71af3243-3dd4-4a8d-8c0d-dd76da1f02a5" xmlns:ns3="16c05727-aa75-4e4a-9b5f-8a80a1165891" xmlns:ns4="230e9df3-be65-4c73-a93b-d1236ebd677e" targetNamespace="http://schemas.microsoft.com/office/2006/metadata/properties" ma:root="true" ma:fieldsID="eddc33fff6b14141ee5c74a0d29ea6a1" ns1:_="" ns2:_="" ns3:_="" ns4:_="">
     <xsd:import namespace="http://schemas.microsoft.com/sharepoint/v3"/>
@@ -14848,6 +14898,15 @@
 </ct:contentTypeSchema>
 </file>
 
+<file path=customXml/item2.xml><?xml version="1.0" encoding="utf-8"?>
+<?mso-contentType ?>
+<FormTemplates xmlns="http://schemas.microsoft.com/sharepoint/v3/contenttype/forms">
+  <Display>DocumentLibraryForm</Display>
+  <Edit>DocumentLibraryForm</Edit>
+  <New>DocumentLibraryForm</New>
+</FormTemplates>
+</file>
+
 <file path=customXml/item3.xml><?xml version="1.0" encoding="utf-8"?>
 <p:properties xmlns:p="http://schemas.microsoft.com/office/2006/metadata/properties" xmlns:xsi="http://www.w3.org/2001/XMLSchema-instance" xmlns:pc="http://schemas.microsoft.com/office/infopath/2007/PartnerControls">
   <documentManagement>
@@ -14868,14 +14927,6 @@
 </file>
 
 <file path=customXml/itemProps1.xml><?xml version="1.0" encoding="utf-8"?>
-<ds:datastoreItem xmlns:ds="http://schemas.openxmlformats.org/officeDocument/2006/customXml" ds:itemID="{09F7E09F-F817-4A99-A43E-1B7B2298E82F}">
-  <ds:schemaRefs>
-    <ds:schemaRef ds:uri="http://schemas.microsoft.com/sharepoint/v3/contenttype/forms"/>
-  </ds:schemaRefs>
-</ds:datastoreItem>
-</file>
-
-<file path=customXml/itemProps2.xml><?xml version="1.0" encoding="utf-8"?>
 <ds:datastoreItem xmlns:ds="http://schemas.openxmlformats.org/officeDocument/2006/customXml" ds:itemID="{A56FC496-221D-4D11-9DFD-2E47AEB2A196}">
   <ds:schemaRefs>
     <ds:schemaRef ds:uri="http://schemas.microsoft.com/office/2006/metadata/contentType"/>
@@ -14892,6 +14943,14 @@
     <ds:schemaRef ds:uri="http://purl.org/dc/elements/1.1/"/>
     <ds:schemaRef ds:uri="http://purl.org/dc/terms/"/>
     <ds:schemaRef ds:uri="http://schemas.microsoft.com/internal/obd"/>
+  </ds:schemaRefs>
+</ds:datastoreItem>
+</file>
+
+<file path=customXml/itemProps2.xml><?xml version="1.0" encoding="utf-8"?>
+<ds:datastoreItem xmlns:ds="http://schemas.openxmlformats.org/officeDocument/2006/customXml" ds:itemID="{09F7E09F-F817-4A99-A43E-1B7B2298E82F}">
+  <ds:schemaRefs>
+    <ds:schemaRef ds:uri="http://schemas.microsoft.com/sharepoint/v3/contenttype/forms"/>
   </ds:schemaRefs>
 </ds:datastoreItem>
 </file>

--- a/Sprint1/Arquivos-Office-Sprint1/Coffee Health - Apresentacao.pptx
+++ b/Sprint1/Arquivos-Office-Sprint1/Coffee Health - Apresentacao.pptx
@@ -17,8 +17,8 @@
     <p:sldId id="270" r:id="rId8"/>
     <p:sldId id="278" r:id="rId9"/>
     <p:sldId id="307" r:id="rId10"/>
-    <p:sldId id="279" r:id="rId11"/>
-    <p:sldId id="275" r:id="rId12"/>
+    <p:sldId id="275" r:id="rId11"/>
+    <p:sldId id="279" r:id="rId12"/>
     <p:sldId id="308" r:id="rId13"/>
     <p:sldId id="309" r:id="rId14"/>
     <p:sldId id="310" r:id="rId15"/>
@@ -259,7 +259,7 @@
           <a:p>
             <a:fld id="{8991DC90-2F56-414F-AC56-FAB865663523}" type="datetime1">
               <a:rPr lang="pt-BR" smtClean="0"/>
-              <a:t>07/09/2022</a:t>
+              <a:t>08/09/2022</a:t>
             </a:fld>
             <a:endParaRPr lang="pt-BR"/>
           </a:p>
@@ -439,7 +439,7 @@
             <a:pPr rtl="0"/>
             <a:fld id="{2D2F2CE1-F7F5-4DD7-A11C-4E6EB4676F69}" type="datetime1">
               <a:rPr lang="pt-BR" smtClean="0"/>
-              <a:t>07/09/2022</a:t>
+              <a:t>08/09/2022</a:t>
             </a:fld>
             <a:endParaRPr lang="pt-BR" dirty="0"/>
           </a:p>
@@ -823,7 +823,7 @@
             <a:pPr rtl="0"/>
             <a:fld id="{E3A58993-3A32-4AF5-837C-2B816EAD0354}" type="datetime1">
               <a:rPr lang="pt-BR" smtClean="0"/>
-              <a:t>07/09/2022</a:t>
+              <a:t>08/09/2022</a:t>
             </a:fld>
             <a:endParaRPr lang="pt-BR" dirty="0"/>
           </a:p>
@@ -955,7 +955,7 @@
             <a:pPr rtl="0"/>
             <a:fld id="{F91317ED-6A91-4121-961B-1A9421EE5B1A}" type="datetime1">
               <a:rPr lang="pt-BR" smtClean="0"/>
-              <a:t>07/09/2022</a:t>
+              <a:t>08/09/2022</a:t>
             </a:fld>
             <a:endParaRPr lang="pt-BR" dirty="0"/>
           </a:p>
@@ -1087,7 +1087,7 @@
             <a:pPr rtl="0"/>
             <a:fld id="{F91317ED-6A91-4121-961B-1A9421EE5B1A}" type="datetime1">
               <a:rPr lang="pt-BR" smtClean="0"/>
-              <a:t>07/09/2022</a:t>
+              <a:t>08/09/2022</a:t>
             </a:fld>
             <a:endParaRPr lang="pt-BR" dirty="0"/>
           </a:p>
@@ -1219,7 +1219,7 @@
             <a:pPr rtl="0"/>
             <a:fld id="{F91317ED-6A91-4121-961B-1A9421EE5B1A}" type="datetime1">
               <a:rPr lang="pt-BR" smtClean="0"/>
-              <a:t>07/09/2022</a:t>
+              <a:t>08/09/2022</a:t>
             </a:fld>
             <a:endParaRPr lang="pt-BR" dirty="0"/>
           </a:p>
@@ -1334,7 +1334,7 @@
             <a:pPr rtl="0"/>
             <a:fld id="{AEFAF14B-66F0-4FA4-8E4E-9846E4033F51}" type="datetime1">
               <a:rPr lang="pt-BR" smtClean="0"/>
-              <a:t>07/09/2022</a:t>
+              <a:t>08/09/2022</a:t>
             </a:fld>
             <a:endParaRPr lang="pt-BR" dirty="0"/>
           </a:p>
@@ -1449,7 +1449,7 @@
             <a:pPr rtl="0"/>
             <a:fld id="{AEFAF14B-66F0-4FA4-8E4E-9846E4033F51}" type="datetime1">
               <a:rPr lang="pt-BR" smtClean="0"/>
-              <a:t>07/09/2022</a:t>
+              <a:t>08/09/2022</a:t>
             </a:fld>
             <a:endParaRPr lang="pt-BR" dirty="0"/>
           </a:p>
@@ -1564,7 +1564,7 @@
             <a:pPr rtl="0"/>
             <a:fld id="{AEFAF14B-66F0-4FA4-8E4E-9846E4033F51}" type="datetime1">
               <a:rPr lang="pt-BR" smtClean="0"/>
-              <a:t>07/09/2022</a:t>
+              <a:t>08/09/2022</a:t>
             </a:fld>
             <a:endParaRPr lang="pt-BR" dirty="0"/>
           </a:p>
@@ -1666,7 +1666,7 @@
             <a:pPr rtl="0"/>
             <a:fld id="{63155276-2114-4288-A537-379EA644CDBE}" type="slidenum">
               <a:rPr lang="pt-BR" smtClean="0"/>
-              <a:t>8</a:t>
+              <a:t>7</a:t>
             </a:fld>
             <a:endParaRPr lang="pt-BR" dirty="0"/>
           </a:p>
@@ -1696,7 +1696,7 @@
             <a:pPr rtl="0"/>
             <a:fld id="{F91317ED-6A91-4121-961B-1A9421EE5B1A}" type="datetime1">
               <a:rPr lang="pt-BR" smtClean="0"/>
-              <a:t>07/09/2022</a:t>
+              <a:t>08/09/2022</a:t>
             </a:fld>
             <a:endParaRPr lang="pt-BR" dirty="0"/>
           </a:p>
@@ -1828,7 +1828,7 @@
             <a:pPr rtl="0"/>
             <a:fld id="{F91317ED-6A91-4121-961B-1A9421EE5B1A}" type="datetime1">
               <a:rPr lang="pt-BR" smtClean="0"/>
-              <a:t>07/09/2022</a:t>
+              <a:t>08/09/2022</a:t>
             </a:fld>
             <a:endParaRPr lang="pt-BR" dirty="0"/>
           </a:p>
@@ -1960,7 +1960,7 @@
             <a:pPr rtl="0"/>
             <a:fld id="{F91317ED-6A91-4121-961B-1A9421EE5B1A}" type="datetime1">
               <a:rPr lang="pt-BR" smtClean="0"/>
-              <a:t>07/09/2022</a:t>
+              <a:t>08/09/2022</a:t>
             </a:fld>
             <a:endParaRPr lang="pt-BR" dirty="0"/>
           </a:p>
@@ -2092,7 +2092,7 @@
             <a:pPr rtl="0"/>
             <a:fld id="{F91317ED-6A91-4121-961B-1A9421EE5B1A}" type="datetime1">
               <a:rPr lang="pt-BR" smtClean="0"/>
-              <a:t>07/09/2022</a:t>
+              <a:t>08/09/2022</a:t>
             </a:fld>
             <a:endParaRPr lang="pt-BR" dirty="0"/>
           </a:p>
@@ -2224,7 +2224,7 @@
             <a:pPr rtl="0"/>
             <a:fld id="{F91317ED-6A91-4121-961B-1A9421EE5B1A}" type="datetime1">
               <a:rPr lang="pt-BR" smtClean="0"/>
-              <a:t>07/09/2022</a:t>
+              <a:t>08/09/2022</a:t>
             </a:fld>
             <a:endParaRPr lang="pt-BR" dirty="0"/>
           </a:p>
@@ -8325,14 +8325,21 @@
             <p:ph type="ctrTitle"/>
           </p:nvPr>
         </p:nvSpPr>
-        <p:spPr/>
-        <p:txBody>
-          <a:bodyPr rtlCol="0"/>
+        <p:spPr>
+          <a:xfrm>
+            <a:off x="779195" y="1528893"/>
+            <a:ext cx="4572000" cy="2286000"/>
+          </a:xfrm>
+        </p:spPr>
+        <p:txBody>
+          <a:bodyPr rtlCol="0">
+            <a:normAutofit/>
+          </a:bodyPr>
           <a:lstStyle/>
           <a:p>
             <a:pPr rtl="0"/>
             <a:r>
-              <a:rPr lang="pt-BR" dirty="0"/>
+              <a:rPr lang="pt-BR" sz="4800" b="1" dirty="0"/>
               <a:t>Coffee Health</a:t>
             </a:r>
           </a:p>
@@ -8368,7 +8375,7 @@
           <a:p>
             <a:pPr rtl="0"/>
             <a:r>
-              <a:rPr lang="pt-BR" sz="1400" b="0" i="0" dirty="0">
+              <a:rPr lang="pt-BR" sz="2400" b="0" i="0" dirty="0">
                 <a:effectLst/>
                 <a:latin typeface="Whitney"/>
               </a:rPr>
@@ -8378,7 +8385,7 @@
           <a:p>
             <a:pPr rtl="0"/>
             <a:r>
-              <a:rPr lang="pt-BR" sz="1400" b="0" i="0" dirty="0">
+              <a:rPr lang="pt-BR" sz="2400" b="0" i="0" dirty="0">
                 <a:effectLst/>
                 <a:latin typeface="Whitney"/>
               </a:rPr>
@@ -8388,7 +8395,7 @@
           <a:p>
             <a:pPr rtl="0"/>
             <a:r>
-              <a:rPr lang="pt-BR" sz="1400" b="0" i="0" dirty="0">
+              <a:rPr lang="pt-BR" sz="2400" b="0" i="0" dirty="0">
                 <a:effectLst/>
                 <a:latin typeface="Whitney"/>
               </a:rPr>
@@ -8398,7 +8405,7 @@
           <a:p>
             <a:pPr rtl="0"/>
             <a:r>
-              <a:rPr lang="pt-BR" sz="1400" b="0" i="0" dirty="0">
+              <a:rPr lang="pt-BR" sz="2400" b="0" i="0" dirty="0">
                 <a:effectLst/>
                 <a:latin typeface="Whitney"/>
               </a:rPr>
@@ -8408,7 +8415,7 @@
           <a:p>
             <a:pPr rtl="0"/>
             <a:r>
-              <a:rPr lang="pt-BR" sz="1400" b="0" i="0" dirty="0">
+              <a:rPr lang="pt-BR" sz="2400" b="0" i="0" dirty="0">
                 <a:effectLst/>
                 <a:latin typeface="Whitney"/>
               </a:rPr>
@@ -8418,7 +8425,7 @@
           <a:p>
             <a:pPr rtl="0"/>
             <a:r>
-              <a:rPr lang="pt-BR" sz="1400" b="0" i="0" dirty="0">
+              <a:rPr lang="pt-BR" sz="2400" b="0" i="0" dirty="0">
                 <a:effectLst/>
                 <a:latin typeface="Whitney"/>
               </a:rPr>
@@ -8428,12 +8435,12 @@
           <a:p>
             <a:pPr rtl="0"/>
             <a:r>
-              <a:rPr lang="pt-BR" sz="1400" dirty="0">
+              <a:rPr lang="pt-BR" sz="2400" dirty="0">
                 <a:latin typeface="Whitney"/>
               </a:rPr>
               <a:t>Victor Augusto Moraes Pereira</a:t>
             </a:r>
-            <a:endParaRPr lang="pt-BR" sz="1400" dirty="0"/>
+            <a:endParaRPr lang="pt-BR" sz="2400" dirty="0"/>
           </a:p>
         </p:txBody>
       </p:sp>
@@ -10109,10 +10116,10 @@
       </p:sp>
       <p:pic>
         <p:nvPicPr>
-          <p:cNvPr id="3" name="Imagem 2">
+          <p:cNvPr id="4" name="Imagem 3">
             <a:extLst>
               <a:ext uri="{FF2B5EF4-FFF2-40B4-BE49-F238E27FC236}">
-                <a16:creationId xmlns:a16="http://schemas.microsoft.com/office/drawing/2014/main" id="{CF3E5BA8-5626-8084-1A97-D12FAC505A49}"/>
+                <a16:creationId xmlns:a16="http://schemas.microsoft.com/office/drawing/2014/main" id="{DE857894-D3A8-3DC9-C880-8F03392B33BC}"/>
               </a:ext>
             </a:extLst>
           </p:cNvPr>
@@ -10129,2667 +10136,20 @@
         </p:blipFill>
         <p:spPr>
           <a:xfrm>
-            <a:off x="499758" y="1855962"/>
-            <a:ext cx="5419725" cy="4000500"/>
+            <a:off x="331978" y="1537539"/>
+            <a:ext cx="5908265" cy="4972050"/>
           </a:xfrm>
           <a:prstGeom prst="rect">
             <a:avLst/>
           </a:prstGeom>
         </p:spPr>
       </p:pic>
-      <p:pic>
-        <p:nvPicPr>
-          <p:cNvPr id="4" name="Imagem 3">
+      <p:sp>
+        <p:nvSpPr>
+          <p:cNvPr id="6" name="Espaço Reservado para Conteúdo 3">
             <a:extLst>
               <a:ext uri="{FF2B5EF4-FFF2-40B4-BE49-F238E27FC236}">
-                <a16:creationId xmlns:a16="http://schemas.microsoft.com/office/drawing/2014/main" id="{DE857894-D3A8-3DC9-C880-8F03392B33BC}"/>
-              </a:ext>
-            </a:extLst>
-          </p:cNvPr>
-          <p:cNvPicPr>
-            <a:picLocks noChangeAspect="1"/>
-          </p:cNvPicPr>
-          <p:nvPr/>
-        </p:nvPicPr>
-        <p:blipFill>
-          <a:blip r:embed="rId4"/>
-          <a:stretch>
-            <a:fillRect/>
-          </a:stretch>
-        </p:blipFill>
-        <p:spPr>
-          <a:xfrm>
-            <a:off x="499758" y="1618317"/>
-            <a:ext cx="5596242" cy="4972050"/>
-          </a:xfrm>
-          <a:prstGeom prst="rect">
-            <a:avLst/>
-          </a:prstGeom>
-        </p:spPr>
-      </p:pic>
-    </p:spTree>
-    <p:extLst>
-      <p:ext uri="{BB962C8B-B14F-4D97-AF65-F5344CB8AC3E}">
-        <p14:creationId xmlns:p14="http://schemas.microsoft.com/office/powerpoint/2010/main" val="3950066950"/>
-      </p:ext>
-    </p:extLst>
-  </p:cSld>
-  <p:clrMapOvr>
-    <a:masterClrMapping/>
-  </p:clrMapOvr>
-</p:sld>
-</file>
-
-<file path=ppt/slides/slide14.xml><?xml version="1.0" encoding="utf-8"?>
-<p:sld xmlns:a="http://schemas.openxmlformats.org/drawingml/2006/main" xmlns:r="http://schemas.openxmlformats.org/officeDocument/2006/relationships" xmlns:p="http://schemas.openxmlformats.org/presentationml/2006/main">
-  <p:cSld>
-    <p:spTree>
-      <p:nvGrpSpPr>
-        <p:cNvPr id="1" name=""/>
-        <p:cNvGrpSpPr/>
-        <p:nvPr/>
-      </p:nvGrpSpPr>
-      <p:grpSpPr>
-        <a:xfrm>
-          <a:off x="0" y="0"/>
-          <a:ext cx="0" cy="0"/>
-          <a:chOff x="0" y="0"/>
-          <a:chExt cx="0" cy="0"/>
-        </a:xfrm>
-      </p:grpSpPr>
-      <p:sp>
-        <p:nvSpPr>
-          <p:cNvPr id="11" name="Título 10">
-            <a:extLst>
-              <a:ext uri="{FF2B5EF4-FFF2-40B4-BE49-F238E27FC236}">
-                <a16:creationId xmlns:a16="http://schemas.microsoft.com/office/drawing/2014/main" id="{04ABDAF7-BFCA-4B52-805A-736887EB7C85}"/>
-              </a:ext>
-            </a:extLst>
-          </p:cNvPr>
-          <p:cNvSpPr>
-            <a:spLocks noGrp="1"/>
-          </p:cNvSpPr>
-          <p:nvPr>
-            <p:ph type="title"/>
-          </p:nvPr>
-        </p:nvSpPr>
-        <p:spPr>
-          <a:xfrm>
-            <a:off x="331978" y="421342"/>
-            <a:ext cx="10515600" cy="1325563"/>
-          </a:xfrm>
-        </p:spPr>
-        <p:txBody>
-          <a:bodyPr rtlCol="0"/>
-          <a:lstStyle/>
-          <a:p>
-            <a:pPr marL="0" indent="0">
-              <a:buNone/>
-            </a:pPr>
-            <a:r>
-              <a:rPr lang="pt-BR" sz="4400" dirty="0"/>
-              <a:t>Calculadora Financeira – Script</a:t>
-            </a:r>
-          </a:p>
-        </p:txBody>
-      </p:sp>
-      <p:pic>
-        <p:nvPicPr>
-          <p:cNvPr id="6" name="Imagem 5">
-            <a:extLst>
-              <a:ext uri="{FF2B5EF4-FFF2-40B4-BE49-F238E27FC236}">
-                <a16:creationId xmlns:a16="http://schemas.microsoft.com/office/drawing/2014/main" id="{2B7239F2-78BC-1005-32EC-6396C3281FF2}"/>
-              </a:ext>
-            </a:extLst>
-          </p:cNvPr>
-          <p:cNvPicPr>
-            <a:picLocks noChangeAspect="1"/>
-          </p:cNvPicPr>
-          <p:nvPr/>
-        </p:nvPicPr>
-        <p:blipFill>
-          <a:blip r:embed="rId3"/>
-          <a:stretch>
-            <a:fillRect/>
-          </a:stretch>
-        </p:blipFill>
-        <p:spPr>
-          <a:xfrm>
-            <a:off x="486449" y="1968343"/>
-            <a:ext cx="5546095" cy="3995105"/>
-          </a:xfrm>
-          <a:prstGeom prst="rect">
-            <a:avLst/>
-          </a:prstGeom>
-        </p:spPr>
-      </p:pic>
-      <p:pic>
-        <p:nvPicPr>
-          <p:cNvPr id="4" name="Imagem 3">
-            <a:extLst>
-              <a:ext uri="{FF2B5EF4-FFF2-40B4-BE49-F238E27FC236}">
-                <a16:creationId xmlns:a16="http://schemas.microsoft.com/office/drawing/2014/main" id="{24890B22-CB66-6BC0-1C28-49424F4A188F}"/>
-              </a:ext>
-            </a:extLst>
-          </p:cNvPr>
-          <p:cNvPicPr>
-            <a:picLocks noChangeAspect="1"/>
-          </p:cNvPicPr>
-          <p:nvPr/>
-        </p:nvPicPr>
-        <p:blipFill>
-          <a:blip r:embed="rId4"/>
-          <a:stretch>
-            <a:fillRect/>
-          </a:stretch>
-        </p:blipFill>
-        <p:spPr>
-          <a:xfrm>
-            <a:off x="6285292" y="1968343"/>
-            <a:ext cx="5546095" cy="1526931"/>
-          </a:xfrm>
-          <a:prstGeom prst="rect">
-            <a:avLst/>
-          </a:prstGeom>
-        </p:spPr>
-      </p:pic>
-    </p:spTree>
-    <p:extLst>
-      <p:ext uri="{BB962C8B-B14F-4D97-AF65-F5344CB8AC3E}">
-        <p14:creationId xmlns:p14="http://schemas.microsoft.com/office/powerpoint/2010/main" val="3239005155"/>
-      </p:ext>
-    </p:extLst>
-  </p:cSld>
-  <p:clrMapOvr>
-    <a:masterClrMapping/>
-  </p:clrMapOvr>
-</p:sld>
-</file>
-
-<file path=ppt/slides/slide15.xml><?xml version="1.0" encoding="utf-8"?>
-<p:sld xmlns:a="http://schemas.openxmlformats.org/drawingml/2006/main" xmlns:r="http://schemas.openxmlformats.org/officeDocument/2006/relationships" xmlns:p="http://schemas.openxmlformats.org/presentationml/2006/main">
-  <p:cSld>
-    <p:spTree>
-      <p:nvGrpSpPr>
-        <p:cNvPr id="1" name=""/>
-        <p:cNvGrpSpPr/>
-        <p:nvPr/>
-      </p:nvGrpSpPr>
-      <p:grpSpPr>
-        <a:xfrm>
-          <a:off x="0" y="0"/>
-          <a:ext cx="0" cy="0"/>
-          <a:chOff x="0" y="0"/>
-          <a:chExt cx="0" cy="0"/>
-        </a:xfrm>
-      </p:grpSpPr>
-      <p:sp>
-        <p:nvSpPr>
-          <p:cNvPr id="11" name="Título 10">
-            <a:extLst>
-              <a:ext uri="{FF2B5EF4-FFF2-40B4-BE49-F238E27FC236}">
-                <a16:creationId xmlns:a16="http://schemas.microsoft.com/office/drawing/2014/main" id="{04ABDAF7-BFCA-4B52-805A-736887EB7C85}"/>
-              </a:ext>
-            </a:extLst>
-          </p:cNvPr>
-          <p:cNvSpPr>
-            <a:spLocks noGrp="1"/>
-          </p:cNvSpPr>
-          <p:nvPr>
-            <p:ph type="title"/>
-          </p:nvPr>
-        </p:nvSpPr>
-        <p:spPr>
-          <a:xfrm>
-            <a:off x="198628" y="164167"/>
-            <a:ext cx="10515600" cy="1325563"/>
-          </a:xfrm>
-        </p:spPr>
-        <p:txBody>
-          <a:bodyPr rtlCol="0"/>
-          <a:lstStyle/>
-          <a:p>
-            <a:pPr marL="0" indent="0">
-              <a:buNone/>
-            </a:pPr>
-            <a:r>
-              <a:rPr lang="pt-BR" sz="4400" dirty="0"/>
-              <a:t>Protótipo do nosso site</a:t>
-            </a:r>
-          </a:p>
-        </p:txBody>
-      </p:sp>
-      <p:pic>
-        <p:nvPicPr>
-          <p:cNvPr id="5" name="Imagem 4">
-            <a:extLst>
-              <a:ext uri="{FF2B5EF4-FFF2-40B4-BE49-F238E27FC236}">
-                <a16:creationId xmlns:a16="http://schemas.microsoft.com/office/drawing/2014/main" id="{CE9675DF-7968-55A5-52B5-4443FA7B6388}"/>
-              </a:ext>
-            </a:extLst>
-          </p:cNvPr>
-          <p:cNvPicPr>
-            <a:picLocks noChangeAspect="1"/>
-          </p:cNvPicPr>
-          <p:nvPr/>
-        </p:nvPicPr>
-        <p:blipFill rotWithShape="1">
-          <a:blip r:embed="rId3"/>
-          <a:srcRect l="237"/>
-          <a:stretch/>
-        </p:blipFill>
-        <p:spPr>
-          <a:xfrm>
-            <a:off x="294138" y="1525045"/>
-            <a:ext cx="5878062" cy="3807909"/>
-          </a:xfrm>
-          <a:prstGeom prst="rect">
-            <a:avLst/>
-          </a:prstGeom>
-        </p:spPr>
-      </p:pic>
-      <p:pic>
-        <p:nvPicPr>
-          <p:cNvPr id="7" name="Imagem 6">
-            <a:extLst>
-              <a:ext uri="{FF2B5EF4-FFF2-40B4-BE49-F238E27FC236}">
-                <a16:creationId xmlns:a16="http://schemas.microsoft.com/office/drawing/2014/main" id="{8B9CC1F9-D44D-4A2D-E638-6A0F10CF5A5E}"/>
-              </a:ext>
-            </a:extLst>
-          </p:cNvPr>
-          <p:cNvPicPr>
-            <a:picLocks noChangeAspect="1"/>
-          </p:cNvPicPr>
-          <p:nvPr/>
-        </p:nvPicPr>
-        <p:blipFill rotWithShape="1">
-          <a:blip r:embed="rId4"/>
-          <a:srcRect l="285"/>
-          <a:stretch/>
-        </p:blipFill>
-        <p:spPr>
-          <a:xfrm>
-            <a:off x="6429374" y="1525045"/>
-            <a:ext cx="5258937" cy="4840510"/>
-          </a:xfrm>
-          <a:prstGeom prst="rect">
-            <a:avLst/>
-          </a:prstGeom>
-        </p:spPr>
-      </p:pic>
-    </p:spTree>
-    <p:extLst>
-      <p:ext uri="{BB962C8B-B14F-4D97-AF65-F5344CB8AC3E}">
-        <p14:creationId xmlns:p14="http://schemas.microsoft.com/office/powerpoint/2010/main" val="2305841361"/>
-      </p:ext>
-    </p:extLst>
-  </p:cSld>
-  <p:clrMapOvr>
-    <a:masterClrMapping/>
-  </p:clrMapOvr>
-</p:sld>
-</file>
-
-<file path=ppt/slides/slide16.xml><?xml version="1.0" encoding="utf-8"?>
-<p:sld xmlns:a="http://schemas.openxmlformats.org/drawingml/2006/main" xmlns:r="http://schemas.openxmlformats.org/officeDocument/2006/relationships" xmlns:p="http://schemas.openxmlformats.org/presentationml/2006/main">
-  <p:cSld>
-    <p:spTree>
-      <p:nvGrpSpPr>
-        <p:cNvPr id="1" name=""/>
-        <p:cNvGrpSpPr/>
-        <p:nvPr/>
-      </p:nvGrpSpPr>
-      <p:grpSpPr>
-        <a:xfrm>
-          <a:off x="0" y="0"/>
-          <a:ext cx="0" cy="0"/>
-          <a:chOff x="0" y="0"/>
-          <a:chExt cx="0" cy="0"/>
-        </a:xfrm>
-      </p:grpSpPr>
-      <p:sp>
-        <p:nvSpPr>
-          <p:cNvPr id="5" name="Título 4">
-            <a:extLst>
-              <a:ext uri="{FF2B5EF4-FFF2-40B4-BE49-F238E27FC236}">
-                <a16:creationId xmlns:a16="http://schemas.microsoft.com/office/drawing/2014/main" id="{17124D3B-1715-4E5A-BB52-98DE8D5595ED}"/>
-              </a:ext>
-            </a:extLst>
-          </p:cNvPr>
-          <p:cNvSpPr>
-            <a:spLocks noGrp="1"/>
-          </p:cNvSpPr>
-          <p:nvPr>
-            <p:ph type="title"/>
-          </p:nvPr>
-        </p:nvSpPr>
-        <p:spPr>
-          <a:xfrm>
-            <a:off x="6781800" y="2564225"/>
-            <a:ext cx="4572000" cy="1524010"/>
-          </a:xfrm>
-        </p:spPr>
-        <p:txBody>
-          <a:bodyPr rtlCol="0">
-            <a:normAutofit fontScale="90000"/>
-          </a:bodyPr>
-          <a:lstStyle/>
-          <a:p>
-            <a:pPr rtl="0"/>
-            <a:r>
-              <a:rPr lang="pt-BR" dirty="0"/>
-              <a:t>Obrigado, agradeço a atenção de todos!</a:t>
-            </a:r>
-          </a:p>
-        </p:txBody>
-      </p:sp>
-      <p:pic>
-        <p:nvPicPr>
-          <p:cNvPr id="9" name="Espaço Reservado para Imagem 8" descr="Café em uma mesa de madeira com água ">
-            <a:extLst>
-              <a:ext uri="{FF2B5EF4-FFF2-40B4-BE49-F238E27FC236}">
-                <a16:creationId xmlns:a16="http://schemas.microsoft.com/office/drawing/2014/main" id="{A6793210-E409-4229-B0C0-76710EC7F3B9}"/>
-              </a:ext>
-            </a:extLst>
-          </p:cNvPr>
-          <p:cNvPicPr>
-            <a:picLocks noGrp="1" noChangeAspect="1"/>
-          </p:cNvPicPr>
-          <p:nvPr>
-            <p:ph type="pic" sz="quarter" idx="13"/>
-          </p:nvPr>
-        </p:nvPicPr>
-        <p:blipFill rotWithShape="1">
-          <a:blip r:embed="rId2" cstate="screen">
-            <a:extLst>
-              <a:ext uri="{28A0092B-C50C-407E-A947-70E740481C1C}">
-                <a14:useLocalDpi xmlns:a14="http://schemas.microsoft.com/office/drawing/2010/main" val="0"/>
-              </a:ext>
-            </a:extLst>
-          </a:blip>
-          <a:srcRect t="40" b="40"/>
-          <a:stretch/>
-        </p:blipFill>
-        <p:spPr/>
-      </p:pic>
-      <p:sp>
-        <p:nvSpPr>
-          <p:cNvPr id="11" name="Forma Livre: Forma 10">
-            <a:extLst>
-              <a:ext uri="{FF2B5EF4-FFF2-40B4-BE49-F238E27FC236}">
-                <a16:creationId xmlns:a16="http://schemas.microsoft.com/office/drawing/2014/main" id="{BE4F2156-6613-4004-9B59-5568A455A244}"/>
-              </a:ext>
-              <a:ext uri="{C183D7F6-B498-43B3-948B-1728B52AA6E4}">
-                <adec:decorative xmlns:adec="http://schemas.microsoft.com/office/drawing/2017/decorative" val="1"/>
-              </a:ext>
-            </a:extLst>
-          </p:cNvPr>
-          <p:cNvSpPr/>
-          <p:nvPr/>
-        </p:nvSpPr>
-        <p:spPr>
-          <a:xfrm rot="5400000" flipH="1">
-            <a:off x="223838" y="538152"/>
-            <a:ext cx="6095989" cy="6543686"/>
-          </a:xfrm>
-          <a:custGeom>
-            <a:avLst/>
-            <a:gdLst>
-              <a:gd name="connsiteX0" fmla="*/ 0 w 4033589"/>
-              <a:gd name="connsiteY0" fmla="*/ 0 h 6858000"/>
-              <a:gd name="connsiteX1" fmla="*/ 1878934 w 4033589"/>
-              <a:gd name="connsiteY1" fmla="*/ 0 h 6858000"/>
-              <a:gd name="connsiteX2" fmla="*/ 1882313 w 4033589"/>
-              <a:gd name="connsiteY2" fmla="*/ 2021 h 6858000"/>
-              <a:gd name="connsiteX3" fmla="*/ 3475371 w 4033589"/>
-              <a:gd name="connsiteY3" fmla="*/ 1517967 h 6858000"/>
-              <a:gd name="connsiteX4" fmla="*/ 3975977 w 4033589"/>
-              <a:gd name="connsiteY4" fmla="*/ 4379386 h 6858000"/>
-              <a:gd name="connsiteX5" fmla="*/ 3312864 w 4033589"/>
-              <a:gd name="connsiteY5" fmla="*/ 6852362 h 6858000"/>
-              <a:gd name="connsiteX6" fmla="*/ 3310593 w 4033589"/>
-              <a:gd name="connsiteY6" fmla="*/ 6858000 h 6858000"/>
-              <a:gd name="connsiteX7" fmla="*/ 0 w 4033589"/>
-              <a:gd name="connsiteY7" fmla="*/ 6858000 h 6858000"/>
-              <a:gd name="connsiteX8" fmla="*/ 0 w 4033589"/>
-              <a:gd name="connsiteY8" fmla="*/ 0 h 6858000"/>
-              <a:gd name="connsiteX0" fmla="*/ 0 w 4033589"/>
-              <a:gd name="connsiteY0" fmla="*/ 6858000 h 6858000"/>
-              <a:gd name="connsiteX1" fmla="*/ 1878934 w 4033589"/>
-              <a:gd name="connsiteY1" fmla="*/ 0 h 6858000"/>
-              <a:gd name="connsiteX2" fmla="*/ 1882313 w 4033589"/>
-              <a:gd name="connsiteY2" fmla="*/ 2021 h 6858000"/>
-              <a:gd name="connsiteX3" fmla="*/ 3475371 w 4033589"/>
-              <a:gd name="connsiteY3" fmla="*/ 1517967 h 6858000"/>
-              <a:gd name="connsiteX4" fmla="*/ 3975977 w 4033589"/>
-              <a:gd name="connsiteY4" fmla="*/ 4379386 h 6858000"/>
-              <a:gd name="connsiteX5" fmla="*/ 3312864 w 4033589"/>
-              <a:gd name="connsiteY5" fmla="*/ 6852362 h 6858000"/>
-              <a:gd name="connsiteX6" fmla="*/ 3310593 w 4033589"/>
-              <a:gd name="connsiteY6" fmla="*/ 6858000 h 6858000"/>
-              <a:gd name="connsiteX7" fmla="*/ 0 w 4033589"/>
-              <a:gd name="connsiteY7" fmla="*/ 6858000 h 6858000"/>
-              <a:gd name="connsiteX0" fmla="*/ 1787494 w 3942149"/>
-              <a:gd name="connsiteY0" fmla="*/ 0 h 6949440"/>
-              <a:gd name="connsiteX1" fmla="*/ 1790873 w 3942149"/>
-              <a:gd name="connsiteY1" fmla="*/ 2021 h 6949440"/>
-              <a:gd name="connsiteX2" fmla="*/ 3383931 w 3942149"/>
-              <a:gd name="connsiteY2" fmla="*/ 1517967 h 6949440"/>
-              <a:gd name="connsiteX3" fmla="*/ 3884537 w 3942149"/>
-              <a:gd name="connsiteY3" fmla="*/ 4379386 h 6949440"/>
-              <a:gd name="connsiteX4" fmla="*/ 3221424 w 3942149"/>
-              <a:gd name="connsiteY4" fmla="*/ 6852362 h 6949440"/>
-              <a:gd name="connsiteX5" fmla="*/ 3219153 w 3942149"/>
-              <a:gd name="connsiteY5" fmla="*/ 6858000 h 6949440"/>
-              <a:gd name="connsiteX6" fmla="*/ 0 w 3942149"/>
-              <a:gd name="connsiteY6" fmla="*/ 6949440 h 6949440"/>
-              <a:gd name="connsiteX0" fmla="*/ 1787494 w 3942149"/>
-              <a:gd name="connsiteY0" fmla="*/ 0 h 6949440"/>
-              <a:gd name="connsiteX1" fmla="*/ 1790873 w 3942149"/>
-              <a:gd name="connsiteY1" fmla="*/ 2021 h 6949440"/>
-              <a:gd name="connsiteX2" fmla="*/ 3383931 w 3942149"/>
-              <a:gd name="connsiteY2" fmla="*/ 1517967 h 6949440"/>
-              <a:gd name="connsiteX3" fmla="*/ 3884537 w 3942149"/>
-              <a:gd name="connsiteY3" fmla="*/ 4379386 h 6949440"/>
-              <a:gd name="connsiteX4" fmla="*/ 3221424 w 3942149"/>
-              <a:gd name="connsiteY4" fmla="*/ 6852362 h 6949440"/>
-              <a:gd name="connsiteX5" fmla="*/ 3219153 w 3942149"/>
-              <a:gd name="connsiteY5" fmla="*/ 6858000 h 6949440"/>
-              <a:gd name="connsiteX6" fmla="*/ 0 w 3942149"/>
-              <a:gd name="connsiteY6" fmla="*/ 6949440 h 6949440"/>
-              <a:gd name="connsiteX0" fmla="*/ 0 w 2154655"/>
-              <a:gd name="connsiteY0" fmla="*/ 0 h 6858000"/>
-              <a:gd name="connsiteX1" fmla="*/ 3379 w 2154655"/>
-              <a:gd name="connsiteY1" fmla="*/ 2021 h 6858000"/>
-              <a:gd name="connsiteX2" fmla="*/ 1596437 w 2154655"/>
-              <a:gd name="connsiteY2" fmla="*/ 1517967 h 6858000"/>
-              <a:gd name="connsiteX3" fmla="*/ 2097043 w 2154655"/>
-              <a:gd name="connsiteY3" fmla="*/ 4379386 h 6858000"/>
-              <a:gd name="connsiteX4" fmla="*/ 1433930 w 2154655"/>
-              <a:gd name="connsiteY4" fmla="*/ 6852362 h 6858000"/>
-              <a:gd name="connsiteX5" fmla="*/ 1431659 w 2154655"/>
-              <a:gd name="connsiteY5" fmla="*/ 6858000 h 6858000"/>
-            </a:gdLst>
-            <a:ahLst/>
-            <a:cxnLst>
-              <a:cxn ang="0">
-                <a:pos x="connsiteX0" y="connsiteY0"/>
-              </a:cxn>
-              <a:cxn ang="0">
-                <a:pos x="connsiteX1" y="connsiteY1"/>
-              </a:cxn>
-              <a:cxn ang="0">
-                <a:pos x="connsiteX2" y="connsiteY2"/>
-              </a:cxn>
-              <a:cxn ang="0">
-                <a:pos x="connsiteX3" y="connsiteY3"/>
-              </a:cxn>
-              <a:cxn ang="0">
-                <a:pos x="connsiteX4" y="connsiteY4"/>
-              </a:cxn>
-              <a:cxn ang="0">
-                <a:pos x="connsiteX5" y="connsiteY5"/>
-              </a:cxn>
-            </a:cxnLst>
-            <a:rect l="l" t="t" r="r" b="b"/>
-            <a:pathLst>
-              <a:path w="2154655" h="6858000">
-                <a:moveTo>
-                  <a:pt x="0" y="0"/>
-                </a:moveTo>
-                <a:lnTo>
-                  <a:pt x="3379" y="2021"/>
-                </a:lnTo>
-                <a:cubicBezTo>
-                  <a:pt x="667061" y="423753"/>
-                  <a:pt x="1239365" y="963389"/>
-                  <a:pt x="1596437" y="1517967"/>
-                </a:cubicBezTo>
-                <a:cubicBezTo>
-                  <a:pt x="2133142" y="2350886"/>
-                  <a:pt x="2239839" y="3395752"/>
-                  <a:pt x="2097043" y="4379386"/>
-                </a:cubicBezTo>
-                <a:cubicBezTo>
-                  <a:pt x="2032295" y="4824358"/>
-                  <a:pt x="1812506" y="5869368"/>
-                  <a:pt x="1433930" y="6852362"/>
-                </a:cubicBezTo>
-                <a:lnTo>
-                  <a:pt x="1431659" y="6858000"/>
-                </a:lnTo>
-              </a:path>
-            </a:pathLst>
-          </a:custGeom>
-          <a:noFill/>
-          <a:ln w="19050">
-            <a:solidFill>
-              <a:schemeClr val="accent2">
-                <a:lumMod val="60000"/>
-                <a:lumOff val="40000"/>
-              </a:schemeClr>
-            </a:solidFill>
-          </a:ln>
-        </p:spPr>
-        <p:style>
-          <a:lnRef idx="2">
-            <a:schemeClr val="accent1">
-              <a:shade val="50000"/>
-            </a:schemeClr>
-          </a:lnRef>
-          <a:fillRef idx="1">
-            <a:schemeClr val="accent1"/>
-          </a:fillRef>
-          <a:effectRef idx="0">
-            <a:schemeClr val="accent1"/>
-          </a:effectRef>
-          <a:fontRef idx="minor">
-            <a:schemeClr val="lt1"/>
-          </a:fontRef>
-        </p:style>
-        <p:txBody>
-          <a:bodyPr rtlCol="0" anchor="ctr"/>
-          <a:lstStyle/>
-          <a:p>
-            <a:pPr algn="ctr" rtl="0"/>
-            <a:endParaRPr lang="pt-BR" dirty="0">
-              <a:solidFill>
-                <a:prstClr val="white"/>
-              </a:solidFill>
-              <a:latin typeface="Avenir Next LT Pro Light"/>
-            </a:endParaRPr>
-          </a:p>
-        </p:txBody>
-      </p:sp>
-    </p:spTree>
-    <p:extLst>
-      <p:ext uri="{BB962C8B-B14F-4D97-AF65-F5344CB8AC3E}">
-        <p14:creationId xmlns:p14="http://schemas.microsoft.com/office/powerpoint/2010/main" val="3462165073"/>
-      </p:ext>
-    </p:extLst>
-  </p:cSld>
-  <p:clrMapOvr>
-    <a:masterClrMapping/>
-  </p:clrMapOvr>
-</p:sld>
-</file>
-
-<file path=ppt/slides/slide2.xml><?xml version="1.0" encoding="utf-8"?>
-<p:sld xmlns:a="http://schemas.openxmlformats.org/drawingml/2006/main" xmlns:r="http://schemas.openxmlformats.org/officeDocument/2006/relationships" xmlns:p="http://schemas.openxmlformats.org/presentationml/2006/main">
-  <p:cSld>
-    <p:spTree>
-      <p:nvGrpSpPr>
-        <p:cNvPr id="1" name=""/>
-        <p:cNvGrpSpPr/>
-        <p:nvPr/>
-      </p:nvGrpSpPr>
-      <p:grpSpPr>
-        <a:xfrm>
-          <a:off x="0" y="0"/>
-          <a:ext cx="0" cy="0"/>
-          <a:chOff x="0" y="0"/>
-          <a:chExt cx="0" cy="0"/>
-        </a:xfrm>
-      </p:grpSpPr>
-      <p:sp>
-        <p:nvSpPr>
-          <p:cNvPr id="6" name="Título 5">
-            <a:extLst>
-              <a:ext uri="{FF2B5EF4-FFF2-40B4-BE49-F238E27FC236}">
-                <a16:creationId xmlns:a16="http://schemas.microsoft.com/office/drawing/2014/main" id="{ABF2EF1B-CCB2-40E8-AB44-5AFEA615DF09}"/>
-              </a:ext>
-            </a:extLst>
-          </p:cNvPr>
-          <p:cNvSpPr>
-            <a:spLocks noGrp="1"/>
-          </p:cNvSpPr>
-          <p:nvPr>
-            <p:ph type="title"/>
-          </p:nvPr>
-        </p:nvSpPr>
-        <p:spPr>
-          <a:xfrm>
-            <a:off x="6096000" y="77249"/>
-            <a:ext cx="5334000" cy="1524000"/>
-          </a:xfrm>
-        </p:spPr>
-        <p:txBody>
-          <a:bodyPr rtlCol="0"/>
-          <a:lstStyle/>
-          <a:p>
-            <a:pPr rtl="0"/>
-            <a:r>
-              <a:rPr lang="pt-BR" dirty="0"/>
-              <a:t>Sumario</a:t>
-            </a:r>
-          </a:p>
-        </p:txBody>
-      </p:sp>
-      <p:pic>
-        <p:nvPicPr>
-          <p:cNvPr id="9" name="Espaço Reservado para Imagem 8" descr="Máquina de café no trabalho">
-            <a:extLst>
-              <a:ext uri="{FF2B5EF4-FFF2-40B4-BE49-F238E27FC236}">
-                <a16:creationId xmlns:a16="http://schemas.microsoft.com/office/drawing/2014/main" id="{E34F2790-963F-4737-9DB8-67C3899EF687}"/>
-              </a:ext>
-            </a:extLst>
-          </p:cNvPr>
-          <p:cNvPicPr>
-            <a:picLocks noGrp="1" noChangeAspect="1"/>
-          </p:cNvPicPr>
-          <p:nvPr>
-            <p:ph type="pic" sz="quarter" idx="13"/>
-          </p:nvPr>
-        </p:nvPicPr>
-        <p:blipFill rotWithShape="1">
-          <a:blip r:embed="rId2" cstate="screen">
-            <a:extLst>
-              <a:ext uri="{28A0092B-C50C-407E-A947-70E740481C1C}">
-                <a14:useLocalDpi xmlns:a14="http://schemas.microsoft.com/office/drawing/2010/main" val="0"/>
-              </a:ext>
-            </a:extLst>
-          </a:blip>
-          <a:srcRect t="16" b="16"/>
-          <a:stretch/>
-        </p:blipFill>
-        <p:spPr/>
-      </p:pic>
-      <p:sp>
-        <p:nvSpPr>
-          <p:cNvPr id="5" name="Espaço Reservado para Conteúdo 4">
-            <a:extLst>
-              <a:ext uri="{FF2B5EF4-FFF2-40B4-BE49-F238E27FC236}">
-                <a16:creationId xmlns:a16="http://schemas.microsoft.com/office/drawing/2014/main" id="{2585A4C3-EB2E-41D1-8420-7251814A8D8B}"/>
-              </a:ext>
-            </a:extLst>
-          </p:cNvPr>
-          <p:cNvSpPr>
-            <a:spLocks noGrp="1"/>
-          </p:cNvSpPr>
-          <p:nvPr>
-            <p:ph idx="1"/>
-          </p:nvPr>
-        </p:nvSpPr>
-        <p:spPr>
-          <a:xfrm>
-            <a:off x="6096000" y="1295400"/>
-            <a:ext cx="5334000" cy="5067300"/>
-          </a:xfrm>
-        </p:spPr>
-        <p:txBody>
-          <a:bodyPr rtlCol="0"/>
-          <a:lstStyle/>
-          <a:p>
-            <a:r>
-              <a:rPr lang="pt-BR" dirty="0"/>
-              <a:t>Objetivo</a:t>
-            </a:r>
-          </a:p>
-          <a:p>
-            <a:pPr rtl="0"/>
-            <a:r>
-              <a:rPr lang="pt-BR" dirty="0"/>
-              <a:t>Contexto</a:t>
-            </a:r>
-          </a:p>
-          <a:p>
-            <a:pPr rtl="0"/>
-            <a:r>
-              <a:rPr lang="pt-BR" dirty="0"/>
-              <a:t>Justificativa</a:t>
-            </a:r>
-          </a:p>
-          <a:p>
-            <a:pPr rtl="0"/>
-            <a:r>
-              <a:rPr lang="pt-BR" dirty="0"/>
-              <a:t>Principais Requisitos</a:t>
-            </a:r>
-          </a:p>
-          <a:p>
-            <a:pPr rtl="0"/>
-            <a:r>
-              <a:rPr lang="pt-BR" dirty="0"/>
-              <a:t>Ferramenta escolhida</a:t>
-            </a:r>
-          </a:p>
-          <a:p>
-            <a:pPr rtl="0"/>
-            <a:r>
-              <a:rPr lang="pt-BR" dirty="0"/>
-              <a:t>Diagrama de negocio</a:t>
-            </a:r>
-          </a:p>
-          <a:p>
-            <a:pPr rtl="0"/>
-            <a:r>
-              <a:rPr lang="pt-BR" dirty="0"/>
-              <a:t>Banco de Dados</a:t>
-            </a:r>
-          </a:p>
-          <a:p>
-            <a:pPr rtl="0"/>
-            <a:r>
-              <a:rPr lang="pt-BR" dirty="0"/>
-              <a:t>Arduino</a:t>
-            </a:r>
-          </a:p>
-          <a:p>
-            <a:pPr rtl="0"/>
-            <a:r>
-              <a:rPr lang="pt-BR" dirty="0"/>
-              <a:t>Calculadora Financeira</a:t>
-            </a:r>
-          </a:p>
-          <a:p>
-            <a:pPr rtl="0"/>
-            <a:r>
-              <a:rPr lang="pt-BR" dirty="0"/>
-              <a:t>Protótipo do site </a:t>
-            </a:r>
-          </a:p>
-        </p:txBody>
-      </p:sp>
-      <p:sp>
-        <p:nvSpPr>
-          <p:cNvPr id="11" name="Forma Livre: Forma 10">
-            <a:extLst>
-              <a:ext uri="{FF2B5EF4-FFF2-40B4-BE49-F238E27FC236}">
-                <a16:creationId xmlns:a16="http://schemas.microsoft.com/office/drawing/2014/main" id="{886CC949-024C-450A-92AD-EF1695756AA7}"/>
-              </a:ext>
-              <a:ext uri="{C183D7F6-B498-43B3-948B-1728B52AA6E4}">
-                <adec:decorative xmlns:adec="http://schemas.microsoft.com/office/drawing/2017/decorative" val="1"/>
-              </a:ext>
-            </a:extLst>
-          </p:cNvPr>
-          <p:cNvSpPr/>
-          <p:nvPr/>
-        </p:nvSpPr>
-        <p:spPr>
-          <a:xfrm>
-            <a:off x="-1" y="0"/>
-            <a:ext cx="5704117" cy="6096000"/>
-          </a:xfrm>
-          <a:custGeom>
-            <a:avLst/>
-            <a:gdLst>
-              <a:gd name="connsiteX0" fmla="*/ 0 w 5704117"/>
-              <a:gd name="connsiteY0" fmla="*/ 0 h 6096000"/>
-              <a:gd name="connsiteX1" fmla="*/ 4562795 w 5704117"/>
-              <a:gd name="connsiteY1" fmla="*/ 0 h 6096000"/>
-              <a:gd name="connsiteX2" fmla="*/ 4721192 w 5704117"/>
-              <a:gd name="connsiteY2" fmla="*/ 133595 h 6096000"/>
-              <a:gd name="connsiteX3" fmla="*/ 5467522 w 5704117"/>
-              <a:gd name="connsiteY3" fmla="*/ 1054328 h 6096000"/>
-              <a:gd name="connsiteX4" fmla="*/ 5538873 w 5704117"/>
-              <a:gd name="connsiteY4" fmla="*/ 2897564 h 6096000"/>
-              <a:gd name="connsiteX5" fmla="*/ 4442050 w 5704117"/>
-              <a:gd name="connsiteY5" fmla="*/ 4732407 h 6096000"/>
-              <a:gd name="connsiteX6" fmla="*/ 93046 w 5704117"/>
-              <a:gd name="connsiteY6" fmla="*/ 6082857 h 6096000"/>
-              <a:gd name="connsiteX7" fmla="*/ 0 w 5704117"/>
-              <a:gd name="connsiteY7" fmla="*/ 6078450 h 6096000"/>
-              <a:gd name="connsiteX0" fmla="*/ 4562795 w 5704117"/>
-              <a:gd name="connsiteY0" fmla="*/ 0 h 6096000"/>
-              <a:gd name="connsiteX1" fmla="*/ 4721192 w 5704117"/>
-              <a:gd name="connsiteY1" fmla="*/ 133595 h 6096000"/>
-              <a:gd name="connsiteX2" fmla="*/ 5467522 w 5704117"/>
-              <a:gd name="connsiteY2" fmla="*/ 1054328 h 6096000"/>
-              <a:gd name="connsiteX3" fmla="*/ 5538873 w 5704117"/>
-              <a:gd name="connsiteY3" fmla="*/ 2897564 h 6096000"/>
-              <a:gd name="connsiteX4" fmla="*/ 4442050 w 5704117"/>
-              <a:gd name="connsiteY4" fmla="*/ 4732407 h 6096000"/>
-              <a:gd name="connsiteX5" fmla="*/ 93046 w 5704117"/>
-              <a:gd name="connsiteY5" fmla="*/ 6082857 h 6096000"/>
-              <a:gd name="connsiteX6" fmla="*/ 0 w 5704117"/>
-              <a:gd name="connsiteY6" fmla="*/ 6078450 h 6096000"/>
-              <a:gd name="connsiteX7" fmla="*/ 91440 w 5704117"/>
-              <a:gd name="connsiteY7" fmla="*/ 91440 h 6096000"/>
-              <a:gd name="connsiteX0" fmla="*/ 4562795 w 5704117"/>
-              <a:gd name="connsiteY0" fmla="*/ 0 h 6096000"/>
-              <a:gd name="connsiteX1" fmla="*/ 4721192 w 5704117"/>
-              <a:gd name="connsiteY1" fmla="*/ 133595 h 6096000"/>
-              <a:gd name="connsiteX2" fmla="*/ 5467522 w 5704117"/>
-              <a:gd name="connsiteY2" fmla="*/ 1054328 h 6096000"/>
-              <a:gd name="connsiteX3" fmla="*/ 5538873 w 5704117"/>
-              <a:gd name="connsiteY3" fmla="*/ 2897564 h 6096000"/>
-              <a:gd name="connsiteX4" fmla="*/ 4442050 w 5704117"/>
-              <a:gd name="connsiteY4" fmla="*/ 4732407 h 6096000"/>
-              <a:gd name="connsiteX5" fmla="*/ 93046 w 5704117"/>
-              <a:gd name="connsiteY5" fmla="*/ 6082857 h 6096000"/>
-              <a:gd name="connsiteX6" fmla="*/ 0 w 5704117"/>
-              <a:gd name="connsiteY6" fmla="*/ 6078450 h 6096000"/>
-            </a:gdLst>
-            <a:ahLst/>
-            <a:cxnLst>
-              <a:cxn ang="0">
-                <a:pos x="connsiteX0" y="connsiteY0"/>
-              </a:cxn>
-              <a:cxn ang="0">
-                <a:pos x="connsiteX1" y="connsiteY1"/>
-              </a:cxn>
-              <a:cxn ang="0">
-                <a:pos x="connsiteX2" y="connsiteY2"/>
-              </a:cxn>
-              <a:cxn ang="0">
-                <a:pos x="connsiteX3" y="connsiteY3"/>
-              </a:cxn>
-              <a:cxn ang="0">
-                <a:pos x="connsiteX4" y="connsiteY4"/>
-              </a:cxn>
-              <a:cxn ang="0">
-                <a:pos x="connsiteX5" y="connsiteY5"/>
-              </a:cxn>
-              <a:cxn ang="0">
-                <a:pos x="connsiteX6" y="connsiteY6"/>
-              </a:cxn>
-            </a:cxnLst>
-            <a:rect l="l" t="t" r="r" b="b"/>
-            <a:pathLst>
-              <a:path w="5704117" h="6096000">
-                <a:moveTo>
-                  <a:pt x="4562795" y="0"/>
-                </a:moveTo>
-                <a:lnTo>
-                  <a:pt x="4721192" y="133595"/>
-                </a:lnTo>
-                <a:cubicBezTo>
-                  <a:pt x="5067135" y="440105"/>
-                  <a:pt x="5309779" y="747048"/>
-                  <a:pt x="5467522" y="1054328"/>
-                </a:cubicBezTo>
-                <a:cubicBezTo>
-                  <a:pt x="5782917" y="1668625"/>
-                  <a:pt x="5758242" y="2283795"/>
-                  <a:pt x="5538873" y="2897564"/>
-                </a:cubicBezTo>
-                <a:cubicBezTo>
-                  <a:pt x="5319500" y="3511334"/>
-                  <a:pt x="4905433" y="4123706"/>
-                  <a:pt x="4442050" y="4732407"/>
-                </a:cubicBezTo>
-                <a:cubicBezTo>
-                  <a:pt x="3499930" y="5970384"/>
-                  <a:pt x="1925433" y="6153690"/>
-                  <a:pt x="93046" y="6082857"/>
-                </a:cubicBezTo>
-                <a:lnTo>
-                  <a:pt x="0" y="6078450"/>
-                </a:lnTo>
-              </a:path>
-            </a:pathLst>
-          </a:custGeom>
-          <a:noFill/>
-          <a:ln w="19050">
-            <a:solidFill>
-              <a:schemeClr val="accent2">
-                <a:lumMod val="60000"/>
-                <a:lumOff val="40000"/>
-              </a:schemeClr>
-            </a:solidFill>
-          </a:ln>
-        </p:spPr>
-        <p:style>
-          <a:lnRef idx="2">
-            <a:schemeClr val="accent1">
-              <a:shade val="50000"/>
-            </a:schemeClr>
-          </a:lnRef>
-          <a:fillRef idx="1">
-            <a:schemeClr val="accent1"/>
-          </a:fillRef>
-          <a:effectRef idx="0">
-            <a:schemeClr val="accent1"/>
-          </a:effectRef>
-          <a:fontRef idx="minor">
-            <a:schemeClr val="lt1"/>
-          </a:fontRef>
-        </p:style>
-        <p:txBody>
-          <a:bodyPr wrap="square" rtlCol="0" anchor="ctr">
-            <a:noAutofit/>
-          </a:bodyPr>
-          <a:lstStyle/>
-          <a:p>
-            <a:pPr algn="ctr" rtl="0"/>
-            <a:endParaRPr lang="pt-BR" dirty="0">
-              <a:solidFill>
-                <a:prstClr val="white"/>
-              </a:solidFill>
-              <a:latin typeface="Avenir Next LT Pro Light"/>
-            </a:endParaRPr>
-          </a:p>
-        </p:txBody>
-      </p:sp>
-    </p:spTree>
-    <p:extLst>
-      <p:ext uri="{BB962C8B-B14F-4D97-AF65-F5344CB8AC3E}">
-        <p14:creationId xmlns:p14="http://schemas.microsoft.com/office/powerpoint/2010/main" val="1306658924"/>
-      </p:ext>
-    </p:extLst>
-  </p:cSld>
-  <p:clrMapOvr>
-    <a:masterClrMapping/>
-  </p:clrMapOvr>
-</p:sld>
-</file>
-
-<file path=ppt/slides/slide3.xml><?xml version="1.0" encoding="utf-8"?>
-<p:sld xmlns:a="http://schemas.openxmlformats.org/drawingml/2006/main" xmlns:r="http://schemas.openxmlformats.org/officeDocument/2006/relationships" xmlns:p="http://schemas.openxmlformats.org/presentationml/2006/main">
-  <p:cSld>
-    <p:spTree>
-      <p:nvGrpSpPr>
-        <p:cNvPr id="1" name=""/>
-        <p:cNvGrpSpPr/>
-        <p:nvPr/>
-      </p:nvGrpSpPr>
-      <p:grpSpPr>
-        <a:xfrm>
-          <a:off x="0" y="0"/>
-          <a:ext cx="0" cy="0"/>
-          <a:chOff x="0" y="0"/>
-          <a:chExt cx="0" cy="0"/>
-        </a:xfrm>
-      </p:grpSpPr>
-      <p:sp>
-        <p:nvSpPr>
-          <p:cNvPr id="5" name="Título 4">
-            <a:extLst>
-              <a:ext uri="{FF2B5EF4-FFF2-40B4-BE49-F238E27FC236}">
-                <a16:creationId xmlns:a16="http://schemas.microsoft.com/office/drawing/2014/main" id="{C9A76E37-1467-4F0D-927C-AEC0E2846867}"/>
-              </a:ext>
-            </a:extLst>
-          </p:cNvPr>
-          <p:cNvSpPr>
-            <a:spLocks noGrp="1"/>
-          </p:cNvSpPr>
-          <p:nvPr>
-            <p:ph type="title"/>
-          </p:nvPr>
-        </p:nvSpPr>
-        <p:spPr/>
-        <p:txBody>
-          <a:bodyPr rtlCol="0"/>
-          <a:lstStyle/>
-          <a:p>
-            <a:pPr rtl="0"/>
-            <a:r>
-              <a:rPr lang="pt-BR" dirty="0"/>
-              <a:t>Objetivo</a:t>
-            </a:r>
-          </a:p>
-        </p:txBody>
-      </p:sp>
-      <p:pic>
-        <p:nvPicPr>
-          <p:cNvPr id="11" name="Espaço Reservado para Imagem 10" descr="Uma imagem contendo comida, diferente, várias, variadas">
-            <a:extLst>
-              <a:ext uri="{FF2B5EF4-FFF2-40B4-BE49-F238E27FC236}">
-                <a16:creationId xmlns:a16="http://schemas.microsoft.com/office/drawing/2014/main" id="{AF040032-2C50-4A91-A8A9-750A9E1CA99A}"/>
-              </a:ext>
-            </a:extLst>
-          </p:cNvPr>
-          <p:cNvPicPr>
-            <a:picLocks noGrp="1" noChangeAspect="1"/>
-          </p:cNvPicPr>
-          <p:nvPr>
-            <p:ph type="pic" sz="quarter" idx="13"/>
-          </p:nvPr>
-        </p:nvPicPr>
-        <p:blipFill rotWithShape="1">
-          <a:blip r:embed="rId3" cstate="screen">
-            <a:extLst>
-              <a:ext uri="{28A0092B-C50C-407E-A947-70E740481C1C}">
-                <a14:useLocalDpi xmlns:a14="http://schemas.microsoft.com/office/drawing/2010/main" val="0"/>
-              </a:ext>
-            </a:extLst>
-          </a:blip>
-          <a:srcRect t="210" b="210"/>
-          <a:stretch/>
-        </p:blipFill>
-        <p:spPr/>
-      </p:pic>
-      <p:sp>
-        <p:nvSpPr>
-          <p:cNvPr id="6" name="Espaço Reservado para Conteúdo 5">
-            <a:extLst>
-              <a:ext uri="{FF2B5EF4-FFF2-40B4-BE49-F238E27FC236}">
-                <a16:creationId xmlns:a16="http://schemas.microsoft.com/office/drawing/2014/main" id="{E43DD79B-0698-4E19-B7CA-FAB8A8A282C9}"/>
-              </a:ext>
-            </a:extLst>
-          </p:cNvPr>
-          <p:cNvSpPr>
-            <a:spLocks noGrp="1"/>
-          </p:cNvSpPr>
-          <p:nvPr>
-            <p:ph idx="1"/>
-          </p:nvPr>
-        </p:nvSpPr>
-        <p:spPr/>
-        <p:txBody>
-          <a:bodyPr rtlCol="0">
-            <a:noAutofit/>
-          </a:bodyPr>
-          <a:lstStyle/>
-          <a:p>
-            <a:r>
-              <a:rPr lang="pt-BR" sz="1800" kern="1000" dirty="0">
-                <a:effectLst/>
-                <a:latin typeface="Simplon Mono"/>
-                <a:ea typeface="Calibri" panose="020F0502020204030204" pitchFamily="34" charset="0"/>
-                <a:cs typeface="Times New Roman" panose="02020603050405020304" pitchFamily="18" charset="0"/>
-              </a:rPr>
-              <a:t>Cuidar da saúde do café por meio de controle de temperatura e umidade para que não haja problemas durante seu plantio.</a:t>
-            </a:r>
-          </a:p>
-          <a:p>
-            <a:pPr rtl="0"/>
-            <a:endParaRPr lang="pt-BR" sz="2000" dirty="0"/>
-          </a:p>
-        </p:txBody>
-      </p:sp>
-      <p:pic>
-        <p:nvPicPr>
-          <p:cNvPr id="13" name="Espaço Reservado para Imagem 12" descr="Café em uma mesa de madeira com água ">
-            <a:extLst>
-              <a:ext uri="{FF2B5EF4-FFF2-40B4-BE49-F238E27FC236}">
-                <a16:creationId xmlns:a16="http://schemas.microsoft.com/office/drawing/2014/main" id="{730189FF-93BC-4663-B776-E572DC6C0E4E}"/>
-              </a:ext>
-            </a:extLst>
-          </p:cNvPr>
-          <p:cNvPicPr>
-            <a:picLocks noGrp="1" noChangeAspect="1"/>
-          </p:cNvPicPr>
-          <p:nvPr>
-            <p:ph type="pic" sz="quarter" idx="14"/>
-          </p:nvPr>
-        </p:nvPicPr>
-        <p:blipFill rotWithShape="1">
-          <a:blip r:embed="rId4" cstate="screen">
-            <a:extLst>
-              <a:ext uri="{28A0092B-C50C-407E-A947-70E740481C1C}">
-                <a14:useLocalDpi xmlns:a14="http://schemas.microsoft.com/office/drawing/2010/main" val="0"/>
-              </a:ext>
-            </a:extLst>
-          </a:blip>
-          <a:srcRect l="65" r="65"/>
-          <a:stretch/>
-        </p:blipFill>
-        <p:spPr/>
-      </p:pic>
-      <p:pic>
-        <p:nvPicPr>
-          <p:cNvPr id="15" name="Espaço Reservado para Imagem 14" descr="Um prato de comida e uma xícara de café em uma mesa">
-            <a:extLst>
-              <a:ext uri="{FF2B5EF4-FFF2-40B4-BE49-F238E27FC236}">
-                <a16:creationId xmlns:a16="http://schemas.microsoft.com/office/drawing/2014/main" id="{DDD35196-C0A0-4FF6-885D-696DD859D7AA}"/>
-              </a:ext>
-            </a:extLst>
-          </p:cNvPr>
-          <p:cNvPicPr>
-            <a:picLocks noGrp="1" noChangeAspect="1"/>
-          </p:cNvPicPr>
-          <p:nvPr>
-            <p:ph type="pic" sz="quarter" idx="15"/>
-          </p:nvPr>
-        </p:nvPicPr>
-        <p:blipFill rotWithShape="1">
-          <a:blip r:embed="rId5" cstate="screen">
-            <a:extLst>
-              <a:ext uri="{28A0092B-C50C-407E-A947-70E740481C1C}">
-                <a14:useLocalDpi xmlns:a14="http://schemas.microsoft.com/office/drawing/2010/main" val="0"/>
-              </a:ext>
-            </a:extLst>
-          </a:blip>
-          <a:srcRect t="1" b="1"/>
-          <a:stretch/>
-        </p:blipFill>
-        <p:spPr/>
-      </p:pic>
-      <p:sp>
-        <p:nvSpPr>
-          <p:cNvPr id="4" name="Espaço Reservado para o Número do Slide 3">
-            <a:extLst>
-              <a:ext uri="{FF2B5EF4-FFF2-40B4-BE49-F238E27FC236}">
-                <a16:creationId xmlns:a16="http://schemas.microsoft.com/office/drawing/2014/main" id="{2954CFD6-7409-4287-B008-E6E9200ED0D6}"/>
-              </a:ext>
-            </a:extLst>
-          </p:cNvPr>
-          <p:cNvSpPr>
-            <a:spLocks noGrp="1"/>
-          </p:cNvSpPr>
-          <p:nvPr>
-            <p:ph type="sldNum" sz="quarter" idx="12"/>
-          </p:nvPr>
-        </p:nvSpPr>
-        <p:spPr/>
-        <p:txBody>
-          <a:bodyPr rtlCol="0"/>
-          <a:lstStyle/>
-          <a:p>
-            <a:pPr rtl="0"/>
-            <a:fld id="{07CE569E-9B7C-4CB9-AB80-C0841F922CFF}" type="slidenum">
-              <a:rPr lang="pt-BR" smtClean="0"/>
-              <a:pPr rtl="0"/>
-              <a:t>3</a:t>
-            </a:fld>
-            <a:endParaRPr lang="pt-BR" dirty="0"/>
-          </a:p>
-        </p:txBody>
-      </p:sp>
-      <p:sp>
-        <p:nvSpPr>
-          <p:cNvPr id="19" name="Forma Livre: Forma 18">
-            <a:extLst>
-              <a:ext uri="{FF2B5EF4-FFF2-40B4-BE49-F238E27FC236}">
-                <a16:creationId xmlns:a16="http://schemas.microsoft.com/office/drawing/2014/main" id="{4A837396-9198-4DFD-BAAD-EF9260C9600B}"/>
-              </a:ext>
-              <a:ext uri="{C183D7F6-B498-43B3-948B-1728B52AA6E4}">
-                <adec:decorative xmlns:adec="http://schemas.microsoft.com/office/drawing/2017/decorative" val="1"/>
-              </a:ext>
-            </a:extLst>
-          </p:cNvPr>
-          <p:cNvSpPr/>
-          <p:nvPr/>
-        </p:nvSpPr>
-        <p:spPr>
-          <a:xfrm rot="14885154" flipH="1">
-            <a:off x="7164734" y="-2511844"/>
-            <a:ext cx="3825181" cy="6243456"/>
-          </a:xfrm>
-          <a:custGeom>
-            <a:avLst/>
-            <a:gdLst>
-              <a:gd name="connsiteX0" fmla="*/ 0 w 4033589"/>
-              <a:gd name="connsiteY0" fmla="*/ 0 h 6858000"/>
-              <a:gd name="connsiteX1" fmla="*/ 1878934 w 4033589"/>
-              <a:gd name="connsiteY1" fmla="*/ 0 h 6858000"/>
-              <a:gd name="connsiteX2" fmla="*/ 1882313 w 4033589"/>
-              <a:gd name="connsiteY2" fmla="*/ 2021 h 6858000"/>
-              <a:gd name="connsiteX3" fmla="*/ 3475371 w 4033589"/>
-              <a:gd name="connsiteY3" fmla="*/ 1517967 h 6858000"/>
-              <a:gd name="connsiteX4" fmla="*/ 3975977 w 4033589"/>
-              <a:gd name="connsiteY4" fmla="*/ 4379386 h 6858000"/>
-              <a:gd name="connsiteX5" fmla="*/ 3312864 w 4033589"/>
-              <a:gd name="connsiteY5" fmla="*/ 6852362 h 6858000"/>
-              <a:gd name="connsiteX6" fmla="*/ 3310593 w 4033589"/>
-              <a:gd name="connsiteY6" fmla="*/ 6858000 h 6858000"/>
-              <a:gd name="connsiteX7" fmla="*/ 0 w 4033589"/>
-              <a:gd name="connsiteY7" fmla="*/ 6858000 h 6858000"/>
-              <a:gd name="connsiteX8" fmla="*/ 0 w 4033589"/>
-              <a:gd name="connsiteY8" fmla="*/ 0 h 6858000"/>
-              <a:gd name="connsiteX0" fmla="*/ 0 w 4033589"/>
-              <a:gd name="connsiteY0" fmla="*/ 6858000 h 6858000"/>
-              <a:gd name="connsiteX1" fmla="*/ 1878934 w 4033589"/>
-              <a:gd name="connsiteY1" fmla="*/ 0 h 6858000"/>
-              <a:gd name="connsiteX2" fmla="*/ 1882313 w 4033589"/>
-              <a:gd name="connsiteY2" fmla="*/ 2021 h 6858000"/>
-              <a:gd name="connsiteX3" fmla="*/ 3475371 w 4033589"/>
-              <a:gd name="connsiteY3" fmla="*/ 1517967 h 6858000"/>
-              <a:gd name="connsiteX4" fmla="*/ 3975977 w 4033589"/>
-              <a:gd name="connsiteY4" fmla="*/ 4379386 h 6858000"/>
-              <a:gd name="connsiteX5" fmla="*/ 3312864 w 4033589"/>
-              <a:gd name="connsiteY5" fmla="*/ 6852362 h 6858000"/>
-              <a:gd name="connsiteX6" fmla="*/ 3310593 w 4033589"/>
-              <a:gd name="connsiteY6" fmla="*/ 6858000 h 6858000"/>
-              <a:gd name="connsiteX7" fmla="*/ 0 w 4033589"/>
-              <a:gd name="connsiteY7" fmla="*/ 6858000 h 6858000"/>
-              <a:gd name="connsiteX0" fmla="*/ 1787494 w 3942149"/>
-              <a:gd name="connsiteY0" fmla="*/ 0 h 6949440"/>
-              <a:gd name="connsiteX1" fmla="*/ 1790873 w 3942149"/>
-              <a:gd name="connsiteY1" fmla="*/ 2021 h 6949440"/>
-              <a:gd name="connsiteX2" fmla="*/ 3383931 w 3942149"/>
-              <a:gd name="connsiteY2" fmla="*/ 1517967 h 6949440"/>
-              <a:gd name="connsiteX3" fmla="*/ 3884537 w 3942149"/>
-              <a:gd name="connsiteY3" fmla="*/ 4379386 h 6949440"/>
-              <a:gd name="connsiteX4" fmla="*/ 3221424 w 3942149"/>
-              <a:gd name="connsiteY4" fmla="*/ 6852362 h 6949440"/>
-              <a:gd name="connsiteX5" fmla="*/ 3219153 w 3942149"/>
-              <a:gd name="connsiteY5" fmla="*/ 6858000 h 6949440"/>
-              <a:gd name="connsiteX6" fmla="*/ 0 w 3942149"/>
-              <a:gd name="connsiteY6" fmla="*/ 6949440 h 6949440"/>
-              <a:gd name="connsiteX0" fmla="*/ 1787494 w 3942149"/>
-              <a:gd name="connsiteY0" fmla="*/ 0 h 6949440"/>
-              <a:gd name="connsiteX1" fmla="*/ 1790873 w 3942149"/>
-              <a:gd name="connsiteY1" fmla="*/ 2021 h 6949440"/>
-              <a:gd name="connsiteX2" fmla="*/ 3383931 w 3942149"/>
-              <a:gd name="connsiteY2" fmla="*/ 1517967 h 6949440"/>
-              <a:gd name="connsiteX3" fmla="*/ 3884537 w 3942149"/>
-              <a:gd name="connsiteY3" fmla="*/ 4379386 h 6949440"/>
-              <a:gd name="connsiteX4" fmla="*/ 3221424 w 3942149"/>
-              <a:gd name="connsiteY4" fmla="*/ 6852362 h 6949440"/>
-              <a:gd name="connsiteX5" fmla="*/ 3219153 w 3942149"/>
-              <a:gd name="connsiteY5" fmla="*/ 6858000 h 6949440"/>
-              <a:gd name="connsiteX6" fmla="*/ 0 w 3942149"/>
-              <a:gd name="connsiteY6" fmla="*/ 6949440 h 6949440"/>
-              <a:gd name="connsiteX0" fmla="*/ 0 w 2154655"/>
-              <a:gd name="connsiteY0" fmla="*/ 0 h 6858000"/>
-              <a:gd name="connsiteX1" fmla="*/ 3379 w 2154655"/>
-              <a:gd name="connsiteY1" fmla="*/ 2021 h 6858000"/>
-              <a:gd name="connsiteX2" fmla="*/ 1596437 w 2154655"/>
-              <a:gd name="connsiteY2" fmla="*/ 1517967 h 6858000"/>
-              <a:gd name="connsiteX3" fmla="*/ 2097043 w 2154655"/>
-              <a:gd name="connsiteY3" fmla="*/ 4379386 h 6858000"/>
-              <a:gd name="connsiteX4" fmla="*/ 1433930 w 2154655"/>
-              <a:gd name="connsiteY4" fmla="*/ 6852362 h 6858000"/>
-              <a:gd name="connsiteX5" fmla="*/ 1431659 w 2154655"/>
-              <a:gd name="connsiteY5" fmla="*/ 6858000 h 6858000"/>
-            </a:gdLst>
-            <a:ahLst/>
-            <a:cxnLst>
-              <a:cxn ang="0">
-                <a:pos x="connsiteX0" y="connsiteY0"/>
-              </a:cxn>
-              <a:cxn ang="0">
-                <a:pos x="connsiteX1" y="connsiteY1"/>
-              </a:cxn>
-              <a:cxn ang="0">
-                <a:pos x="connsiteX2" y="connsiteY2"/>
-              </a:cxn>
-              <a:cxn ang="0">
-                <a:pos x="connsiteX3" y="connsiteY3"/>
-              </a:cxn>
-              <a:cxn ang="0">
-                <a:pos x="connsiteX4" y="connsiteY4"/>
-              </a:cxn>
-              <a:cxn ang="0">
-                <a:pos x="connsiteX5" y="connsiteY5"/>
-              </a:cxn>
-            </a:cxnLst>
-            <a:rect l="l" t="t" r="r" b="b"/>
-            <a:pathLst>
-              <a:path w="2154655" h="6858000">
-                <a:moveTo>
-                  <a:pt x="0" y="0"/>
-                </a:moveTo>
-                <a:lnTo>
-                  <a:pt x="3379" y="2021"/>
-                </a:lnTo>
-                <a:cubicBezTo>
-                  <a:pt x="667061" y="423753"/>
-                  <a:pt x="1239365" y="963389"/>
-                  <a:pt x="1596437" y="1517967"/>
-                </a:cubicBezTo>
-                <a:cubicBezTo>
-                  <a:pt x="2133142" y="2350886"/>
-                  <a:pt x="2239839" y="3395752"/>
-                  <a:pt x="2097043" y="4379386"/>
-                </a:cubicBezTo>
-                <a:cubicBezTo>
-                  <a:pt x="2032295" y="4824358"/>
-                  <a:pt x="1812506" y="5869368"/>
-                  <a:pt x="1433930" y="6852362"/>
-                </a:cubicBezTo>
-                <a:lnTo>
-                  <a:pt x="1431659" y="6858000"/>
-                </a:lnTo>
-              </a:path>
-            </a:pathLst>
-          </a:custGeom>
-          <a:noFill/>
-          <a:ln w="19050">
-            <a:solidFill>
-              <a:schemeClr val="accent2">
-                <a:lumMod val="60000"/>
-                <a:lumOff val="40000"/>
-              </a:schemeClr>
-            </a:solidFill>
-          </a:ln>
-        </p:spPr>
-        <p:style>
-          <a:lnRef idx="2">
-            <a:schemeClr val="accent1">
-              <a:shade val="50000"/>
-            </a:schemeClr>
-          </a:lnRef>
-          <a:fillRef idx="1">
-            <a:schemeClr val="accent1"/>
-          </a:fillRef>
-          <a:effectRef idx="0">
-            <a:schemeClr val="accent1"/>
-          </a:effectRef>
-          <a:fontRef idx="minor">
-            <a:schemeClr val="lt1"/>
-          </a:fontRef>
-        </p:style>
-        <p:txBody>
-          <a:bodyPr rtlCol="0" anchor="ctr"/>
-          <a:lstStyle/>
-          <a:p>
-            <a:pPr algn="ctr" rtl="0"/>
-            <a:endParaRPr lang="pt-BR" dirty="0">
-              <a:solidFill>
-                <a:prstClr val="white"/>
-              </a:solidFill>
-              <a:latin typeface="Avenir Next LT Pro Light"/>
-            </a:endParaRPr>
-          </a:p>
-        </p:txBody>
-      </p:sp>
-    </p:spTree>
-    <p:extLst>
-      <p:ext uri="{BB962C8B-B14F-4D97-AF65-F5344CB8AC3E}">
-        <p14:creationId xmlns:p14="http://schemas.microsoft.com/office/powerpoint/2010/main" val="3794124485"/>
-      </p:ext>
-    </p:extLst>
-  </p:cSld>
-  <p:clrMapOvr>
-    <a:masterClrMapping/>
-  </p:clrMapOvr>
-</p:sld>
-</file>
-
-<file path=ppt/slides/slide4.xml><?xml version="1.0" encoding="utf-8"?>
-<p:sld xmlns:a="http://schemas.openxmlformats.org/drawingml/2006/main" xmlns:r="http://schemas.openxmlformats.org/officeDocument/2006/relationships" xmlns:p="http://schemas.openxmlformats.org/presentationml/2006/main">
-  <p:cSld>
-    <p:spTree>
-      <p:nvGrpSpPr>
-        <p:cNvPr id="1" name=""/>
-        <p:cNvGrpSpPr/>
-        <p:nvPr/>
-      </p:nvGrpSpPr>
-      <p:grpSpPr>
-        <a:xfrm>
-          <a:off x="0" y="0"/>
-          <a:ext cx="0" cy="0"/>
-          <a:chOff x="0" y="0"/>
-          <a:chExt cx="0" cy="0"/>
-        </a:xfrm>
-      </p:grpSpPr>
-      <p:sp>
-        <p:nvSpPr>
-          <p:cNvPr id="5" name="Título 4">
-            <a:extLst>
-              <a:ext uri="{FF2B5EF4-FFF2-40B4-BE49-F238E27FC236}">
-                <a16:creationId xmlns:a16="http://schemas.microsoft.com/office/drawing/2014/main" id="{C9A76E37-1467-4F0D-927C-AEC0E2846867}"/>
-              </a:ext>
-            </a:extLst>
-          </p:cNvPr>
-          <p:cNvSpPr>
-            <a:spLocks noGrp="1"/>
-          </p:cNvSpPr>
-          <p:nvPr>
-            <p:ph type="title"/>
-          </p:nvPr>
-        </p:nvSpPr>
-        <p:spPr>
-          <a:xfrm>
-            <a:off x="2209800" y="923340"/>
-            <a:ext cx="4572000" cy="1524000"/>
-          </a:xfrm>
-        </p:spPr>
-        <p:txBody>
-          <a:bodyPr rtlCol="0"/>
-          <a:lstStyle/>
-          <a:p>
-            <a:pPr rtl="0"/>
-            <a:r>
-              <a:rPr lang="pt-BR" dirty="0"/>
-              <a:t>Contexto</a:t>
-            </a:r>
-          </a:p>
-        </p:txBody>
-      </p:sp>
-      <p:pic>
-        <p:nvPicPr>
-          <p:cNvPr id="11" name="Espaço Reservado para Imagem 10" descr="Uma imagem contendo comida, diferente, várias, variadas">
-            <a:extLst>
-              <a:ext uri="{FF2B5EF4-FFF2-40B4-BE49-F238E27FC236}">
-                <a16:creationId xmlns:a16="http://schemas.microsoft.com/office/drawing/2014/main" id="{AF040032-2C50-4A91-A8A9-750A9E1CA99A}"/>
-              </a:ext>
-            </a:extLst>
-          </p:cNvPr>
-          <p:cNvPicPr>
-            <a:picLocks noGrp="1" noChangeAspect="1"/>
-          </p:cNvPicPr>
-          <p:nvPr>
-            <p:ph type="pic" sz="quarter" idx="13"/>
-          </p:nvPr>
-        </p:nvPicPr>
-        <p:blipFill rotWithShape="1">
-          <a:blip r:embed="rId3" cstate="screen">
-            <a:extLst>
-              <a:ext uri="{28A0092B-C50C-407E-A947-70E740481C1C}">
-                <a14:useLocalDpi xmlns:a14="http://schemas.microsoft.com/office/drawing/2010/main" val="0"/>
-              </a:ext>
-            </a:extLst>
-          </a:blip>
-          <a:srcRect t="210" b="210"/>
-          <a:stretch/>
-        </p:blipFill>
-        <p:spPr/>
-      </p:pic>
-      <p:sp>
-        <p:nvSpPr>
-          <p:cNvPr id="6" name="Espaço Reservado para Conteúdo 5">
-            <a:extLst>
-              <a:ext uri="{FF2B5EF4-FFF2-40B4-BE49-F238E27FC236}">
-                <a16:creationId xmlns:a16="http://schemas.microsoft.com/office/drawing/2014/main" id="{E43DD79B-0698-4E19-B7CA-FAB8A8A282C9}"/>
-              </a:ext>
-            </a:extLst>
-          </p:cNvPr>
-          <p:cNvSpPr>
-            <a:spLocks noGrp="1"/>
-          </p:cNvSpPr>
-          <p:nvPr>
-            <p:ph idx="1"/>
-          </p:nvPr>
-        </p:nvSpPr>
-        <p:spPr>
-          <a:xfrm>
-            <a:off x="2209800" y="2314138"/>
-            <a:ext cx="5334000" cy="3048000"/>
-          </a:xfrm>
-        </p:spPr>
-        <p:txBody>
-          <a:bodyPr rtlCol="0">
-            <a:noAutofit/>
-          </a:bodyPr>
-          <a:lstStyle/>
-          <a:p>
-            <a:pPr>
-              <a:spcBef>
-                <a:spcPts val="200"/>
-              </a:spcBef>
-              <a:spcAft>
-                <a:spcPts val="200"/>
-              </a:spcAft>
-            </a:pPr>
-            <a:r>
-              <a:rPr lang="pt-BR" sz="1800" kern="1000" dirty="0">
-                <a:effectLst/>
-                <a:latin typeface="Simplon Mono"/>
-                <a:ea typeface="Calibri" panose="020F0502020204030204" pitchFamily="34" charset="0"/>
-                <a:cs typeface="Times New Roman" panose="02020603050405020304" pitchFamily="18" charset="0"/>
-              </a:rPr>
-              <a:t>As doenças do café podem reduzir consideravelmente cada produção e serem limitantes para o cultivo da cultura. Portanto é necessário um diagnóstico correto, para que um controle eficaz seja realizado. Com um controle de temperatura e umidade adequado, pode-se otimizar o plantio, evitando o desperdiço de uma parte considerável do café. A ferrugem do cafeeiro, por exemplo, é a doença mais abrangente nas plantações do Brasil, causada por alta umidade, esse fungo está distribuído por todas as regiões do país com alto índice de comprometimento, chegando a afetar 35% da produção nacional. Os prejuízos além de afetarem a produção atual, se estendem ainda a plantações do ano posterior, por conta do fungo se expandir do ápice da planta à saia do cafeeiro.</a:t>
-            </a:r>
-          </a:p>
-          <a:p>
-            <a:pPr rtl="0"/>
-            <a:endParaRPr lang="pt-BR" sz="2000" dirty="0"/>
-          </a:p>
-        </p:txBody>
-      </p:sp>
-      <p:pic>
-        <p:nvPicPr>
-          <p:cNvPr id="13" name="Espaço Reservado para Imagem 12" descr="Café em uma mesa de madeira com água ">
-            <a:extLst>
-              <a:ext uri="{FF2B5EF4-FFF2-40B4-BE49-F238E27FC236}">
-                <a16:creationId xmlns:a16="http://schemas.microsoft.com/office/drawing/2014/main" id="{730189FF-93BC-4663-B776-E572DC6C0E4E}"/>
-              </a:ext>
-            </a:extLst>
-          </p:cNvPr>
-          <p:cNvPicPr>
-            <a:picLocks noGrp="1" noChangeAspect="1"/>
-          </p:cNvPicPr>
-          <p:nvPr>
-            <p:ph type="pic" sz="quarter" idx="14"/>
-          </p:nvPr>
-        </p:nvPicPr>
-        <p:blipFill rotWithShape="1">
-          <a:blip r:embed="rId4" cstate="screen">
-            <a:extLst>
-              <a:ext uri="{28A0092B-C50C-407E-A947-70E740481C1C}">
-                <a14:useLocalDpi xmlns:a14="http://schemas.microsoft.com/office/drawing/2010/main" val="0"/>
-              </a:ext>
-            </a:extLst>
-          </a:blip>
-          <a:srcRect l="65" r="65"/>
-          <a:stretch/>
-        </p:blipFill>
-        <p:spPr/>
-      </p:pic>
-      <p:pic>
-        <p:nvPicPr>
-          <p:cNvPr id="15" name="Espaço Reservado para Imagem 14" descr="Um prato de comida e uma xícara de café em uma mesa">
-            <a:extLst>
-              <a:ext uri="{FF2B5EF4-FFF2-40B4-BE49-F238E27FC236}">
-                <a16:creationId xmlns:a16="http://schemas.microsoft.com/office/drawing/2014/main" id="{DDD35196-C0A0-4FF6-885D-696DD859D7AA}"/>
-              </a:ext>
-            </a:extLst>
-          </p:cNvPr>
-          <p:cNvPicPr>
-            <a:picLocks noGrp="1" noChangeAspect="1"/>
-          </p:cNvPicPr>
-          <p:nvPr>
-            <p:ph type="pic" sz="quarter" idx="15"/>
-          </p:nvPr>
-        </p:nvPicPr>
-        <p:blipFill rotWithShape="1">
-          <a:blip r:embed="rId5" cstate="screen">
-            <a:extLst>
-              <a:ext uri="{28A0092B-C50C-407E-A947-70E740481C1C}">
-                <a14:useLocalDpi xmlns:a14="http://schemas.microsoft.com/office/drawing/2010/main" val="0"/>
-              </a:ext>
-            </a:extLst>
-          </a:blip>
-          <a:srcRect t="1" b="1"/>
-          <a:stretch/>
-        </p:blipFill>
-        <p:spPr/>
-      </p:pic>
-      <p:sp>
-        <p:nvSpPr>
-          <p:cNvPr id="19" name="Forma Livre: Forma 18">
-            <a:extLst>
-              <a:ext uri="{FF2B5EF4-FFF2-40B4-BE49-F238E27FC236}">
-                <a16:creationId xmlns:a16="http://schemas.microsoft.com/office/drawing/2014/main" id="{4A837396-9198-4DFD-BAAD-EF9260C9600B}"/>
-              </a:ext>
-              <a:ext uri="{C183D7F6-B498-43B3-948B-1728B52AA6E4}">
-                <adec:decorative xmlns:adec="http://schemas.microsoft.com/office/drawing/2017/decorative" val="1"/>
-              </a:ext>
-            </a:extLst>
-          </p:cNvPr>
-          <p:cNvSpPr/>
-          <p:nvPr/>
-        </p:nvSpPr>
-        <p:spPr>
-          <a:xfrm rot="14885154" flipH="1">
-            <a:off x="7164734" y="-2511844"/>
-            <a:ext cx="3825181" cy="6243456"/>
-          </a:xfrm>
-          <a:custGeom>
-            <a:avLst/>
-            <a:gdLst>
-              <a:gd name="connsiteX0" fmla="*/ 0 w 4033589"/>
-              <a:gd name="connsiteY0" fmla="*/ 0 h 6858000"/>
-              <a:gd name="connsiteX1" fmla="*/ 1878934 w 4033589"/>
-              <a:gd name="connsiteY1" fmla="*/ 0 h 6858000"/>
-              <a:gd name="connsiteX2" fmla="*/ 1882313 w 4033589"/>
-              <a:gd name="connsiteY2" fmla="*/ 2021 h 6858000"/>
-              <a:gd name="connsiteX3" fmla="*/ 3475371 w 4033589"/>
-              <a:gd name="connsiteY3" fmla="*/ 1517967 h 6858000"/>
-              <a:gd name="connsiteX4" fmla="*/ 3975977 w 4033589"/>
-              <a:gd name="connsiteY4" fmla="*/ 4379386 h 6858000"/>
-              <a:gd name="connsiteX5" fmla="*/ 3312864 w 4033589"/>
-              <a:gd name="connsiteY5" fmla="*/ 6852362 h 6858000"/>
-              <a:gd name="connsiteX6" fmla="*/ 3310593 w 4033589"/>
-              <a:gd name="connsiteY6" fmla="*/ 6858000 h 6858000"/>
-              <a:gd name="connsiteX7" fmla="*/ 0 w 4033589"/>
-              <a:gd name="connsiteY7" fmla="*/ 6858000 h 6858000"/>
-              <a:gd name="connsiteX8" fmla="*/ 0 w 4033589"/>
-              <a:gd name="connsiteY8" fmla="*/ 0 h 6858000"/>
-              <a:gd name="connsiteX0" fmla="*/ 0 w 4033589"/>
-              <a:gd name="connsiteY0" fmla="*/ 6858000 h 6858000"/>
-              <a:gd name="connsiteX1" fmla="*/ 1878934 w 4033589"/>
-              <a:gd name="connsiteY1" fmla="*/ 0 h 6858000"/>
-              <a:gd name="connsiteX2" fmla="*/ 1882313 w 4033589"/>
-              <a:gd name="connsiteY2" fmla="*/ 2021 h 6858000"/>
-              <a:gd name="connsiteX3" fmla="*/ 3475371 w 4033589"/>
-              <a:gd name="connsiteY3" fmla="*/ 1517967 h 6858000"/>
-              <a:gd name="connsiteX4" fmla="*/ 3975977 w 4033589"/>
-              <a:gd name="connsiteY4" fmla="*/ 4379386 h 6858000"/>
-              <a:gd name="connsiteX5" fmla="*/ 3312864 w 4033589"/>
-              <a:gd name="connsiteY5" fmla="*/ 6852362 h 6858000"/>
-              <a:gd name="connsiteX6" fmla="*/ 3310593 w 4033589"/>
-              <a:gd name="connsiteY6" fmla="*/ 6858000 h 6858000"/>
-              <a:gd name="connsiteX7" fmla="*/ 0 w 4033589"/>
-              <a:gd name="connsiteY7" fmla="*/ 6858000 h 6858000"/>
-              <a:gd name="connsiteX0" fmla="*/ 1787494 w 3942149"/>
-              <a:gd name="connsiteY0" fmla="*/ 0 h 6949440"/>
-              <a:gd name="connsiteX1" fmla="*/ 1790873 w 3942149"/>
-              <a:gd name="connsiteY1" fmla="*/ 2021 h 6949440"/>
-              <a:gd name="connsiteX2" fmla="*/ 3383931 w 3942149"/>
-              <a:gd name="connsiteY2" fmla="*/ 1517967 h 6949440"/>
-              <a:gd name="connsiteX3" fmla="*/ 3884537 w 3942149"/>
-              <a:gd name="connsiteY3" fmla="*/ 4379386 h 6949440"/>
-              <a:gd name="connsiteX4" fmla="*/ 3221424 w 3942149"/>
-              <a:gd name="connsiteY4" fmla="*/ 6852362 h 6949440"/>
-              <a:gd name="connsiteX5" fmla="*/ 3219153 w 3942149"/>
-              <a:gd name="connsiteY5" fmla="*/ 6858000 h 6949440"/>
-              <a:gd name="connsiteX6" fmla="*/ 0 w 3942149"/>
-              <a:gd name="connsiteY6" fmla="*/ 6949440 h 6949440"/>
-              <a:gd name="connsiteX0" fmla="*/ 1787494 w 3942149"/>
-              <a:gd name="connsiteY0" fmla="*/ 0 h 6949440"/>
-              <a:gd name="connsiteX1" fmla="*/ 1790873 w 3942149"/>
-              <a:gd name="connsiteY1" fmla="*/ 2021 h 6949440"/>
-              <a:gd name="connsiteX2" fmla="*/ 3383931 w 3942149"/>
-              <a:gd name="connsiteY2" fmla="*/ 1517967 h 6949440"/>
-              <a:gd name="connsiteX3" fmla="*/ 3884537 w 3942149"/>
-              <a:gd name="connsiteY3" fmla="*/ 4379386 h 6949440"/>
-              <a:gd name="connsiteX4" fmla="*/ 3221424 w 3942149"/>
-              <a:gd name="connsiteY4" fmla="*/ 6852362 h 6949440"/>
-              <a:gd name="connsiteX5" fmla="*/ 3219153 w 3942149"/>
-              <a:gd name="connsiteY5" fmla="*/ 6858000 h 6949440"/>
-              <a:gd name="connsiteX6" fmla="*/ 0 w 3942149"/>
-              <a:gd name="connsiteY6" fmla="*/ 6949440 h 6949440"/>
-              <a:gd name="connsiteX0" fmla="*/ 0 w 2154655"/>
-              <a:gd name="connsiteY0" fmla="*/ 0 h 6858000"/>
-              <a:gd name="connsiteX1" fmla="*/ 3379 w 2154655"/>
-              <a:gd name="connsiteY1" fmla="*/ 2021 h 6858000"/>
-              <a:gd name="connsiteX2" fmla="*/ 1596437 w 2154655"/>
-              <a:gd name="connsiteY2" fmla="*/ 1517967 h 6858000"/>
-              <a:gd name="connsiteX3" fmla="*/ 2097043 w 2154655"/>
-              <a:gd name="connsiteY3" fmla="*/ 4379386 h 6858000"/>
-              <a:gd name="connsiteX4" fmla="*/ 1433930 w 2154655"/>
-              <a:gd name="connsiteY4" fmla="*/ 6852362 h 6858000"/>
-              <a:gd name="connsiteX5" fmla="*/ 1431659 w 2154655"/>
-              <a:gd name="connsiteY5" fmla="*/ 6858000 h 6858000"/>
-            </a:gdLst>
-            <a:ahLst/>
-            <a:cxnLst>
-              <a:cxn ang="0">
-                <a:pos x="connsiteX0" y="connsiteY0"/>
-              </a:cxn>
-              <a:cxn ang="0">
-                <a:pos x="connsiteX1" y="connsiteY1"/>
-              </a:cxn>
-              <a:cxn ang="0">
-                <a:pos x="connsiteX2" y="connsiteY2"/>
-              </a:cxn>
-              <a:cxn ang="0">
-                <a:pos x="connsiteX3" y="connsiteY3"/>
-              </a:cxn>
-              <a:cxn ang="0">
-                <a:pos x="connsiteX4" y="connsiteY4"/>
-              </a:cxn>
-              <a:cxn ang="0">
-                <a:pos x="connsiteX5" y="connsiteY5"/>
-              </a:cxn>
-            </a:cxnLst>
-            <a:rect l="l" t="t" r="r" b="b"/>
-            <a:pathLst>
-              <a:path w="2154655" h="6858000">
-                <a:moveTo>
-                  <a:pt x="0" y="0"/>
-                </a:moveTo>
-                <a:lnTo>
-                  <a:pt x="3379" y="2021"/>
-                </a:lnTo>
-                <a:cubicBezTo>
-                  <a:pt x="667061" y="423753"/>
-                  <a:pt x="1239365" y="963389"/>
-                  <a:pt x="1596437" y="1517967"/>
-                </a:cubicBezTo>
-                <a:cubicBezTo>
-                  <a:pt x="2133142" y="2350886"/>
-                  <a:pt x="2239839" y="3395752"/>
-                  <a:pt x="2097043" y="4379386"/>
-                </a:cubicBezTo>
-                <a:cubicBezTo>
-                  <a:pt x="2032295" y="4824358"/>
-                  <a:pt x="1812506" y="5869368"/>
-                  <a:pt x="1433930" y="6852362"/>
-                </a:cubicBezTo>
-                <a:lnTo>
-                  <a:pt x="1431659" y="6858000"/>
-                </a:lnTo>
-              </a:path>
-            </a:pathLst>
-          </a:custGeom>
-          <a:noFill/>
-          <a:ln w="19050">
-            <a:solidFill>
-              <a:schemeClr val="accent2">
-                <a:lumMod val="60000"/>
-                <a:lumOff val="40000"/>
-              </a:schemeClr>
-            </a:solidFill>
-          </a:ln>
-        </p:spPr>
-        <p:style>
-          <a:lnRef idx="2">
-            <a:schemeClr val="accent1">
-              <a:shade val="50000"/>
-            </a:schemeClr>
-          </a:lnRef>
-          <a:fillRef idx="1">
-            <a:schemeClr val="accent1"/>
-          </a:fillRef>
-          <a:effectRef idx="0">
-            <a:schemeClr val="accent1"/>
-          </a:effectRef>
-          <a:fontRef idx="minor">
-            <a:schemeClr val="lt1"/>
-          </a:fontRef>
-        </p:style>
-        <p:txBody>
-          <a:bodyPr rtlCol="0" anchor="ctr"/>
-          <a:lstStyle/>
-          <a:p>
-            <a:pPr algn="ctr" rtl="0"/>
-            <a:endParaRPr lang="pt-BR" dirty="0">
-              <a:solidFill>
-                <a:prstClr val="white"/>
-              </a:solidFill>
-              <a:latin typeface="Avenir Next LT Pro Light"/>
-            </a:endParaRPr>
-          </a:p>
-        </p:txBody>
-      </p:sp>
-    </p:spTree>
-    <p:extLst>
-      <p:ext uri="{BB962C8B-B14F-4D97-AF65-F5344CB8AC3E}">
-        <p14:creationId xmlns:p14="http://schemas.microsoft.com/office/powerpoint/2010/main" val="4209107499"/>
-      </p:ext>
-    </p:extLst>
-  </p:cSld>
-  <p:clrMapOvr>
-    <a:masterClrMapping/>
-  </p:clrMapOvr>
-</p:sld>
-</file>
-
-<file path=ppt/slides/slide5.xml><?xml version="1.0" encoding="utf-8"?>
-<p:sld xmlns:a="http://schemas.openxmlformats.org/drawingml/2006/main" xmlns:r="http://schemas.openxmlformats.org/officeDocument/2006/relationships" xmlns:p="http://schemas.openxmlformats.org/presentationml/2006/main">
-  <p:cSld>
-    <p:spTree>
-      <p:nvGrpSpPr>
-        <p:cNvPr id="1" name=""/>
-        <p:cNvGrpSpPr/>
-        <p:nvPr/>
-      </p:nvGrpSpPr>
-      <p:grpSpPr>
-        <a:xfrm>
-          <a:off x="0" y="0"/>
-          <a:ext cx="0" cy="0"/>
-          <a:chOff x="0" y="0"/>
-          <a:chExt cx="0" cy="0"/>
-        </a:xfrm>
-      </p:grpSpPr>
-      <p:sp>
-        <p:nvSpPr>
-          <p:cNvPr id="7" name="Título 6">
-            <a:extLst>
-              <a:ext uri="{FF2B5EF4-FFF2-40B4-BE49-F238E27FC236}">
-                <a16:creationId xmlns:a16="http://schemas.microsoft.com/office/drawing/2014/main" id="{7EAF89CD-F3F9-40F6-939A-840F4569201C}"/>
-              </a:ext>
-            </a:extLst>
-          </p:cNvPr>
-          <p:cNvSpPr>
-            <a:spLocks noGrp="1"/>
-          </p:cNvSpPr>
-          <p:nvPr>
-            <p:ph type="title"/>
-          </p:nvPr>
-        </p:nvSpPr>
-        <p:spPr>
-          <a:xfrm>
-            <a:off x="838200" y="778951"/>
-            <a:ext cx="5334000" cy="1524000"/>
-          </a:xfrm>
-        </p:spPr>
-        <p:txBody>
-          <a:bodyPr rtlCol="0"/>
-          <a:lstStyle/>
-          <a:p>
-            <a:pPr rtl="0"/>
-            <a:r>
-              <a:rPr lang="pt-BR" dirty="0"/>
-              <a:t>Justificativa</a:t>
-            </a:r>
-          </a:p>
-        </p:txBody>
-      </p:sp>
-      <p:pic>
-        <p:nvPicPr>
-          <p:cNvPr id="10" name="Espaço Reservado para Imagem 9" descr="Máquina de café no trabalho">
-            <a:extLst>
-              <a:ext uri="{FF2B5EF4-FFF2-40B4-BE49-F238E27FC236}">
-                <a16:creationId xmlns:a16="http://schemas.microsoft.com/office/drawing/2014/main" id="{72BB3FC2-928F-49D2-BAAE-2C2A055F1927}"/>
-              </a:ext>
-            </a:extLst>
-          </p:cNvPr>
-          <p:cNvPicPr>
-            <a:picLocks noGrp="1" noChangeAspect="1"/>
-          </p:cNvPicPr>
-          <p:nvPr>
-            <p:ph type="pic" sz="quarter" idx="13"/>
-          </p:nvPr>
-        </p:nvPicPr>
-        <p:blipFill rotWithShape="1">
-          <a:blip r:embed="rId2" cstate="screen">
-            <a:extLst>
-              <a:ext uri="{28A0092B-C50C-407E-A947-70E740481C1C}">
-                <a14:useLocalDpi xmlns:a14="http://schemas.microsoft.com/office/drawing/2010/main" val="0"/>
-              </a:ext>
-            </a:extLst>
-          </a:blip>
-          <a:srcRect l="65" r="65"/>
-          <a:stretch/>
-        </p:blipFill>
-        <p:spPr/>
-      </p:pic>
-      <p:sp>
-        <p:nvSpPr>
-          <p:cNvPr id="6" name="Espaço Reservado para Conteúdo 5">
-            <a:extLst>
-              <a:ext uri="{FF2B5EF4-FFF2-40B4-BE49-F238E27FC236}">
-                <a16:creationId xmlns:a16="http://schemas.microsoft.com/office/drawing/2014/main" id="{EC896496-4BA0-472A-993B-7FA4D3681B47}"/>
-              </a:ext>
-            </a:extLst>
-          </p:cNvPr>
-          <p:cNvSpPr>
-            <a:spLocks noGrp="1"/>
-          </p:cNvSpPr>
-          <p:nvPr>
-            <p:ph idx="1"/>
-          </p:nvPr>
-        </p:nvSpPr>
-        <p:spPr>
-          <a:xfrm>
-            <a:off x="762000" y="2603382"/>
-            <a:ext cx="5334000" cy="3047999"/>
-          </a:xfrm>
-        </p:spPr>
-        <p:txBody>
-          <a:bodyPr rtlCol="0">
-            <a:noAutofit/>
-          </a:bodyPr>
-          <a:lstStyle/>
-          <a:p>
-            <a:pPr>
-              <a:spcBef>
-                <a:spcPts val="200"/>
-              </a:spcBef>
-              <a:spcAft>
-                <a:spcPts val="200"/>
-              </a:spcAft>
-            </a:pPr>
-            <a:r>
-              <a:rPr lang="pt-BR" sz="1800" kern="1000" dirty="0">
-                <a:effectLst/>
-                <a:latin typeface="Simplon Mono"/>
-                <a:ea typeface="Calibri" panose="020F0502020204030204" pitchFamily="34" charset="0"/>
-                <a:cs typeface="Times New Roman" panose="02020603050405020304" pitchFamily="18" charset="0"/>
-              </a:rPr>
-              <a:t>Para o café crescer e dar seus frutos, é necessário estar sendo cultivado em uma certa temperatura recomendada que varia de 18C a 22C, também devemos ter um controle de umidade, por isso a preferência dos produtores de cafeeiro é primeiro se estabelecer num local com as devidas temperaturas e com boa distribuição de chuva, tendo preferência onde a precipitação fique entre 600mm a 1500mm/ano. Caso essas condições não sejam atendidas toda a safra ou boa parte dela pode ser prejudicada, pois sem o controle de irrigação e temperatura o café fica propício a desenvolver diversas doenças que o destroem.</a:t>
-            </a:r>
-          </a:p>
-          <a:p>
-            <a:pPr rtl="0"/>
-            <a:endParaRPr lang="pt-BR" sz="2000" dirty="0"/>
-          </a:p>
-        </p:txBody>
-      </p:sp>
-      <p:pic>
-        <p:nvPicPr>
-          <p:cNvPr id="12" name="Espaço Reservado para Imagem 11" descr="Um prato de comida e uma xícara de café em uma mesa">
-            <a:extLst>
-              <a:ext uri="{FF2B5EF4-FFF2-40B4-BE49-F238E27FC236}">
-                <a16:creationId xmlns:a16="http://schemas.microsoft.com/office/drawing/2014/main" id="{A2A14B2C-861B-4D89-8E2E-55D212D4AC5A}"/>
-              </a:ext>
-            </a:extLst>
-          </p:cNvPr>
-          <p:cNvPicPr>
-            <a:picLocks noGrp="1" noChangeAspect="1"/>
-          </p:cNvPicPr>
-          <p:nvPr>
-            <p:ph type="pic" sz="quarter" idx="14"/>
-          </p:nvPr>
-        </p:nvPicPr>
-        <p:blipFill rotWithShape="1">
-          <a:blip r:embed="rId3" cstate="screen">
-            <a:extLst>
-              <a:ext uri="{28A0092B-C50C-407E-A947-70E740481C1C}">
-                <a14:useLocalDpi xmlns:a14="http://schemas.microsoft.com/office/drawing/2010/main" val="0"/>
-              </a:ext>
-            </a:extLst>
-          </a:blip>
-          <a:srcRect l="61" r="61"/>
-          <a:stretch/>
-        </p:blipFill>
-        <p:spPr/>
-      </p:pic>
-      <p:sp>
-        <p:nvSpPr>
-          <p:cNvPr id="14" name="Forma Livre: Forma 13">
-            <a:extLst>
-              <a:ext uri="{FF2B5EF4-FFF2-40B4-BE49-F238E27FC236}">
-                <a16:creationId xmlns:a16="http://schemas.microsoft.com/office/drawing/2014/main" id="{FEA3BCB6-65D7-413C-9C17-C82003C8252A}"/>
-              </a:ext>
-              <a:ext uri="{C183D7F6-B498-43B3-948B-1728B52AA6E4}">
-                <adec:decorative xmlns:adec="http://schemas.microsoft.com/office/drawing/2017/decorative" val="1"/>
-              </a:ext>
-            </a:extLst>
-          </p:cNvPr>
-          <p:cNvSpPr/>
-          <p:nvPr/>
-        </p:nvSpPr>
-        <p:spPr>
-          <a:xfrm rot="14885154" flipH="1">
-            <a:off x="7260230" y="-2526873"/>
-            <a:ext cx="3738966" cy="6206270"/>
-          </a:xfrm>
-          <a:custGeom>
-            <a:avLst/>
-            <a:gdLst>
-              <a:gd name="connsiteX0" fmla="*/ 0 w 4033589"/>
-              <a:gd name="connsiteY0" fmla="*/ 0 h 6858000"/>
-              <a:gd name="connsiteX1" fmla="*/ 1878934 w 4033589"/>
-              <a:gd name="connsiteY1" fmla="*/ 0 h 6858000"/>
-              <a:gd name="connsiteX2" fmla="*/ 1882313 w 4033589"/>
-              <a:gd name="connsiteY2" fmla="*/ 2021 h 6858000"/>
-              <a:gd name="connsiteX3" fmla="*/ 3475371 w 4033589"/>
-              <a:gd name="connsiteY3" fmla="*/ 1517967 h 6858000"/>
-              <a:gd name="connsiteX4" fmla="*/ 3975977 w 4033589"/>
-              <a:gd name="connsiteY4" fmla="*/ 4379386 h 6858000"/>
-              <a:gd name="connsiteX5" fmla="*/ 3312864 w 4033589"/>
-              <a:gd name="connsiteY5" fmla="*/ 6852362 h 6858000"/>
-              <a:gd name="connsiteX6" fmla="*/ 3310593 w 4033589"/>
-              <a:gd name="connsiteY6" fmla="*/ 6858000 h 6858000"/>
-              <a:gd name="connsiteX7" fmla="*/ 0 w 4033589"/>
-              <a:gd name="connsiteY7" fmla="*/ 6858000 h 6858000"/>
-              <a:gd name="connsiteX8" fmla="*/ 0 w 4033589"/>
-              <a:gd name="connsiteY8" fmla="*/ 0 h 6858000"/>
-              <a:gd name="connsiteX0" fmla="*/ 0 w 4033589"/>
-              <a:gd name="connsiteY0" fmla="*/ 6858000 h 6858000"/>
-              <a:gd name="connsiteX1" fmla="*/ 1878934 w 4033589"/>
-              <a:gd name="connsiteY1" fmla="*/ 0 h 6858000"/>
-              <a:gd name="connsiteX2" fmla="*/ 1882313 w 4033589"/>
-              <a:gd name="connsiteY2" fmla="*/ 2021 h 6858000"/>
-              <a:gd name="connsiteX3" fmla="*/ 3475371 w 4033589"/>
-              <a:gd name="connsiteY3" fmla="*/ 1517967 h 6858000"/>
-              <a:gd name="connsiteX4" fmla="*/ 3975977 w 4033589"/>
-              <a:gd name="connsiteY4" fmla="*/ 4379386 h 6858000"/>
-              <a:gd name="connsiteX5" fmla="*/ 3312864 w 4033589"/>
-              <a:gd name="connsiteY5" fmla="*/ 6852362 h 6858000"/>
-              <a:gd name="connsiteX6" fmla="*/ 3310593 w 4033589"/>
-              <a:gd name="connsiteY6" fmla="*/ 6858000 h 6858000"/>
-              <a:gd name="connsiteX7" fmla="*/ 0 w 4033589"/>
-              <a:gd name="connsiteY7" fmla="*/ 6858000 h 6858000"/>
-              <a:gd name="connsiteX0" fmla="*/ 1787494 w 3942149"/>
-              <a:gd name="connsiteY0" fmla="*/ 0 h 6949440"/>
-              <a:gd name="connsiteX1" fmla="*/ 1790873 w 3942149"/>
-              <a:gd name="connsiteY1" fmla="*/ 2021 h 6949440"/>
-              <a:gd name="connsiteX2" fmla="*/ 3383931 w 3942149"/>
-              <a:gd name="connsiteY2" fmla="*/ 1517967 h 6949440"/>
-              <a:gd name="connsiteX3" fmla="*/ 3884537 w 3942149"/>
-              <a:gd name="connsiteY3" fmla="*/ 4379386 h 6949440"/>
-              <a:gd name="connsiteX4" fmla="*/ 3221424 w 3942149"/>
-              <a:gd name="connsiteY4" fmla="*/ 6852362 h 6949440"/>
-              <a:gd name="connsiteX5" fmla="*/ 3219153 w 3942149"/>
-              <a:gd name="connsiteY5" fmla="*/ 6858000 h 6949440"/>
-              <a:gd name="connsiteX6" fmla="*/ 0 w 3942149"/>
-              <a:gd name="connsiteY6" fmla="*/ 6949440 h 6949440"/>
-              <a:gd name="connsiteX0" fmla="*/ 1787494 w 3942149"/>
-              <a:gd name="connsiteY0" fmla="*/ 0 h 6949440"/>
-              <a:gd name="connsiteX1" fmla="*/ 1790873 w 3942149"/>
-              <a:gd name="connsiteY1" fmla="*/ 2021 h 6949440"/>
-              <a:gd name="connsiteX2" fmla="*/ 3383931 w 3942149"/>
-              <a:gd name="connsiteY2" fmla="*/ 1517967 h 6949440"/>
-              <a:gd name="connsiteX3" fmla="*/ 3884537 w 3942149"/>
-              <a:gd name="connsiteY3" fmla="*/ 4379386 h 6949440"/>
-              <a:gd name="connsiteX4" fmla="*/ 3221424 w 3942149"/>
-              <a:gd name="connsiteY4" fmla="*/ 6852362 h 6949440"/>
-              <a:gd name="connsiteX5" fmla="*/ 3219153 w 3942149"/>
-              <a:gd name="connsiteY5" fmla="*/ 6858000 h 6949440"/>
-              <a:gd name="connsiteX6" fmla="*/ 0 w 3942149"/>
-              <a:gd name="connsiteY6" fmla="*/ 6949440 h 6949440"/>
-              <a:gd name="connsiteX0" fmla="*/ 0 w 2154655"/>
-              <a:gd name="connsiteY0" fmla="*/ 0 h 6858000"/>
-              <a:gd name="connsiteX1" fmla="*/ 3379 w 2154655"/>
-              <a:gd name="connsiteY1" fmla="*/ 2021 h 6858000"/>
-              <a:gd name="connsiteX2" fmla="*/ 1596437 w 2154655"/>
-              <a:gd name="connsiteY2" fmla="*/ 1517967 h 6858000"/>
-              <a:gd name="connsiteX3" fmla="*/ 2097043 w 2154655"/>
-              <a:gd name="connsiteY3" fmla="*/ 4379386 h 6858000"/>
-              <a:gd name="connsiteX4" fmla="*/ 1433930 w 2154655"/>
-              <a:gd name="connsiteY4" fmla="*/ 6852362 h 6858000"/>
-              <a:gd name="connsiteX5" fmla="*/ 1431659 w 2154655"/>
-              <a:gd name="connsiteY5" fmla="*/ 6858000 h 6858000"/>
-            </a:gdLst>
-            <a:ahLst/>
-            <a:cxnLst>
-              <a:cxn ang="0">
-                <a:pos x="connsiteX0" y="connsiteY0"/>
-              </a:cxn>
-              <a:cxn ang="0">
-                <a:pos x="connsiteX1" y="connsiteY1"/>
-              </a:cxn>
-              <a:cxn ang="0">
-                <a:pos x="connsiteX2" y="connsiteY2"/>
-              </a:cxn>
-              <a:cxn ang="0">
-                <a:pos x="connsiteX3" y="connsiteY3"/>
-              </a:cxn>
-              <a:cxn ang="0">
-                <a:pos x="connsiteX4" y="connsiteY4"/>
-              </a:cxn>
-              <a:cxn ang="0">
-                <a:pos x="connsiteX5" y="connsiteY5"/>
-              </a:cxn>
-            </a:cxnLst>
-            <a:rect l="l" t="t" r="r" b="b"/>
-            <a:pathLst>
-              <a:path w="2154655" h="6858000">
-                <a:moveTo>
-                  <a:pt x="0" y="0"/>
-                </a:moveTo>
-                <a:lnTo>
-                  <a:pt x="3379" y="2021"/>
-                </a:lnTo>
-                <a:cubicBezTo>
-                  <a:pt x="667061" y="423753"/>
-                  <a:pt x="1239365" y="963389"/>
-                  <a:pt x="1596437" y="1517967"/>
-                </a:cubicBezTo>
-                <a:cubicBezTo>
-                  <a:pt x="2133142" y="2350886"/>
-                  <a:pt x="2239839" y="3395752"/>
-                  <a:pt x="2097043" y="4379386"/>
-                </a:cubicBezTo>
-                <a:cubicBezTo>
-                  <a:pt x="2032295" y="4824358"/>
-                  <a:pt x="1812506" y="5869368"/>
-                  <a:pt x="1433930" y="6852362"/>
-                </a:cubicBezTo>
-                <a:lnTo>
-                  <a:pt x="1431659" y="6858000"/>
-                </a:lnTo>
-              </a:path>
-            </a:pathLst>
-          </a:custGeom>
-          <a:noFill/>
-          <a:ln w="19050">
-            <a:solidFill>
-              <a:schemeClr val="accent2">
-                <a:lumMod val="60000"/>
-                <a:lumOff val="40000"/>
-              </a:schemeClr>
-            </a:solidFill>
-          </a:ln>
-        </p:spPr>
-        <p:style>
-          <a:lnRef idx="2">
-            <a:schemeClr val="accent1">
-              <a:shade val="50000"/>
-            </a:schemeClr>
-          </a:lnRef>
-          <a:fillRef idx="1">
-            <a:schemeClr val="accent1"/>
-          </a:fillRef>
-          <a:effectRef idx="0">
-            <a:schemeClr val="accent1"/>
-          </a:effectRef>
-          <a:fontRef idx="minor">
-            <a:schemeClr val="lt1"/>
-          </a:fontRef>
-        </p:style>
-        <p:txBody>
-          <a:bodyPr rtlCol="0" anchor="ctr"/>
-          <a:lstStyle/>
-          <a:p>
-            <a:pPr algn="ctr" rtl="0"/>
-            <a:endParaRPr lang="pt-BR" dirty="0">
-              <a:solidFill>
-                <a:prstClr val="white"/>
-              </a:solidFill>
-              <a:latin typeface="Avenir Next LT Pro Light"/>
-            </a:endParaRPr>
-          </a:p>
-        </p:txBody>
-      </p:sp>
-    </p:spTree>
-    <p:extLst>
-      <p:ext uri="{BB962C8B-B14F-4D97-AF65-F5344CB8AC3E}">
-        <p14:creationId xmlns:p14="http://schemas.microsoft.com/office/powerpoint/2010/main" val="100251410"/>
-      </p:ext>
-    </p:extLst>
-  </p:cSld>
-  <p:clrMapOvr>
-    <a:masterClrMapping/>
-  </p:clrMapOvr>
-</p:sld>
-</file>
-
-<file path=ppt/slides/slide6.xml><?xml version="1.0" encoding="utf-8"?>
-<p:sld xmlns:a="http://schemas.openxmlformats.org/drawingml/2006/main" xmlns:r="http://schemas.openxmlformats.org/officeDocument/2006/relationships" xmlns:p="http://schemas.openxmlformats.org/presentationml/2006/main">
-  <p:cSld>
-    <p:spTree>
-      <p:nvGrpSpPr>
-        <p:cNvPr id="1" name=""/>
-        <p:cNvGrpSpPr/>
-        <p:nvPr/>
-      </p:nvGrpSpPr>
-      <p:grpSpPr>
-        <a:xfrm>
-          <a:off x="0" y="0"/>
-          <a:ext cx="0" cy="0"/>
-          <a:chOff x="0" y="0"/>
-          <a:chExt cx="0" cy="0"/>
-        </a:xfrm>
-      </p:grpSpPr>
-      <p:sp>
-        <p:nvSpPr>
-          <p:cNvPr id="5" name="Título 4">
-            <a:extLst>
-              <a:ext uri="{FF2B5EF4-FFF2-40B4-BE49-F238E27FC236}">
-                <a16:creationId xmlns:a16="http://schemas.microsoft.com/office/drawing/2014/main" id="{C9A76E37-1467-4F0D-927C-AEC0E2846867}"/>
-              </a:ext>
-            </a:extLst>
-          </p:cNvPr>
-          <p:cNvSpPr>
-            <a:spLocks noGrp="1"/>
-          </p:cNvSpPr>
-          <p:nvPr>
-            <p:ph type="title"/>
-          </p:nvPr>
-        </p:nvSpPr>
-        <p:spPr>
-          <a:xfrm>
-            <a:off x="1957639" y="640155"/>
-            <a:ext cx="4572000" cy="1524000"/>
-          </a:xfrm>
-        </p:spPr>
-        <p:txBody>
-          <a:bodyPr rtlCol="0"/>
-          <a:lstStyle/>
-          <a:p>
-            <a:pPr rtl="0"/>
-            <a:r>
-              <a:rPr lang="pt-BR" dirty="0"/>
-              <a:t>Principais Requisitos</a:t>
-            </a:r>
-          </a:p>
-        </p:txBody>
-      </p:sp>
-      <p:pic>
-        <p:nvPicPr>
-          <p:cNvPr id="11" name="Espaço Reservado para Imagem 10" descr="Uma imagem contendo comida, diferente, várias, variadas">
-            <a:extLst>
-              <a:ext uri="{FF2B5EF4-FFF2-40B4-BE49-F238E27FC236}">
-                <a16:creationId xmlns:a16="http://schemas.microsoft.com/office/drawing/2014/main" id="{AF040032-2C50-4A91-A8A9-750A9E1CA99A}"/>
-              </a:ext>
-            </a:extLst>
-          </p:cNvPr>
-          <p:cNvPicPr>
-            <a:picLocks noGrp="1" noChangeAspect="1"/>
-          </p:cNvPicPr>
-          <p:nvPr>
-            <p:ph type="pic" sz="quarter" idx="13"/>
-          </p:nvPr>
-        </p:nvPicPr>
-        <p:blipFill rotWithShape="1">
-          <a:blip r:embed="rId3" cstate="screen">
-            <a:extLst>
-              <a:ext uri="{28A0092B-C50C-407E-A947-70E740481C1C}">
-                <a14:useLocalDpi xmlns:a14="http://schemas.microsoft.com/office/drawing/2010/main" val="0"/>
-              </a:ext>
-            </a:extLst>
-          </a:blip>
-          <a:srcRect t="210" b="210"/>
-          <a:stretch/>
-        </p:blipFill>
-        <p:spPr/>
-      </p:pic>
-      <p:sp>
-        <p:nvSpPr>
-          <p:cNvPr id="6" name="Espaço Reservado para Conteúdo 5">
-            <a:extLst>
-              <a:ext uri="{FF2B5EF4-FFF2-40B4-BE49-F238E27FC236}">
-                <a16:creationId xmlns:a16="http://schemas.microsoft.com/office/drawing/2014/main" id="{E43DD79B-0698-4E19-B7CA-FAB8A8A282C9}"/>
-              </a:ext>
-            </a:extLst>
-          </p:cNvPr>
-          <p:cNvSpPr>
-            <a:spLocks noGrp="1"/>
-          </p:cNvSpPr>
-          <p:nvPr>
-            <p:ph idx="1"/>
-          </p:nvPr>
-        </p:nvSpPr>
-        <p:spPr>
-          <a:xfrm>
-            <a:off x="1957639" y="2164155"/>
-            <a:ext cx="5358334" cy="4777364"/>
-          </a:xfrm>
-        </p:spPr>
-        <p:txBody>
-          <a:bodyPr rtlCol="0">
-            <a:noAutofit/>
-          </a:bodyPr>
-          <a:lstStyle/>
-          <a:p>
-            <a:pPr marL="342900" lvl="0" indent="-342900">
-              <a:spcBef>
-                <a:spcPts val="200"/>
-              </a:spcBef>
-              <a:buFont typeface="Symbol" panose="05050102010706020507" pitchFamily="18" charset="2"/>
-              <a:buChar char=""/>
-            </a:pPr>
-            <a:r>
-              <a:rPr lang="pt-BR" sz="1600" kern="1000" dirty="0">
-                <a:effectLst/>
-                <a:latin typeface="Simplon Mono"/>
-                <a:ea typeface="Calibri" panose="020F0502020204030204" pitchFamily="34" charset="0"/>
-                <a:cs typeface="Times New Roman" panose="02020603050405020304" pitchFamily="18" charset="0"/>
-              </a:rPr>
-              <a:t>Cliente usa a calculadora para ver o quanto vai economizar/lucrar</a:t>
-            </a:r>
-          </a:p>
-          <a:p>
-            <a:pPr marL="342900" lvl="0" indent="-342900">
-              <a:buFont typeface="Symbol" panose="05050102010706020507" pitchFamily="18" charset="2"/>
-              <a:buChar char=""/>
-            </a:pPr>
-            <a:r>
-              <a:rPr lang="pt-BR" sz="1600" kern="1000" dirty="0">
-                <a:effectLst/>
-                <a:latin typeface="Simplon Mono"/>
-                <a:ea typeface="Calibri" panose="020F0502020204030204" pitchFamily="34" charset="0"/>
-                <a:cs typeface="Times New Roman" panose="02020603050405020304" pitchFamily="18" charset="0"/>
-              </a:rPr>
-              <a:t>Caso tenha interesse, efetua o cadastro no site</a:t>
-            </a:r>
-          </a:p>
-          <a:p>
-            <a:pPr marL="342900" lvl="0" indent="-342900">
-              <a:buFont typeface="Symbol" panose="05050102010706020507" pitchFamily="18" charset="2"/>
-              <a:buChar char=""/>
-            </a:pPr>
-            <a:r>
-              <a:rPr lang="pt-BR" sz="1600" kern="1000" dirty="0">
-                <a:effectLst/>
-                <a:latin typeface="Simplon Mono"/>
-                <a:ea typeface="Calibri" panose="020F0502020204030204" pitchFamily="34" charset="0"/>
-                <a:cs typeface="Times New Roman" panose="02020603050405020304" pitchFamily="18" charset="0"/>
-              </a:rPr>
-              <a:t>Após o cadastro, passa as informações do seu plantio (área e parte afetada pela doença)</a:t>
-            </a:r>
-          </a:p>
-          <a:p>
-            <a:pPr marL="342900" lvl="0" indent="-342900">
-              <a:buFont typeface="Symbol" panose="05050102010706020507" pitchFamily="18" charset="2"/>
-              <a:buChar char=""/>
-            </a:pPr>
-            <a:r>
-              <a:rPr lang="pt-BR" sz="1600" kern="1000" dirty="0">
-                <a:effectLst/>
-                <a:latin typeface="Simplon Mono"/>
-                <a:ea typeface="Calibri" panose="020F0502020204030204" pitchFamily="34" charset="0"/>
-                <a:cs typeface="Times New Roman" panose="02020603050405020304" pitchFamily="18" charset="0"/>
-              </a:rPr>
-              <a:t>Faremos a contratação da equipe envolvida e compra dos sensores de temperatura e umidade</a:t>
-            </a:r>
-          </a:p>
-          <a:p>
-            <a:pPr marL="342900" lvl="0" indent="-342900">
-              <a:buFont typeface="Symbol" panose="05050102010706020507" pitchFamily="18" charset="2"/>
-              <a:buChar char=""/>
-            </a:pPr>
-            <a:r>
-              <a:rPr lang="pt-BR" sz="1600" kern="1000" dirty="0">
-                <a:effectLst/>
-                <a:latin typeface="Simplon Mono"/>
-                <a:ea typeface="Calibri" panose="020F0502020204030204" pitchFamily="34" charset="0"/>
-                <a:cs typeface="Times New Roman" panose="02020603050405020304" pitchFamily="18" charset="0"/>
-              </a:rPr>
-              <a:t>Análise feita por parte da equipe e instalação dos sensores</a:t>
-            </a:r>
-          </a:p>
-          <a:p>
-            <a:pPr marL="342900" lvl="0" indent="-342900">
-              <a:buFont typeface="Symbol" panose="05050102010706020507" pitchFamily="18" charset="2"/>
-              <a:buChar char=""/>
-            </a:pPr>
-            <a:r>
-              <a:rPr lang="pt-BR" sz="1600" kern="1000" dirty="0">
-                <a:effectLst/>
-                <a:latin typeface="Simplon Mono"/>
-                <a:ea typeface="Calibri" panose="020F0502020204030204" pitchFamily="34" charset="0"/>
-                <a:cs typeface="Times New Roman" panose="02020603050405020304" pitchFamily="18" charset="0"/>
-              </a:rPr>
-              <a:t>Monitoramento constante dos sensores para capturar informações do terreno</a:t>
-            </a:r>
-          </a:p>
-          <a:p>
-            <a:pPr marL="342900" lvl="0" indent="-342900">
-              <a:buFont typeface="Symbol" panose="05050102010706020507" pitchFamily="18" charset="2"/>
-              <a:buChar char=""/>
-            </a:pPr>
-            <a:r>
-              <a:rPr lang="pt-BR" sz="1600" kern="1000" dirty="0">
-                <a:effectLst/>
-                <a:latin typeface="Simplon Mono"/>
-                <a:ea typeface="Calibri" panose="020F0502020204030204" pitchFamily="34" charset="0"/>
-                <a:cs typeface="Times New Roman" panose="02020603050405020304" pitchFamily="18" charset="0"/>
-              </a:rPr>
-              <a:t>Passamos ao cliente os problemas e o passo a passo de como resolve-los</a:t>
-            </a:r>
-          </a:p>
-          <a:p>
-            <a:pPr marL="342900" lvl="0" indent="-342900">
-              <a:spcAft>
-                <a:spcPts val="200"/>
-              </a:spcAft>
-              <a:buFont typeface="Symbol" panose="05050102010706020507" pitchFamily="18" charset="2"/>
-              <a:buChar char=""/>
-            </a:pPr>
-            <a:r>
-              <a:rPr lang="pt-BR" sz="1600" kern="1000" dirty="0">
-                <a:effectLst/>
-                <a:latin typeface="Simplon Mono"/>
-                <a:ea typeface="Calibri" panose="020F0502020204030204" pitchFamily="34" charset="0"/>
-                <a:cs typeface="Times New Roman" panose="02020603050405020304" pitchFamily="18" charset="0"/>
-              </a:rPr>
-              <a:t>Fica a critério do cliente seguir a diante com o tratamento ou finalizar o procedimento</a:t>
-            </a:r>
-          </a:p>
-          <a:p>
-            <a:pPr rtl="0"/>
-            <a:endParaRPr lang="pt-BR" sz="2000" dirty="0"/>
-          </a:p>
-        </p:txBody>
-      </p:sp>
-      <p:pic>
-        <p:nvPicPr>
-          <p:cNvPr id="13" name="Espaço Reservado para Imagem 12" descr="Café em uma mesa de madeira com água ">
-            <a:extLst>
-              <a:ext uri="{FF2B5EF4-FFF2-40B4-BE49-F238E27FC236}">
-                <a16:creationId xmlns:a16="http://schemas.microsoft.com/office/drawing/2014/main" id="{730189FF-93BC-4663-B776-E572DC6C0E4E}"/>
-              </a:ext>
-            </a:extLst>
-          </p:cNvPr>
-          <p:cNvPicPr>
-            <a:picLocks noGrp="1" noChangeAspect="1"/>
-          </p:cNvPicPr>
-          <p:nvPr>
-            <p:ph type="pic" sz="quarter" idx="14"/>
-          </p:nvPr>
-        </p:nvPicPr>
-        <p:blipFill rotWithShape="1">
-          <a:blip r:embed="rId4" cstate="screen">
-            <a:extLst>
-              <a:ext uri="{28A0092B-C50C-407E-A947-70E740481C1C}">
-                <a14:useLocalDpi xmlns:a14="http://schemas.microsoft.com/office/drawing/2010/main" val="0"/>
-              </a:ext>
-            </a:extLst>
-          </a:blip>
-          <a:srcRect l="65" r="65"/>
-          <a:stretch/>
-        </p:blipFill>
-        <p:spPr/>
-      </p:pic>
-      <p:pic>
-        <p:nvPicPr>
-          <p:cNvPr id="15" name="Espaço Reservado para Imagem 14" descr="Um prato de comida e uma xícara de café em uma mesa">
-            <a:extLst>
-              <a:ext uri="{FF2B5EF4-FFF2-40B4-BE49-F238E27FC236}">
-                <a16:creationId xmlns:a16="http://schemas.microsoft.com/office/drawing/2014/main" id="{DDD35196-C0A0-4FF6-885D-696DD859D7AA}"/>
-              </a:ext>
-            </a:extLst>
-          </p:cNvPr>
-          <p:cNvPicPr>
-            <a:picLocks noGrp="1" noChangeAspect="1"/>
-          </p:cNvPicPr>
-          <p:nvPr>
-            <p:ph type="pic" sz="quarter" idx="15"/>
-          </p:nvPr>
-        </p:nvPicPr>
-        <p:blipFill rotWithShape="1">
-          <a:blip r:embed="rId5" cstate="screen">
-            <a:extLst>
-              <a:ext uri="{28A0092B-C50C-407E-A947-70E740481C1C}">
-                <a14:useLocalDpi xmlns:a14="http://schemas.microsoft.com/office/drawing/2010/main" val="0"/>
-              </a:ext>
-            </a:extLst>
-          </a:blip>
-          <a:srcRect t="1" b="1"/>
-          <a:stretch/>
-        </p:blipFill>
-        <p:spPr/>
-      </p:pic>
-      <p:sp>
-        <p:nvSpPr>
-          <p:cNvPr id="19" name="Forma Livre: Forma 18">
-            <a:extLst>
-              <a:ext uri="{FF2B5EF4-FFF2-40B4-BE49-F238E27FC236}">
-                <a16:creationId xmlns:a16="http://schemas.microsoft.com/office/drawing/2014/main" id="{4A837396-9198-4DFD-BAAD-EF9260C9600B}"/>
-              </a:ext>
-              <a:ext uri="{C183D7F6-B498-43B3-948B-1728B52AA6E4}">
-                <adec:decorative xmlns:adec="http://schemas.microsoft.com/office/drawing/2017/decorative" val="1"/>
-              </a:ext>
-            </a:extLst>
-          </p:cNvPr>
-          <p:cNvSpPr/>
-          <p:nvPr/>
-        </p:nvSpPr>
-        <p:spPr>
-          <a:xfrm rot="14885154" flipH="1">
-            <a:off x="7164734" y="-2511844"/>
-            <a:ext cx="3825181" cy="6243456"/>
-          </a:xfrm>
-          <a:custGeom>
-            <a:avLst/>
-            <a:gdLst>
-              <a:gd name="connsiteX0" fmla="*/ 0 w 4033589"/>
-              <a:gd name="connsiteY0" fmla="*/ 0 h 6858000"/>
-              <a:gd name="connsiteX1" fmla="*/ 1878934 w 4033589"/>
-              <a:gd name="connsiteY1" fmla="*/ 0 h 6858000"/>
-              <a:gd name="connsiteX2" fmla="*/ 1882313 w 4033589"/>
-              <a:gd name="connsiteY2" fmla="*/ 2021 h 6858000"/>
-              <a:gd name="connsiteX3" fmla="*/ 3475371 w 4033589"/>
-              <a:gd name="connsiteY3" fmla="*/ 1517967 h 6858000"/>
-              <a:gd name="connsiteX4" fmla="*/ 3975977 w 4033589"/>
-              <a:gd name="connsiteY4" fmla="*/ 4379386 h 6858000"/>
-              <a:gd name="connsiteX5" fmla="*/ 3312864 w 4033589"/>
-              <a:gd name="connsiteY5" fmla="*/ 6852362 h 6858000"/>
-              <a:gd name="connsiteX6" fmla="*/ 3310593 w 4033589"/>
-              <a:gd name="connsiteY6" fmla="*/ 6858000 h 6858000"/>
-              <a:gd name="connsiteX7" fmla="*/ 0 w 4033589"/>
-              <a:gd name="connsiteY7" fmla="*/ 6858000 h 6858000"/>
-              <a:gd name="connsiteX8" fmla="*/ 0 w 4033589"/>
-              <a:gd name="connsiteY8" fmla="*/ 0 h 6858000"/>
-              <a:gd name="connsiteX0" fmla="*/ 0 w 4033589"/>
-              <a:gd name="connsiteY0" fmla="*/ 6858000 h 6858000"/>
-              <a:gd name="connsiteX1" fmla="*/ 1878934 w 4033589"/>
-              <a:gd name="connsiteY1" fmla="*/ 0 h 6858000"/>
-              <a:gd name="connsiteX2" fmla="*/ 1882313 w 4033589"/>
-              <a:gd name="connsiteY2" fmla="*/ 2021 h 6858000"/>
-              <a:gd name="connsiteX3" fmla="*/ 3475371 w 4033589"/>
-              <a:gd name="connsiteY3" fmla="*/ 1517967 h 6858000"/>
-              <a:gd name="connsiteX4" fmla="*/ 3975977 w 4033589"/>
-              <a:gd name="connsiteY4" fmla="*/ 4379386 h 6858000"/>
-              <a:gd name="connsiteX5" fmla="*/ 3312864 w 4033589"/>
-              <a:gd name="connsiteY5" fmla="*/ 6852362 h 6858000"/>
-              <a:gd name="connsiteX6" fmla="*/ 3310593 w 4033589"/>
-              <a:gd name="connsiteY6" fmla="*/ 6858000 h 6858000"/>
-              <a:gd name="connsiteX7" fmla="*/ 0 w 4033589"/>
-              <a:gd name="connsiteY7" fmla="*/ 6858000 h 6858000"/>
-              <a:gd name="connsiteX0" fmla="*/ 1787494 w 3942149"/>
-              <a:gd name="connsiteY0" fmla="*/ 0 h 6949440"/>
-              <a:gd name="connsiteX1" fmla="*/ 1790873 w 3942149"/>
-              <a:gd name="connsiteY1" fmla="*/ 2021 h 6949440"/>
-              <a:gd name="connsiteX2" fmla="*/ 3383931 w 3942149"/>
-              <a:gd name="connsiteY2" fmla="*/ 1517967 h 6949440"/>
-              <a:gd name="connsiteX3" fmla="*/ 3884537 w 3942149"/>
-              <a:gd name="connsiteY3" fmla="*/ 4379386 h 6949440"/>
-              <a:gd name="connsiteX4" fmla="*/ 3221424 w 3942149"/>
-              <a:gd name="connsiteY4" fmla="*/ 6852362 h 6949440"/>
-              <a:gd name="connsiteX5" fmla="*/ 3219153 w 3942149"/>
-              <a:gd name="connsiteY5" fmla="*/ 6858000 h 6949440"/>
-              <a:gd name="connsiteX6" fmla="*/ 0 w 3942149"/>
-              <a:gd name="connsiteY6" fmla="*/ 6949440 h 6949440"/>
-              <a:gd name="connsiteX0" fmla="*/ 1787494 w 3942149"/>
-              <a:gd name="connsiteY0" fmla="*/ 0 h 6949440"/>
-              <a:gd name="connsiteX1" fmla="*/ 1790873 w 3942149"/>
-              <a:gd name="connsiteY1" fmla="*/ 2021 h 6949440"/>
-              <a:gd name="connsiteX2" fmla="*/ 3383931 w 3942149"/>
-              <a:gd name="connsiteY2" fmla="*/ 1517967 h 6949440"/>
-              <a:gd name="connsiteX3" fmla="*/ 3884537 w 3942149"/>
-              <a:gd name="connsiteY3" fmla="*/ 4379386 h 6949440"/>
-              <a:gd name="connsiteX4" fmla="*/ 3221424 w 3942149"/>
-              <a:gd name="connsiteY4" fmla="*/ 6852362 h 6949440"/>
-              <a:gd name="connsiteX5" fmla="*/ 3219153 w 3942149"/>
-              <a:gd name="connsiteY5" fmla="*/ 6858000 h 6949440"/>
-              <a:gd name="connsiteX6" fmla="*/ 0 w 3942149"/>
-              <a:gd name="connsiteY6" fmla="*/ 6949440 h 6949440"/>
-              <a:gd name="connsiteX0" fmla="*/ 0 w 2154655"/>
-              <a:gd name="connsiteY0" fmla="*/ 0 h 6858000"/>
-              <a:gd name="connsiteX1" fmla="*/ 3379 w 2154655"/>
-              <a:gd name="connsiteY1" fmla="*/ 2021 h 6858000"/>
-              <a:gd name="connsiteX2" fmla="*/ 1596437 w 2154655"/>
-              <a:gd name="connsiteY2" fmla="*/ 1517967 h 6858000"/>
-              <a:gd name="connsiteX3" fmla="*/ 2097043 w 2154655"/>
-              <a:gd name="connsiteY3" fmla="*/ 4379386 h 6858000"/>
-              <a:gd name="connsiteX4" fmla="*/ 1433930 w 2154655"/>
-              <a:gd name="connsiteY4" fmla="*/ 6852362 h 6858000"/>
-              <a:gd name="connsiteX5" fmla="*/ 1431659 w 2154655"/>
-              <a:gd name="connsiteY5" fmla="*/ 6858000 h 6858000"/>
-            </a:gdLst>
-            <a:ahLst/>
-            <a:cxnLst>
-              <a:cxn ang="0">
-                <a:pos x="connsiteX0" y="connsiteY0"/>
-              </a:cxn>
-              <a:cxn ang="0">
-                <a:pos x="connsiteX1" y="connsiteY1"/>
-              </a:cxn>
-              <a:cxn ang="0">
-                <a:pos x="connsiteX2" y="connsiteY2"/>
-              </a:cxn>
-              <a:cxn ang="0">
-                <a:pos x="connsiteX3" y="connsiteY3"/>
-              </a:cxn>
-              <a:cxn ang="0">
-                <a:pos x="connsiteX4" y="connsiteY4"/>
-              </a:cxn>
-              <a:cxn ang="0">
-                <a:pos x="connsiteX5" y="connsiteY5"/>
-              </a:cxn>
-            </a:cxnLst>
-            <a:rect l="l" t="t" r="r" b="b"/>
-            <a:pathLst>
-              <a:path w="2154655" h="6858000">
-                <a:moveTo>
-                  <a:pt x="0" y="0"/>
-                </a:moveTo>
-                <a:lnTo>
-                  <a:pt x="3379" y="2021"/>
-                </a:lnTo>
-                <a:cubicBezTo>
-                  <a:pt x="667061" y="423753"/>
-                  <a:pt x="1239365" y="963389"/>
-                  <a:pt x="1596437" y="1517967"/>
-                </a:cubicBezTo>
-                <a:cubicBezTo>
-                  <a:pt x="2133142" y="2350886"/>
-                  <a:pt x="2239839" y="3395752"/>
-                  <a:pt x="2097043" y="4379386"/>
-                </a:cubicBezTo>
-                <a:cubicBezTo>
-                  <a:pt x="2032295" y="4824358"/>
-                  <a:pt x="1812506" y="5869368"/>
-                  <a:pt x="1433930" y="6852362"/>
-                </a:cubicBezTo>
-                <a:lnTo>
-                  <a:pt x="1431659" y="6858000"/>
-                </a:lnTo>
-              </a:path>
-            </a:pathLst>
-          </a:custGeom>
-          <a:noFill/>
-          <a:ln w="19050">
-            <a:solidFill>
-              <a:schemeClr val="accent2">
-                <a:lumMod val="60000"/>
-                <a:lumOff val="40000"/>
-              </a:schemeClr>
-            </a:solidFill>
-          </a:ln>
-        </p:spPr>
-        <p:style>
-          <a:lnRef idx="2">
-            <a:schemeClr val="accent1">
-              <a:shade val="50000"/>
-            </a:schemeClr>
-          </a:lnRef>
-          <a:fillRef idx="1">
-            <a:schemeClr val="accent1"/>
-          </a:fillRef>
-          <a:effectRef idx="0">
-            <a:schemeClr val="accent1"/>
-          </a:effectRef>
-          <a:fontRef idx="minor">
-            <a:schemeClr val="lt1"/>
-          </a:fontRef>
-        </p:style>
-        <p:txBody>
-          <a:bodyPr rtlCol="0" anchor="ctr"/>
-          <a:lstStyle/>
-          <a:p>
-            <a:pPr algn="ctr" rtl="0"/>
-            <a:endParaRPr lang="pt-BR" dirty="0">
-              <a:solidFill>
-                <a:prstClr val="white"/>
-              </a:solidFill>
-              <a:latin typeface="Avenir Next LT Pro Light"/>
-            </a:endParaRPr>
-          </a:p>
-        </p:txBody>
-      </p:sp>
-    </p:spTree>
-    <p:extLst>
-      <p:ext uri="{BB962C8B-B14F-4D97-AF65-F5344CB8AC3E}">
-        <p14:creationId xmlns:p14="http://schemas.microsoft.com/office/powerpoint/2010/main" val="2156074104"/>
-      </p:ext>
-    </p:extLst>
-  </p:cSld>
-  <p:clrMapOvr>
-    <a:masterClrMapping/>
-  </p:clrMapOvr>
-</p:sld>
-</file>
-
-<file path=ppt/slides/slide7.xml><?xml version="1.0" encoding="utf-8"?>
-<p:sld xmlns:a="http://schemas.openxmlformats.org/drawingml/2006/main" xmlns:r="http://schemas.openxmlformats.org/officeDocument/2006/relationships" xmlns:p="http://schemas.openxmlformats.org/presentationml/2006/main">
-  <p:cSld>
-    <p:spTree>
-      <p:nvGrpSpPr>
-        <p:cNvPr id="1" name=""/>
-        <p:cNvGrpSpPr/>
-        <p:nvPr/>
-      </p:nvGrpSpPr>
-      <p:grpSpPr>
-        <a:xfrm>
-          <a:off x="0" y="0"/>
-          <a:ext cx="0" cy="0"/>
-          <a:chOff x="0" y="0"/>
-          <a:chExt cx="0" cy="0"/>
-        </a:xfrm>
-      </p:grpSpPr>
-      <p:sp>
-        <p:nvSpPr>
-          <p:cNvPr id="5" name="Título 4">
-            <a:extLst>
-              <a:ext uri="{FF2B5EF4-FFF2-40B4-BE49-F238E27FC236}">
-                <a16:creationId xmlns:a16="http://schemas.microsoft.com/office/drawing/2014/main" id="{9175A73F-B407-4F1B-BA54-CF25554AD2A4}"/>
-              </a:ext>
-            </a:extLst>
-          </p:cNvPr>
-          <p:cNvSpPr>
-            <a:spLocks noGrp="1"/>
-          </p:cNvSpPr>
-          <p:nvPr>
-            <p:ph type="title"/>
-          </p:nvPr>
-        </p:nvSpPr>
-        <p:spPr>
-          <a:xfrm>
-            <a:off x="345625" y="265191"/>
-            <a:ext cx="10515600" cy="1325563"/>
-          </a:xfrm>
-        </p:spPr>
-        <p:txBody>
-          <a:bodyPr rtlCol="0"/>
-          <a:lstStyle/>
-          <a:p>
-            <a:pPr rtl="0"/>
-            <a:r>
-              <a:rPr lang="pt-BR" dirty="0"/>
-              <a:t>Ferramenta escolhida para gestão</a:t>
-            </a:r>
-          </a:p>
-        </p:txBody>
-      </p:sp>
-      <p:sp>
-        <p:nvSpPr>
-          <p:cNvPr id="10" name="Espaço Reservado para Conteúdo 3">
-            <a:extLst>
-              <a:ext uri="{FF2B5EF4-FFF2-40B4-BE49-F238E27FC236}">
-                <a16:creationId xmlns:a16="http://schemas.microsoft.com/office/drawing/2014/main" id="{3E03A7A2-3011-6EC6-27C0-B86F5C58F31A}"/>
+                <a16:creationId xmlns:a16="http://schemas.microsoft.com/office/drawing/2014/main" id="{38997914-380B-9309-0022-676A73A460E6}"/>
               </a:ext>
             </a:extLst>
           </p:cNvPr>
@@ -12800,8 +10160,8 @@
         </p:nvSpPr>
         <p:spPr>
           <a:xfrm>
-            <a:off x="838199" y="1999376"/>
-            <a:ext cx="5151119" cy="3048000"/>
+            <a:off x="7325290" y="2201439"/>
+            <a:ext cx="4055883" cy="3048000"/>
           </a:xfrm>
           <a:prstGeom prst="rect">
             <a:avLst/>
@@ -12976,16 +10336,238 @@
             </a:lvl9pPr>
           </a:lstStyle>
           <a:p>
-            <a:endParaRPr lang="pt-BR" sz="1400" dirty="0"/>
+            <a:pPr marL="0" indent="0">
+              <a:spcBef>
+                <a:spcPts val="200"/>
+              </a:spcBef>
+              <a:spcAft>
+                <a:spcPts val="200"/>
+              </a:spcAft>
+              <a:buNone/>
+            </a:pPr>
+            <a:endParaRPr lang="pt-BR" sz="1800" kern="1000" dirty="0">
+              <a:effectLst/>
+              <a:latin typeface="Simplon Mono"/>
+              <a:ea typeface="Calibri" panose="020F0502020204030204" pitchFamily="34" charset="0"/>
+              <a:cs typeface="Times New Roman" panose="02020603050405020304" pitchFamily="18" charset="0"/>
+            </a:endParaRPr>
+          </a:p>
+          <a:p>
+            <a:pPr marL="0" indent="0">
+              <a:spcBef>
+                <a:spcPts val="200"/>
+              </a:spcBef>
+              <a:spcAft>
+                <a:spcPts val="200"/>
+              </a:spcAft>
+              <a:buNone/>
+            </a:pPr>
+            <a:endParaRPr lang="pt-BR" sz="1800" kern="1000" dirty="0">
+              <a:latin typeface="Simplon Mono"/>
+              <a:ea typeface="Calibri" panose="020F0502020204030204" pitchFamily="34" charset="0"/>
+              <a:cs typeface="Times New Roman" panose="02020603050405020304" pitchFamily="18" charset="0"/>
+            </a:endParaRPr>
+          </a:p>
+          <a:p>
+            <a:pPr marL="0" indent="0">
+              <a:spcBef>
+                <a:spcPts val="200"/>
+              </a:spcBef>
+              <a:spcAft>
+                <a:spcPts val="200"/>
+              </a:spcAft>
+              <a:buNone/>
+            </a:pPr>
+            <a:endParaRPr lang="pt-BR" sz="1800" kern="1000" dirty="0">
+              <a:latin typeface="Simplon Mono"/>
+              <a:ea typeface="Calibri" panose="020F0502020204030204" pitchFamily="34" charset="0"/>
+              <a:cs typeface="Times New Roman" panose="02020603050405020304" pitchFamily="18" charset="0"/>
+            </a:endParaRPr>
           </a:p>
         </p:txBody>
       </p:sp>
       <p:pic>
         <p:nvPicPr>
-          <p:cNvPr id="12" name="Imagem 11">
+          <p:cNvPr id="7" name="Espaço Reservado para Imagem 32" descr="Grãos de Café">
             <a:extLst>
               <a:ext uri="{FF2B5EF4-FFF2-40B4-BE49-F238E27FC236}">
-                <a16:creationId xmlns:a16="http://schemas.microsoft.com/office/drawing/2014/main" id="{1026D103-DF44-57A3-0176-CD265A41BDB6}"/>
+                <a16:creationId xmlns:a16="http://schemas.microsoft.com/office/drawing/2014/main" id="{B057F609-F1CF-C679-3B73-9152D8E0C1F9}"/>
+              </a:ext>
+            </a:extLst>
+          </p:cNvPr>
+          <p:cNvPicPr>
+            <a:picLocks noChangeAspect="1"/>
+          </p:cNvPicPr>
+          <p:nvPr/>
+        </p:nvPicPr>
+        <p:blipFill rotWithShape="1">
+          <a:blip r:embed="rId4" cstate="screen">
+            <a:extLst>
+              <a:ext uri="{28A0092B-C50C-407E-A947-70E740481C1C}">
+                <a14:useLocalDpi xmlns:a14="http://schemas.microsoft.com/office/drawing/2010/main" val="0"/>
+              </a:ext>
+            </a:extLst>
+          </a:blip>
+          <a:srcRect t="183" b="183"/>
+          <a:stretch/>
+        </p:blipFill>
+        <p:spPr>
+          <a:xfrm>
+            <a:off x="9889048" y="718418"/>
+            <a:ext cx="2302952" cy="5820494"/>
+          </a:xfrm>
+          <a:custGeom>
+            <a:avLst/>
+            <a:gdLst>
+              <a:gd name="connsiteX0" fmla="*/ 2302952 w 2302952"/>
+              <a:gd name="connsiteY0" fmla="*/ 0 h 5820494"/>
+              <a:gd name="connsiteX1" fmla="*/ 2302951 w 2302952"/>
+              <a:gd name="connsiteY1" fmla="*/ 5489408 h 5820494"/>
+              <a:gd name="connsiteX2" fmla="*/ 2214998 w 2302952"/>
+              <a:gd name="connsiteY2" fmla="*/ 5568668 h 5820494"/>
+              <a:gd name="connsiteX3" fmla="*/ 980229 w 2302952"/>
+              <a:gd name="connsiteY3" fmla="*/ 5533905 h 5820494"/>
+              <a:gd name="connsiteX4" fmla="*/ 34664 w 2302952"/>
+              <a:gd name="connsiteY4" fmla="*/ 2458684 h 5820494"/>
+              <a:gd name="connsiteX5" fmla="*/ 962915 w 2302952"/>
+              <a:gd name="connsiteY5" fmla="*/ 888011 h 5820494"/>
+              <a:gd name="connsiteX6" fmla="*/ 2089185 w 2302952"/>
+              <a:gd name="connsiteY6" fmla="*/ 110594 h 5820494"/>
+            </a:gdLst>
+            <a:ahLst/>
+            <a:cxnLst>
+              <a:cxn ang="0">
+                <a:pos x="connsiteX0" y="connsiteY0"/>
+              </a:cxn>
+              <a:cxn ang="0">
+                <a:pos x="connsiteX1" y="connsiteY1"/>
+              </a:cxn>
+              <a:cxn ang="0">
+                <a:pos x="connsiteX2" y="connsiteY2"/>
+              </a:cxn>
+              <a:cxn ang="0">
+                <a:pos x="connsiteX3" y="connsiteY3"/>
+              </a:cxn>
+              <a:cxn ang="0">
+                <a:pos x="connsiteX4" y="connsiteY4"/>
+              </a:cxn>
+              <a:cxn ang="0">
+                <a:pos x="connsiteX5" y="connsiteY5"/>
+              </a:cxn>
+              <a:cxn ang="0">
+                <a:pos x="connsiteX6" y="connsiteY6"/>
+              </a:cxn>
+            </a:cxnLst>
+            <a:rect l="l" t="t" r="r" b="b"/>
+            <a:pathLst>
+              <a:path w="2302952" h="5820494">
+                <a:moveTo>
+                  <a:pt x="2302952" y="0"/>
+                </a:moveTo>
+                <a:lnTo>
+                  <a:pt x="2302951" y="5489408"/>
+                </a:lnTo>
+                <a:lnTo>
+                  <a:pt x="2214998" y="5568668"/>
+                </a:lnTo>
+                <a:cubicBezTo>
+                  <a:pt x="1859218" y="5862586"/>
+                  <a:pt x="1445746" y="5956656"/>
+                  <a:pt x="980229" y="5533905"/>
+                </a:cubicBezTo>
+                <a:cubicBezTo>
+                  <a:pt x="245766" y="4867048"/>
+                  <a:pt x="-119012" y="3425160"/>
+                  <a:pt x="34664" y="2458684"/>
+                </a:cubicBezTo>
+                <a:cubicBezTo>
+                  <a:pt x="135459" y="1823441"/>
+                  <a:pt x="507389" y="1284554"/>
+                  <a:pt x="962915" y="888011"/>
+                </a:cubicBezTo>
+                <a:cubicBezTo>
+                  <a:pt x="1150308" y="724995"/>
+                  <a:pt x="1591681" y="387625"/>
+                  <a:pt x="2089185" y="110594"/>
+                </a:cubicBezTo>
+                <a:close/>
+              </a:path>
+            </a:pathLst>
+          </a:custGeom>
+        </p:spPr>
+      </p:pic>
+    </p:spTree>
+    <p:extLst>
+      <p:ext uri="{BB962C8B-B14F-4D97-AF65-F5344CB8AC3E}">
+        <p14:creationId xmlns:p14="http://schemas.microsoft.com/office/powerpoint/2010/main" val="3950066950"/>
+      </p:ext>
+    </p:extLst>
+  </p:cSld>
+  <p:clrMapOvr>
+    <a:masterClrMapping/>
+  </p:clrMapOvr>
+</p:sld>
+</file>
+
+<file path=ppt/slides/slide14.xml><?xml version="1.0" encoding="utf-8"?>
+<p:sld xmlns:a="http://schemas.openxmlformats.org/drawingml/2006/main" xmlns:r="http://schemas.openxmlformats.org/officeDocument/2006/relationships" xmlns:p="http://schemas.openxmlformats.org/presentationml/2006/main">
+  <p:cSld>
+    <p:spTree>
+      <p:nvGrpSpPr>
+        <p:cNvPr id="1" name=""/>
+        <p:cNvGrpSpPr/>
+        <p:nvPr/>
+      </p:nvGrpSpPr>
+      <p:grpSpPr>
+        <a:xfrm>
+          <a:off x="0" y="0"/>
+          <a:ext cx="0" cy="0"/>
+          <a:chOff x="0" y="0"/>
+          <a:chExt cx="0" cy="0"/>
+        </a:xfrm>
+      </p:grpSpPr>
+      <p:sp>
+        <p:nvSpPr>
+          <p:cNvPr id="11" name="Título 10">
+            <a:extLst>
+              <a:ext uri="{FF2B5EF4-FFF2-40B4-BE49-F238E27FC236}">
+                <a16:creationId xmlns:a16="http://schemas.microsoft.com/office/drawing/2014/main" id="{04ABDAF7-BFCA-4B52-805A-736887EB7C85}"/>
+              </a:ext>
+            </a:extLst>
+          </p:cNvPr>
+          <p:cNvSpPr>
+            <a:spLocks noGrp="1"/>
+          </p:cNvSpPr>
+          <p:nvPr>
+            <p:ph type="title"/>
+          </p:nvPr>
+        </p:nvSpPr>
+        <p:spPr>
+          <a:xfrm>
+            <a:off x="331978" y="421342"/>
+            <a:ext cx="10515600" cy="1325563"/>
+          </a:xfrm>
+        </p:spPr>
+        <p:txBody>
+          <a:bodyPr rtlCol="0"/>
+          <a:lstStyle/>
+          <a:p>
+            <a:pPr marL="0" indent="0">
+              <a:buNone/>
+            </a:pPr>
+            <a:r>
+              <a:rPr lang="pt-BR" sz="4400" dirty="0"/>
+              <a:t>Calculadora Financeira – Script</a:t>
+            </a:r>
+          </a:p>
+        </p:txBody>
+      </p:sp>
+      <p:pic>
+        <p:nvPicPr>
+          <p:cNvPr id="6" name="Imagem 5">
+            <a:extLst>
+              <a:ext uri="{FF2B5EF4-FFF2-40B4-BE49-F238E27FC236}">
+                <a16:creationId xmlns:a16="http://schemas.microsoft.com/office/drawing/2014/main" id="{2B7239F2-78BC-1005-32EC-6396C3281FF2}"/>
               </a:ext>
             </a:extLst>
           </p:cNvPr>
@@ -12995,27 +10577,3479 @@
           <p:nvPr/>
         </p:nvPicPr>
         <p:blipFill>
-          <a:blip r:embed="rId2"/>
+          <a:blip r:embed="rId3"/>
           <a:stretch>
             <a:fillRect/>
           </a:stretch>
         </p:blipFill>
         <p:spPr>
           <a:xfrm>
-            <a:off x="499145" y="1695141"/>
-            <a:ext cx="8542788" cy="4234886"/>
+            <a:off x="486449" y="1968343"/>
+            <a:ext cx="5546095" cy="3995105"/>
           </a:xfrm>
           <a:prstGeom prst="rect">
             <a:avLst/>
           </a:prstGeom>
         </p:spPr>
       </p:pic>
-      <p:sp>
-        <p:nvSpPr>
-          <p:cNvPr id="13" name="Espaço Reservado para Conteúdo 3">
+      <p:pic>
+        <p:nvPicPr>
+          <p:cNvPr id="4" name="Imagem 3">
             <a:extLst>
               <a:ext uri="{FF2B5EF4-FFF2-40B4-BE49-F238E27FC236}">
-                <a16:creationId xmlns:a16="http://schemas.microsoft.com/office/drawing/2014/main" id="{5429C59C-0B93-6734-D8C6-56618F3851A5}"/>
+                <a16:creationId xmlns:a16="http://schemas.microsoft.com/office/drawing/2014/main" id="{24890B22-CB66-6BC0-1C28-49424F4A188F}"/>
+              </a:ext>
+            </a:extLst>
+          </p:cNvPr>
+          <p:cNvPicPr>
+            <a:picLocks noChangeAspect="1"/>
+          </p:cNvPicPr>
+          <p:nvPr/>
+        </p:nvPicPr>
+        <p:blipFill>
+          <a:blip r:embed="rId4"/>
+          <a:stretch>
+            <a:fillRect/>
+          </a:stretch>
+        </p:blipFill>
+        <p:spPr>
+          <a:xfrm>
+            <a:off x="6285292" y="1968343"/>
+            <a:ext cx="5546095" cy="1526931"/>
+          </a:xfrm>
+          <a:prstGeom prst="rect">
+            <a:avLst/>
+          </a:prstGeom>
+        </p:spPr>
+      </p:pic>
+    </p:spTree>
+    <p:extLst>
+      <p:ext uri="{BB962C8B-B14F-4D97-AF65-F5344CB8AC3E}">
+        <p14:creationId xmlns:p14="http://schemas.microsoft.com/office/powerpoint/2010/main" val="3239005155"/>
+      </p:ext>
+    </p:extLst>
+  </p:cSld>
+  <p:clrMapOvr>
+    <a:masterClrMapping/>
+  </p:clrMapOvr>
+</p:sld>
+</file>
+
+<file path=ppt/slides/slide15.xml><?xml version="1.0" encoding="utf-8"?>
+<p:sld xmlns:a="http://schemas.openxmlformats.org/drawingml/2006/main" xmlns:r="http://schemas.openxmlformats.org/officeDocument/2006/relationships" xmlns:p="http://schemas.openxmlformats.org/presentationml/2006/main">
+  <p:cSld>
+    <p:spTree>
+      <p:nvGrpSpPr>
+        <p:cNvPr id="1" name=""/>
+        <p:cNvGrpSpPr/>
+        <p:nvPr/>
+      </p:nvGrpSpPr>
+      <p:grpSpPr>
+        <a:xfrm>
+          <a:off x="0" y="0"/>
+          <a:ext cx="0" cy="0"/>
+          <a:chOff x="0" y="0"/>
+          <a:chExt cx="0" cy="0"/>
+        </a:xfrm>
+      </p:grpSpPr>
+      <p:sp>
+        <p:nvSpPr>
+          <p:cNvPr id="11" name="Título 10">
+            <a:extLst>
+              <a:ext uri="{FF2B5EF4-FFF2-40B4-BE49-F238E27FC236}">
+                <a16:creationId xmlns:a16="http://schemas.microsoft.com/office/drawing/2014/main" id="{04ABDAF7-BFCA-4B52-805A-736887EB7C85}"/>
+              </a:ext>
+            </a:extLst>
+          </p:cNvPr>
+          <p:cNvSpPr>
+            <a:spLocks noGrp="1"/>
+          </p:cNvSpPr>
+          <p:nvPr>
+            <p:ph type="title"/>
+          </p:nvPr>
+        </p:nvSpPr>
+        <p:spPr>
+          <a:xfrm>
+            <a:off x="198628" y="164167"/>
+            <a:ext cx="10515600" cy="1325563"/>
+          </a:xfrm>
+        </p:spPr>
+        <p:txBody>
+          <a:bodyPr rtlCol="0"/>
+          <a:lstStyle/>
+          <a:p>
+            <a:pPr marL="0" indent="0">
+              <a:buNone/>
+            </a:pPr>
+            <a:r>
+              <a:rPr lang="pt-BR" sz="4400" dirty="0"/>
+              <a:t>Protótipo do nosso site</a:t>
+            </a:r>
+          </a:p>
+        </p:txBody>
+      </p:sp>
+      <p:pic>
+        <p:nvPicPr>
+          <p:cNvPr id="5" name="Imagem 4">
+            <a:extLst>
+              <a:ext uri="{FF2B5EF4-FFF2-40B4-BE49-F238E27FC236}">
+                <a16:creationId xmlns:a16="http://schemas.microsoft.com/office/drawing/2014/main" id="{CE9675DF-7968-55A5-52B5-4443FA7B6388}"/>
+              </a:ext>
+            </a:extLst>
+          </p:cNvPr>
+          <p:cNvPicPr>
+            <a:picLocks noChangeAspect="1"/>
+          </p:cNvPicPr>
+          <p:nvPr/>
+        </p:nvPicPr>
+        <p:blipFill rotWithShape="1">
+          <a:blip r:embed="rId3"/>
+          <a:srcRect l="237"/>
+          <a:stretch/>
+        </p:blipFill>
+        <p:spPr>
+          <a:xfrm>
+            <a:off x="294138" y="1525045"/>
+            <a:ext cx="5878062" cy="3807909"/>
+          </a:xfrm>
+          <a:prstGeom prst="rect">
+            <a:avLst/>
+          </a:prstGeom>
+        </p:spPr>
+      </p:pic>
+      <p:pic>
+        <p:nvPicPr>
+          <p:cNvPr id="7" name="Imagem 6">
+            <a:extLst>
+              <a:ext uri="{FF2B5EF4-FFF2-40B4-BE49-F238E27FC236}">
+                <a16:creationId xmlns:a16="http://schemas.microsoft.com/office/drawing/2014/main" id="{8B9CC1F9-D44D-4A2D-E638-6A0F10CF5A5E}"/>
+              </a:ext>
+            </a:extLst>
+          </p:cNvPr>
+          <p:cNvPicPr>
+            <a:picLocks noChangeAspect="1"/>
+          </p:cNvPicPr>
+          <p:nvPr/>
+        </p:nvPicPr>
+        <p:blipFill rotWithShape="1">
+          <a:blip r:embed="rId4"/>
+          <a:srcRect l="285"/>
+          <a:stretch/>
+        </p:blipFill>
+        <p:spPr>
+          <a:xfrm>
+            <a:off x="6429374" y="1525045"/>
+            <a:ext cx="5258937" cy="4840510"/>
+          </a:xfrm>
+          <a:prstGeom prst="rect">
+            <a:avLst/>
+          </a:prstGeom>
+        </p:spPr>
+      </p:pic>
+    </p:spTree>
+    <p:extLst>
+      <p:ext uri="{BB962C8B-B14F-4D97-AF65-F5344CB8AC3E}">
+        <p14:creationId xmlns:p14="http://schemas.microsoft.com/office/powerpoint/2010/main" val="2305841361"/>
+      </p:ext>
+    </p:extLst>
+  </p:cSld>
+  <p:clrMapOvr>
+    <a:masterClrMapping/>
+  </p:clrMapOvr>
+</p:sld>
+</file>
+
+<file path=ppt/slides/slide16.xml><?xml version="1.0" encoding="utf-8"?>
+<p:sld xmlns:a="http://schemas.openxmlformats.org/drawingml/2006/main" xmlns:r="http://schemas.openxmlformats.org/officeDocument/2006/relationships" xmlns:p="http://schemas.openxmlformats.org/presentationml/2006/main">
+  <p:cSld>
+    <p:spTree>
+      <p:nvGrpSpPr>
+        <p:cNvPr id="1" name=""/>
+        <p:cNvGrpSpPr/>
+        <p:nvPr/>
+      </p:nvGrpSpPr>
+      <p:grpSpPr>
+        <a:xfrm>
+          <a:off x="0" y="0"/>
+          <a:ext cx="0" cy="0"/>
+          <a:chOff x="0" y="0"/>
+          <a:chExt cx="0" cy="0"/>
+        </a:xfrm>
+      </p:grpSpPr>
+      <p:sp>
+        <p:nvSpPr>
+          <p:cNvPr id="5" name="Título 4">
+            <a:extLst>
+              <a:ext uri="{FF2B5EF4-FFF2-40B4-BE49-F238E27FC236}">
+                <a16:creationId xmlns:a16="http://schemas.microsoft.com/office/drawing/2014/main" id="{17124D3B-1715-4E5A-BB52-98DE8D5595ED}"/>
+              </a:ext>
+            </a:extLst>
+          </p:cNvPr>
+          <p:cNvSpPr>
+            <a:spLocks noGrp="1"/>
+          </p:cNvSpPr>
+          <p:nvPr>
+            <p:ph type="title"/>
+          </p:nvPr>
+        </p:nvSpPr>
+        <p:spPr>
+          <a:xfrm>
+            <a:off x="6781800" y="2564225"/>
+            <a:ext cx="4572000" cy="1524010"/>
+          </a:xfrm>
+        </p:spPr>
+        <p:txBody>
+          <a:bodyPr rtlCol="0">
+            <a:normAutofit fontScale="90000"/>
+          </a:bodyPr>
+          <a:lstStyle/>
+          <a:p>
+            <a:pPr rtl="0"/>
+            <a:r>
+              <a:rPr lang="pt-BR" dirty="0"/>
+              <a:t>Obrigado, agradeço a atenção de todos!</a:t>
+            </a:r>
+          </a:p>
+        </p:txBody>
+      </p:sp>
+      <p:pic>
+        <p:nvPicPr>
+          <p:cNvPr id="9" name="Espaço Reservado para Imagem 8" descr="Café em uma mesa de madeira com água ">
+            <a:extLst>
+              <a:ext uri="{FF2B5EF4-FFF2-40B4-BE49-F238E27FC236}">
+                <a16:creationId xmlns:a16="http://schemas.microsoft.com/office/drawing/2014/main" id="{A6793210-E409-4229-B0C0-76710EC7F3B9}"/>
+              </a:ext>
+            </a:extLst>
+          </p:cNvPr>
+          <p:cNvPicPr>
+            <a:picLocks noGrp="1" noChangeAspect="1"/>
+          </p:cNvPicPr>
+          <p:nvPr>
+            <p:ph type="pic" sz="quarter" idx="13"/>
+          </p:nvPr>
+        </p:nvPicPr>
+        <p:blipFill rotWithShape="1">
+          <a:blip r:embed="rId2" cstate="screen">
+            <a:extLst>
+              <a:ext uri="{28A0092B-C50C-407E-A947-70E740481C1C}">
+                <a14:useLocalDpi xmlns:a14="http://schemas.microsoft.com/office/drawing/2010/main" val="0"/>
+              </a:ext>
+            </a:extLst>
+          </a:blip>
+          <a:srcRect t="40" b="40"/>
+          <a:stretch/>
+        </p:blipFill>
+        <p:spPr/>
+      </p:pic>
+      <p:sp>
+        <p:nvSpPr>
+          <p:cNvPr id="11" name="Forma Livre: Forma 10">
+            <a:extLst>
+              <a:ext uri="{FF2B5EF4-FFF2-40B4-BE49-F238E27FC236}">
+                <a16:creationId xmlns:a16="http://schemas.microsoft.com/office/drawing/2014/main" id="{BE4F2156-6613-4004-9B59-5568A455A244}"/>
+              </a:ext>
+              <a:ext uri="{C183D7F6-B498-43B3-948B-1728B52AA6E4}">
+                <adec:decorative xmlns:adec="http://schemas.microsoft.com/office/drawing/2017/decorative" val="1"/>
+              </a:ext>
+            </a:extLst>
+          </p:cNvPr>
+          <p:cNvSpPr/>
+          <p:nvPr/>
+        </p:nvSpPr>
+        <p:spPr>
+          <a:xfrm rot="5400000" flipH="1">
+            <a:off x="223838" y="538152"/>
+            <a:ext cx="6095989" cy="6543686"/>
+          </a:xfrm>
+          <a:custGeom>
+            <a:avLst/>
+            <a:gdLst>
+              <a:gd name="connsiteX0" fmla="*/ 0 w 4033589"/>
+              <a:gd name="connsiteY0" fmla="*/ 0 h 6858000"/>
+              <a:gd name="connsiteX1" fmla="*/ 1878934 w 4033589"/>
+              <a:gd name="connsiteY1" fmla="*/ 0 h 6858000"/>
+              <a:gd name="connsiteX2" fmla="*/ 1882313 w 4033589"/>
+              <a:gd name="connsiteY2" fmla="*/ 2021 h 6858000"/>
+              <a:gd name="connsiteX3" fmla="*/ 3475371 w 4033589"/>
+              <a:gd name="connsiteY3" fmla="*/ 1517967 h 6858000"/>
+              <a:gd name="connsiteX4" fmla="*/ 3975977 w 4033589"/>
+              <a:gd name="connsiteY4" fmla="*/ 4379386 h 6858000"/>
+              <a:gd name="connsiteX5" fmla="*/ 3312864 w 4033589"/>
+              <a:gd name="connsiteY5" fmla="*/ 6852362 h 6858000"/>
+              <a:gd name="connsiteX6" fmla="*/ 3310593 w 4033589"/>
+              <a:gd name="connsiteY6" fmla="*/ 6858000 h 6858000"/>
+              <a:gd name="connsiteX7" fmla="*/ 0 w 4033589"/>
+              <a:gd name="connsiteY7" fmla="*/ 6858000 h 6858000"/>
+              <a:gd name="connsiteX8" fmla="*/ 0 w 4033589"/>
+              <a:gd name="connsiteY8" fmla="*/ 0 h 6858000"/>
+              <a:gd name="connsiteX0" fmla="*/ 0 w 4033589"/>
+              <a:gd name="connsiteY0" fmla="*/ 6858000 h 6858000"/>
+              <a:gd name="connsiteX1" fmla="*/ 1878934 w 4033589"/>
+              <a:gd name="connsiteY1" fmla="*/ 0 h 6858000"/>
+              <a:gd name="connsiteX2" fmla="*/ 1882313 w 4033589"/>
+              <a:gd name="connsiteY2" fmla="*/ 2021 h 6858000"/>
+              <a:gd name="connsiteX3" fmla="*/ 3475371 w 4033589"/>
+              <a:gd name="connsiteY3" fmla="*/ 1517967 h 6858000"/>
+              <a:gd name="connsiteX4" fmla="*/ 3975977 w 4033589"/>
+              <a:gd name="connsiteY4" fmla="*/ 4379386 h 6858000"/>
+              <a:gd name="connsiteX5" fmla="*/ 3312864 w 4033589"/>
+              <a:gd name="connsiteY5" fmla="*/ 6852362 h 6858000"/>
+              <a:gd name="connsiteX6" fmla="*/ 3310593 w 4033589"/>
+              <a:gd name="connsiteY6" fmla="*/ 6858000 h 6858000"/>
+              <a:gd name="connsiteX7" fmla="*/ 0 w 4033589"/>
+              <a:gd name="connsiteY7" fmla="*/ 6858000 h 6858000"/>
+              <a:gd name="connsiteX0" fmla="*/ 1787494 w 3942149"/>
+              <a:gd name="connsiteY0" fmla="*/ 0 h 6949440"/>
+              <a:gd name="connsiteX1" fmla="*/ 1790873 w 3942149"/>
+              <a:gd name="connsiteY1" fmla="*/ 2021 h 6949440"/>
+              <a:gd name="connsiteX2" fmla="*/ 3383931 w 3942149"/>
+              <a:gd name="connsiteY2" fmla="*/ 1517967 h 6949440"/>
+              <a:gd name="connsiteX3" fmla="*/ 3884537 w 3942149"/>
+              <a:gd name="connsiteY3" fmla="*/ 4379386 h 6949440"/>
+              <a:gd name="connsiteX4" fmla="*/ 3221424 w 3942149"/>
+              <a:gd name="connsiteY4" fmla="*/ 6852362 h 6949440"/>
+              <a:gd name="connsiteX5" fmla="*/ 3219153 w 3942149"/>
+              <a:gd name="connsiteY5" fmla="*/ 6858000 h 6949440"/>
+              <a:gd name="connsiteX6" fmla="*/ 0 w 3942149"/>
+              <a:gd name="connsiteY6" fmla="*/ 6949440 h 6949440"/>
+              <a:gd name="connsiteX0" fmla="*/ 1787494 w 3942149"/>
+              <a:gd name="connsiteY0" fmla="*/ 0 h 6949440"/>
+              <a:gd name="connsiteX1" fmla="*/ 1790873 w 3942149"/>
+              <a:gd name="connsiteY1" fmla="*/ 2021 h 6949440"/>
+              <a:gd name="connsiteX2" fmla="*/ 3383931 w 3942149"/>
+              <a:gd name="connsiteY2" fmla="*/ 1517967 h 6949440"/>
+              <a:gd name="connsiteX3" fmla="*/ 3884537 w 3942149"/>
+              <a:gd name="connsiteY3" fmla="*/ 4379386 h 6949440"/>
+              <a:gd name="connsiteX4" fmla="*/ 3221424 w 3942149"/>
+              <a:gd name="connsiteY4" fmla="*/ 6852362 h 6949440"/>
+              <a:gd name="connsiteX5" fmla="*/ 3219153 w 3942149"/>
+              <a:gd name="connsiteY5" fmla="*/ 6858000 h 6949440"/>
+              <a:gd name="connsiteX6" fmla="*/ 0 w 3942149"/>
+              <a:gd name="connsiteY6" fmla="*/ 6949440 h 6949440"/>
+              <a:gd name="connsiteX0" fmla="*/ 0 w 2154655"/>
+              <a:gd name="connsiteY0" fmla="*/ 0 h 6858000"/>
+              <a:gd name="connsiteX1" fmla="*/ 3379 w 2154655"/>
+              <a:gd name="connsiteY1" fmla="*/ 2021 h 6858000"/>
+              <a:gd name="connsiteX2" fmla="*/ 1596437 w 2154655"/>
+              <a:gd name="connsiteY2" fmla="*/ 1517967 h 6858000"/>
+              <a:gd name="connsiteX3" fmla="*/ 2097043 w 2154655"/>
+              <a:gd name="connsiteY3" fmla="*/ 4379386 h 6858000"/>
+              <a:gd name="connsiteX4" fmla="*/ 1433930 w 2154655"/>
+              <a:gd name="connsiteY4" fmla="*/ 6852362 h 6858000"/>
+              <a:gd name="connsiteX5" fmla="*/ 1431659 w 2154655"/>
+              <a:gd name="connsiteY5" fmla="*/ 6858000 h 6858000"/>
+            </a:gdLst>
+            <a:ahLst/>
+            <a:cxnLst>
+              <a:cxn ang="0">
+                <a:pos x="connsiteX0" y="connsiteY0"/>
+              </a:cxn>
+              <a:cxn ang="0">
+                <a:pos x="connsiteX1" y="connsiteY1"/>
+              </a:cxn>
+              <a:cxn ang="0">
+                <a:pos x="connsiteX2" y="connsiteY2"/>
+              </a:cxn>
+              <a:cxn ang="0">
+                <a:pos x="connsiteX3" y="connsiteY3"/>
+              </a:cxn>
+              <a:cxn ang="0">
+                <a:pos x="connsiteX4" y="connsiteY4"/>
+              </a:cxn>
+              <a:cxn ang="0">
+                <a:pos x="connsiteX5" y="connsiteY5"/>
+              </a:cxn>
+            </a:cxnLst>
+            <a:rect l="l" t="t" r="r" b="b"/>
+            <a:pathLst>
+              <a:path w="2154655" h="6858000">
+                <a:moveTo>
+                  <a:pt x="0" y="0"/>
+                </a:moveTo>
+                <a:lnTo>
+                  <a:pt x="3379" y="2021"/>
+                </a:lnTo>
+                <a:cubicBezTo>
+                  <a:pt x="667061" y="423753"/>
+                  <a:pt x="1239365" y="963389"/>
+                  <a:pt x="1596437" y="1517967"/>
+                </a:cubicBezTo>
+                <a:cubicBezTo>
+                  <a:pt x="2133142" y="2350886"/>
+                  <a:pt x="2239839" y="3395752"/>
+                  <a:pt x="2097043" y="4379386"/>
+                </a:cubicBezTo>
+                <a:cubicBezTo>
+                  <a:pt x="2032295" y="4824358"/>
+                  <a:pt x="1812506" y="5869368"/>
+                  <a:pt x="1433930" y="6852362"/>
+                </a:cubicBezTo>
+                <a:lnTo>
+                  <a:pt x="1431659" y="6858000"/>
+                </a:lnTo>
+              </a:path>
+            </a:pathLst>
+          </a:custGeom>
+          <a:noFill/>
+          <a:ln w="19050">
+            <a:solidFill>
+              <a:schemeClr val="accent2">
+                <a:lumMod val="60000"/>
+                <a:lumOff val="40000"/>
+              </a:schemeClr>
+            </a:solidFill>
+          </a:ln>
+        </p:spPr>
+        <p:style>
+          <a:lnRef idx="2">
+            <a:schemeClr val="accent1">
+              <a:shade val="50000"/>
+            </a:schemeClr>
+          </a:lnRef>
+          <a:fillRef idx="1">
+            <a:schemeClr val="accent1"/>
+          </a:fillRef>
+          <a:effectRef idx="0">
+            <a:schemeClr val="accent1"/>
+          </a:effectRef>
+          <a:fontRef idx="minor">
+            <a:schemeClr val="lt1"/>
+          </a:fontRef>
+        </p:style>
+        <p:txBody>
+          <a:bodyPr rtlCol="0" anchor="ctr"/>
+          <a:lstStyle/>
+          <a:p>
+            <a:pPr algn="ctr" rtl="0"/>
+            <a:endParaRPr lang="pt-BR" dirty="0">
+              <a:solidFill>
+                <a:prstClr val="white"/>
+              </a:solidFill>
+              <a:latin typeface="Avenir Next LT Pro Light"/>
+            </a:endParaRPr>
+          </a:p>
+        </p:txBody>
+      </p:sp>
+    </p:spTree>
+    <p:extLst>
+      <p:ext uri="{BB962C8B-B14F-4D97-AF65-F5344CB8AC3E}">
+        <p14:creationId xmlns:p14="http://schemas.microsoft.com/office/powerpoint/2010/main" val="3462165073"/>
+      </p:ext>
+    </p:extLst>
+  </p:cSld>
+  <p:clrMapOvr>
+    <a:masterClrMapping/>
+  </p:clrMapOvr>
+</p:sld>
+</file>
+
+<file path=ppt/slides/slide2.xml><?xml version="1.0" encoding="utf-8"?>
+<p:sld xmlns:a="http://schemas.openxmlformats.org/drawingml/2006/main" xmlns:r="http://schemas.openxmlformats.org/officeDocument/2006/relationships" xmlns:p="http://schemas.openxmlformats.org/presentationml/2006/main">
+  <p:cSld>
+    <p:spTree>
+      <p:nvGrpSpPr>
+        <p:cNvPr id="1" name=""/>
+        <p:cNvGrpSpPr/>
+        <p:nvPr/>
+      </p:nvGrpSpPr>
+      <p:grpSpPr>
+        <a:xfrm>
+          <a:off x="0" y="0"/>
+          <a:ext cx="0" cy="0"/>
+          <a:chOff x="0" y="0"/>
+          <a:chExt cx="0" cy="0"/>
+        </a:xfrm>
+      </p:grpSpPr>
+      <p:sp>
+        <p:nvSpPr>
+          <p:cNvPr id="6" name="Título 5">
+            <a:extLst>
+              <a:ext uri="{FF2B5EF4-FFF2-40B4-BE49-F238E27FC236}">
+                <a16:creationId xmlns:a16="http://schemas.microsoft.com/office/drawing/2014/main" id="{ABF2EF1B-CCB2-40E8-AB44-5AFEA615DF09}"/>
+              </a:ext>
+            </a:extLst>
+          </p:cNvPr>
+          <p:cNvSpPr>
+            <a:spLocks noGrp="1"/>
+          </p:cNvSpPr>
+          <p:nvPr>
+            <p:ph type="title"/>
+          </p:nvPr>
+        </p:nvSpPr>
+        <p:spPr>
+          <a:xfrm>
+            <a:off x="6096000" y="77249"/>
+            <a:ext cx="5334000" cy="1524000"/>
+          </a:xfrm>
+        </p:spPr>
+        <p:txBody>
+          <a:bodyPr rtlCol="0"/>
+          <a:lstStyle/>
+          <a:p>
+            <a:pPr rtl="0"/>
+            <a:r>
+              <a:rPr lang="pt-BR" dirty="0"/>
+              <a:t>Sumario</a:t>
+            </a:r>
+          </a:p>
+        </p:txBody>
+      </p:sp>
+      <p:pic>
+        <p:nvPicPr>
+          <p:cNvPr id="9" name="Espaço Reservado para Imagem 8" descr="Máquina de café no trabalho">
+            <a:extLst>
+              <a:ext uri="{FF2B5EF4-FFF2-40B4-BE49-F238E27FC236}">
+                <a16:creationId xmlns:a16="http://schemas.microsoft.com/office/drawing/2014/main" id="{E34F2790-963F-4737-9DB8-67C3899EF687}"/>
+              </a:ext>
+            </a:extLst>
+          </p:cNvPr>
+          <p:cNvPicPr>
+            <a:picLocks noGrp="1" noChangeAspect="1"/>
+          </p:cNvPicPr>
+          <p:nvPr>
+            <p:ph type="pic" sz="quarter" idx="13"/>
+          </p:nvPr>
+        </p:nvPicPr>
+        <p:blipFill rotWithShape="1">
+          <a:blip r:embed="rId2" cstate="screen">
+            <a:extLst>
+              <a:ext uri="{28A0092B-C50C-407E-A947-70E740481C1C}">
+                <a14:useLocalDpi xmlns:a14="http://schemas.microsoft.com/office/drawing/2010/main" val="0"/>
+              </a:ext>
+            </a:extLst>
+          </a:blip>
+          <a:srcRect t="16" b="16"/>
+          <a:stretch/>
+        </p:blipFill>
+        <p:spPr/>
+      </p:pic>
+      <p:sp>
+        <p:nvSpPr>
+          <p:cNvPr id="5" name="Espaço Reservado para Conteúdo 4">
+            <a:extLst>
+              <a:ext uri="{FF2B5EF4-FFF2-40B4-BE49-F238E27FC236}">
+                <a16:creationId xmlns:a16="http://schemas.microsoft.com/office/drawing/2014/main" id="{2585A4C3-EB2E-41D1-8420-7251814A8D8B}"/>
+              </a:ext>
+            </a:extLst>
+          </p:cNvPr>
+          <p:cNvSpPr>
+            <a:spLocks noGrp="1"/>
+          </p:cNvSpPr>
+          <p:nvPr>
+            <p:ph idx="1"/>
+          </p:nvPr>
+        </p:nvSpPr>
+        <p:spPr>
+          <a:xfrm>
+            <a:off x="6096000" y="1295400"/>
+            <a:ext cx="5334000" cy="5067300"/>
+          </a:xfrm>
+        </p:spPr>
+        <p:txBody>
+          <a:bodyPr rtlCol="0"/>
+          <a:lstStyle/>
+          <a:p>
+            <a:r>
+              <a:rPr lang="pt-BR" dirty="0"/>
+              <a:t>Objetivo</a:t>
+            </a:r>
+          </a:p>
+          <a:p>
+            <a:pPr rtl="0"/>
+            <a:r>
+              <a:rPr lang="pt-BR" dirty="0"/>
+              <a:t>Contexto</a:t>
+            </a:r>
+          </a:p>
+          <a:p>
+            <a:pPr rtl="0"/>
+            <a:r>
+              <a:rPr lang="pt-BR" dirty="0"/>
+              <a:t>Justificativa</a:t>
+            </a:r>
+          </a:p>
+          <a:p>
+            <a:pPr rtl="0"/>
+            <a:r>
+              <a:rPr lang="pt-BR" dirty="0"/>
+              <a:t>Principais Requisitos</a:t>
+            </a:r>
+          </a:p>
+          <a:p>
+            <a:pPr rtl="0"/>
+            <a:r>
+              <a:rPr lang="pt-BR" dirty="0"/>
+              <a:t>Ferramenta escolhida</a:t>
+            </a:r>
+          </a:p>
+          <a:p>
+            <a:pPr rtl="0"/>
+            <a:r>
+              <a:rPr lang="pt-BR" dirty="0"/>
+              <a:t>Diagrama de negocio</a:t>
+            </a:r>
+          </a:p>
+          <a:p>
+            <a:pPr rtl="0"/>
+            <a:r>
+              <a:rPr lang="pt-BR" dirty="0"/>
+              <a:t>Banco de Dados</a:t>
+            </a:r>
+          </a:p>
+          <a:p>
+            <a:pPr rtl="0"/>
+            <a:r>
+              <a:rPr lang="pt-BR" dirty="0"/>
+              <a:t>Arduino</a:t>
+            </a:r>
+          </a:p>
+          <a:p>
+            <a:pPr rtl="0"/>
+            <a:r>
+              <a:rPr lang="pt-BR" dirty="0"/>
+              <a:t>Calculadora Financeira</a:t>
+            </a:r>
+          </a:p>
+          <a:p>
+            <a:pPr rtl="0"/>
+            <a:r>
+              <a:rPr lang="pt-BR" dirty="0"/>
+              <a:t>Protótipo do site </a:t>
+            </a:r>
+          </a:p>
+        </p:txBody>
+      </p:sp>
+      <p:sp>
+        <p:nvSpPr>
+          <p:cNvPr id="11" name="Forma Livre: Forma 10">
+            <a:extLst>
+              <a:ext uri="{FF2B5EF4-FFF2-40B4-BE49-F238E27FC236}">
+                <a16:creationId xmlns:a16="http://schemas.microsoft.com/office/drawing/2014/main" id="{886CC949-024C-450A-92AD-EF1695756AA7}"/>
+              </a:ext>
+              <a:ext uri="{C183D7F6-B498-43B3-948B-1728B52AA6E4}">
+                <adec:decorative xmlns:adec="http://schemas.microsoft.com/office/drawing/2017/decorative" val="1"/>
+              </a:ext>
+            </a:extLst>
+          </p:cNvPr>
+          <p:cNvSpPr/>
+          <p:nvPr/>
+        </p:nvSpPr>
+        <p:spPr>
+          <a:xfrm>
+            <a:off x="-1" y="0"/>
+            <a:ext cx="5704117" cy="6096000"/>
+          </a:xfrm>
+          <a:custGeom>
+            <a:avLst/>
+            <a:gdLst>
+              <a:gd name="connsiteX0" fmla="*/ 0 w 5704117"/>
+              <a:gd name="connsiteY0" fmla="*/ 0 h 6096000"/>
+              <a:gd name="connsiteX1" fmla="*/ 4562795 w 5704117"/>
+              <a:gd name="connsiteY1" fmla="*/ 0 h 6096000"/>
+              <a:gd name="connsiteX2" fmla="*/ 4721192 w 5704117"/>
+              <a:gd name="connsiteY2" fmla="*/ 133595 h 6096000"/>
+              <a:gd name="connsiteX3" fmla="*/ 5467522 w 5704117"/>
+              <a:gd name="connsiteY3" fmla="*/ 1054328 h 6096000"/>
+              <a:gd name="connsiteX4" fmla="*/ 5538873 w 5704117"/>
+              <a:gd name="connsiteY4" fmla="*/ 2897564 h 6096000"/>
+              <a:gd name="connsiteX5" fmla="*/ 4442050 w 5704117"/>
+              <a:gd name="connsiteY5" fmla="*/ 4732407 h 6096000"/>
+              <a:gd name="connsiteX6" fmla="*/ 93046 w 5704117"/>
+              <a:gd name="connsiteY6" fmla="*/ 6082857 h 6096000"/>
+              <a:gd name="connsiteX7" fmla="*/ 0 w 5704117"/>
+              <a:gd name="connsiteY7" fmla="*/ 6078450 h 6096000"/>
+              <a:gd name="connsiteX0" fmla="*/ 4562795 w 5704117"/>
+              <a:gd name="connsiteY0" fmla="*/ 0 h 6096000"/>
+              <a:gd name="connsiteX1" fmla="*/ 4721192 w 5704117"/>
+              <a:gd name="connsiteY1" fmla="*/ 133595 h 6096000"/>
+              <a:gd name="connsiteX2" fmla="*/ 5467522 w 5704117"/>
+              <a:gd name="connsiteY2" fmla="*/ 1054328 h 6096000"/>
+              <a:gd name="connsiteX3" fmla="*/ 5538873 w 5704117"/>
+              <a:gd name="connsiteY3" fmla="*/ 2897564 h 6096000"/>
+              <a:gd name="connsiteX4" fmla="*/ 4442050 w 5704117"/>
+              <a:gd name="connsiteY4" fmla="*/ 4732407 h 6096000"/>
+              <a:gd name="connsiteX5" fmla="*/ 93046 w 5704117"/>
+              <a:gd name="connsiteY5" fmla="*/ 6082857 h 6096000"/>
+              <a:gd name="connsiteX6" fmla="*/ 0 w 5704117"/>
+              <a:gd name="connsiteY6" fmla="*/ 6078450 h 6096000"/>
+              <a:gd name="connsiteX7" fmla="*/ 91440 w 5704117"/>
+              <a:gd name="connsiteY7" fmla="*/ 91440 h 6096000"/>
+              <a:gd name="connsiteX0" fmla="*/ 4562795 w 5704117"/>
+              <a:gd name="connsiteY0" fmla="*/ 0 h 6096000"/>
+              <a:gd name="connsiteX1" fmla="*/ 4721192 w 5704117"/>
+              <a:gd name="connsiteY1" fmla="*/ 133595 h 6096000"/>
+              <a:gd name="connsiteX2" fmla="*/ 5467522 w 5704117"/>
+              <a:gd name="connsiteY2" fmla="*/ 1054328 h 6096000"/>
+              <a:gd name="connsiteX3" fmla="*/ 5538873 w 5704117"/>
+              <a:gd name="connsiteY3" fmla="*/ 2897564 h 6096000"/>
+              <a:gd name="connsiteX4" fmla="*/ 4442050 w 5704117"/>
+              <a:gd name="connsiteY4" fmla="*/ 4732407 h 6096000"/>
+              <a:gd name="connsiteX5" fmla="*/ 93046 w 5704117"/>
+              <a:gd name="connsiteY5" fmla="*/ 6082857 h 6096000"/>
+              <a:gd name="connsiteX6" fmla="*/ 0 w 5704117"/>
+              <a:gd name="connsiteY6" fmla="*/ 6078450 h 6096000"/>
+            </a:gdLst>
+            <a:ahLst/>
+            <a:cxnLst>
+              <a:cxn ang="0">
+                <a:pos x="connsiteX0" y="connsiteY0"/>
+              </a:cxn>
+              <a:cxn ang="0">
+                <a:pos x="connsiteX1" y="connsiteY1"/>
+              </a:cxn>
+              <a:cxn ang="0">
+                <a:pos x="connsiteX2" y="connsiteY2"/>
+              </a:cxn>
+              <a:cxn ang="0">
+                <a:pos x="connsiteX3" y="connsiteY3"/>
+              </a:cxn>
+              <a:cxn ang="0">
+                <a:pos x="connsiteX4" y="connsiteY4"/>
+              </a:cxn>
+              <a:cxn ang="0">
+                <a:pos x="connsiteX5" y="connsiteY5"/>
+              </a:cxn>
+              <a:cxn ang="0">
+                <a:pos x="connsiteX6" y="connsiteY6"/>
+              </a:cxn>
+            </a:cxnLst>
+            <a:rect l="l" t="t" r="r" b="b"/>
+            <a:pathLst>
+              <a:path w="5704117" h="6096000">
+                <a:moveTo>
+                  <a:pt x="4562795" y="0"/>
+                </a:moveTo>
+                <a:lnTo>
+                  <a:pt x="4721192" y="133595"/>
+                </a:lnTo>
+                <a:cubicBezTo>
+                  <a:pt x="5067135" y="440105"/>
+                  <a:pt x="5309779" y="747048"/>
+                  <a:pt x="5467522" y="1054328"/>
+                </a:cubicBezTo>
+                <a:cubicBezTo>
+                  <a:pt x="5782917" y="1668625"/>
+                  <a:pt x="5758242" y="2283795"/>
+                  <a:pt x="5538873" y="2897564"/>
+                </a:cubicBezTo>
+                <a:cubicBezTo>
+                  <a:pt x="5319500" y="3511334"/>
+                  <a:pt x="4905433" y="4123706"/>
+                  <a:pt x="4442050" y="4732407"/>
+                </a:cubicBezTo>
+                <a:cubicBezTo>
+                  <a:pt x="3499930" y="5970384"/>
+                  <a:pt x="1925433" y="6153690"/>
+                  <a:pt x="93046" y="6082857"/>
+                </a:cubicBezTo>
+                <a:lnTo>
+                  <a:pt x="0" y="6078450"/>
+                </a:lnTo>
+              </a:path>
+            </a:pathLst>
+          </a:custGeom>
+          <a:noFill/>
+          <a:ln w="19050">
+            <a:solidFill>
+              <a:schemeClr val="accent2">
+                <a:lumMod val="60000"/>
+                <a:lumOff val="40000"/>
+              </a:schemeClr>
+            </a:solidFill>
+          </a:ln>
+        </p:spPr>
+        <p:style>
+          <a:lnRef idx="2">
+            <a:schemeClr val="accent1">
+              <a:shade val="50000"/>
+            </a:schemeClr>
+          </a:lnRef>
+          <a:fillRef idx="1">
+            <a:schemeClr val="accent1"/>
+          </a:fillRef>
+          <a:effectRef idx="0">
+            <a:schemeClr val="accent1"/>
+          </a:effectRef>
+          <a:fontRef idx="minor">
+            <a:schemeClr val="lt1"/>
+          </a:fontRef>
+        </p:style>
+        <p:txBody>
+          <a:bodyPr wrap="square" rtlCol="0" anchor="ctr">
+            <a:noAutofit/>
+          </a:bodyPr>
+          <a:lstStyle/>
+          <a:p>
+            <a:pPr algn="ctr" rtl="0"/>
+            <a:endParaRPr lang="pt-BR" dirty="0">
+              <a:solidFill>
+                <a:prstClr val="white"/>
+              </a:solidFill>
+              <a:latin typeface="Avenir Next LT Pro Light"/>
+            </a:endParaRPr>
+          </a:p>
+        </p:txBody>
+      </p:sp>
+    </p:spTree>
+    <p:extLst>
+      <p:ext uri="{BB962C8B-B14F-4D97-AF65-F5344CB8AC3E}">
+        <p14:creationId xmlns:p14="http://schemas.microsoft.com/office/powerpoint/2010/main" val="1306658924"/>
+      </p:ext>
+    </p:extLst>
+  </p:cSld>
+  <p:clrMapOvr>
+    <a:masterClrMapping/>
+  </p:clrMapOvr>
+</p:sld>
+</file>
+
+<file path=ppt/slides/slide3.xml><?xml version="1.0" encoding="utf-8"?>
+<p:sld xmlns:a="http://schemas.openxmlformats.org/drawingml/2006/main" xmlns:r="http://schemas.openxmlformats.org/officeDocument/2006/relationships" xmlns:p="http://schemas.openxmlformats.org/presentationml/2006/main">
+  <p:cSld>
+    <p:spTree>
+      <p:nvGrpSpPr>
+        <p:cNvPr id="1" name=""/>
+        <p:cNvGrpSpPr/>
+        <p:nvPr/>
+      </p:nvGrpSpPr>
+      <p:grpSpPr>
+        <a:xfrm>
+          <a:off x="0" y="0"/>
+          <a:ext cx="0" cy="0"/>
+          <a:chOff x="0" y="0"/>
+          <a:chExt cx="0" cy="0"/>
+        </a:xfrm>
+      </p:grpSpPr>
+      <p:sp>
+        <p:nvSpPr>
+          <p:cNvPr id="5" name="Título 4">
+            <a:extLst>
+              <a:ext uri="{FF2B5EF4-FFF2-40B4-BE49-F238E27FC236}">
+                <a16:creationId xmlns:a16="http://schemas.microsoft.com/office/drawing/2014/main" id="{C9A76E37-1467-4F0D-927C-AEC0E2846867}"/>
+              </a:ext>
+            </a:extLst>
+          </p:cNvPr>
+          <p:cNvSpPr>
+            <a:spLocks noGrp="1"/>
+          </p:cNvSpPr>
+          <p:nvPr>
+            <p:ph type="title"/>
+          </p:nvPr>
+        </p:nvSpPr>
+        <p:spPr/>
+        <p:txBody>
+          <a:bodyPr rtlCol="0"/>
+          <a:lstStyle/>
+          <a:p>
+            <a:pPr rtl="0"/>
+            <a:r>
+              <a:rPr lang="pt-BR" dirty="0"/>
+              <a:t>Objetivo</a:t>
+            </a:r>
+          </a:p>
+        </p:txBody>
+      </p:sp>
+      <p:pic>
+        <p:nvPicPr>
+          <p:cNvPr id="11" name="Espaço Reservado para Imagem 10" descr="Uma imagem contendo comida, diferente, várias, variadas">
+            <a:extLst>
+              <a:ext uri="{FF2B5EF4-FFF2-40B4-BE49-F238E27FC236}">
+                <a16:creationId xmlns:a16="http://schemas.microsoft.com/office/drawing/2014/main" id="{AF040032-2C50-4A91-A8A9-750A9E1CA99A}"/>
+              </a:ext>
+            </a:extLst>
+          </p:cNvPr>
+          <p:cNvPicPr>
+            <a:picLocks noGrp="1" noChangeAspect="1"/>
+          </p:cNvPicPr>
+          <p:nvPr>
+            <p:ph type="pic" sz="quarter" idx="13"/>
+          </p:nvPr>
+        </p:nvPicPr>
+        <p:blipFill rotWithShape="1">
+          <a:blip r:embed="rId3" cstate="screen">
+            <a:extLst>
+              <a:ext uri="{28A0092B-C50C-407E-A947-70E740481C1C}">
+                <a14:useLocalDpi xmlns:a14="http://schemas.microsoft.com/office/drawing/2010/main" val="0"/>
+              </a:ext>
+            </a:extLst>
+          </a:blip>
+          <a:srcRect t="210" b="210"/>
+          <a:stretch/>
+        </p:blipFill>
+        <p:spPr/>
+      </p:pic>
+      <p:sp>
+        <p:nvSpPr>
+          <p:cNvPr id="6" name="Espaço Reservado para Conteúdo 5">
+            <a:extLst>
+              <a:ext uri="{FF2B5EF4-FFF2-40B4-BE49-F238E27FC236}">
+                <a16:creationId xmlns:a16="http://schemas.microsoft.com/office/drawing/2014/main" id="{E43DD79B-0698-4E19-B7CA-FAB8A8A282C9}"/>
+              </a:ext>
+            </a:extLst>
+          </p:cNvPr>
+          <p:cNvSpPr>
+            <a:spLocks noGrp="1"/>
+          </p:cNvSpPr>
+          <p:nvPr>
+            <p:ph idx="1"/>
+          </p:nvPr>
+        </p:nvSpPr>
+        <p:spPr/>
+        <p:txBody>
+          <a:bodyPr rtlCol="0">
+            <a:noAutofit/>
+          </a:bodyPr>
+          <a:lstStyle/>
+          <a:p>
+            <a:r>
+              <a:rPr lang="pt-BR" sz="1800" kern="1000" dirty="0">
+                <a:effectLst/>
+                <a:latin typeface="Simplon Mono"/>
+                <a:ea typeface="Calibri" panose="020F0502020204030204" pitchFamily="34" charset="0"/>
+                <a:cs typeface="Times New Roman" panose="02020603050405020304" pitchFamily="18" charset="0"/>
+              </a:rPr>
+              <a:t>Cuidar da saúde do café por meio de controle de temperatura e umidade para que não haja problemas durante seu plantio.</a:t>
+            </a:r>
+          </a:p>
+          <a:p>
+            <a:pPr rtl="0"/>
+            <a:endParaRPr lang="pt-BR" sz="2000" dirty="0"/>
+          </a:p>
+        </p:txBody>
+      </p:sp>
+      <p:pic>
+        <p:nvPicPr>
+          <p:cNvPr id="13" name="Espaço Reservado para Imagem 12" descr="Café em uma mesa de madeira com água ">
+            <a:extLst>
+              <a:ext uri="{FF2B5EF4-FFF2-40B4-BE49-F238E27FC236}">
+                <a16:creationId xmlns:a16="http://schemas.microsoft.com/office/drawing/2014/main" id="{730189FF-93BC-4663-B776-E572DC6C0E4E}"/>
+              </a:ext>
+            </a:extLst>
+          </p:cNvPr>
+          <p:cNvPicPr>
+            <a:picLocks noGrp="1" noChangeAspect="1"/>
+          </p:cNvPicPr>
+          <p:nvPr>
+            <p:ph type="pic" sz="quarter" idx="14"/>
+          </p:nvPr>
+        </p:nvPicPr>
+        <p:blipFill rotWithShape="1">
+          <a:blip r:embed="rId4" cstate="screen">
+            <a:extLst>
+              <a:ext uri="{28A0092B-C50C-407E-A947-70E740481C1C}">
+                <a14:useLocalDpi xmlns:a14="http://schemas.microsoft.com/office/drawing/2010/main" val="0"/>
+              </a:ext>
+            </a:extLst>
+          </a:blip>
+          <a:srcRect l="65" r="65"/>
+          <a:stretch/>
+        </p:blipFill>
+        <p:spPr/>
+      </p:pic>
+      <p:pic>
+        <p:nvPicPr>
+          <p:cNvPr id="15" name="Espaço Reservado para Imagem 14" descr="Um prato de comida e uma xícara de café em uma mesa">
+            <a:extLst>
+              <a:ext uri="{FF2B5EF4-FFF2-40B4-BE49-F238E27FC236}">
+                <a16:creationId xmlns:a16="http://schemas.microsoft.com/office/drawing/2014/main" id="{DDD35196-C0A0-4FF6-885D-696DD859D7AA}"/>
+              </a:ext>
+            </a:extLst>
+          </p:cNvPr>
+          <p:cNvPicPr>
+            <a:picLocks noGrp="1" noChangeAspect="1"/>
+          </p:cNvPicPr>
+          <p:nvPr>
+            <p:ph type="pic" sz="quarter" idx="15"/>
+          </p:nvPr>
+        </p:nvPicPr>
+        <p:blipFill rotWithShape="1">
+          <a:blip r:embed="rId5" cstate="screen">
+            <a:extLst>
+              <a:ext uri="{28A0092B-C50C-407E-A947-70E740481C1C}">
+                <a14:useLocalDpi xmlns:a14="http://schemas.microsoft.com/office/drawing/2010/main" val="0"/>
+              </a:ext>
+            </a:extLst>
+          </a:blip>
+          <a:srcRect t="1" b="1"/>
+          <a:stretch/>
+        </p:blipFill>
+        <p:spPr/>
+      </p:pic>
+      <p:sp>
+        <p:nvSpPr>
+          <p:cNvPr id="4" name="Espaço Reservado para o Número do Slide 3">
+            <a:extLst>
+              <a:ext uri="{FF2B5EF4-FFF2-40B4-BE49-F238E27FC236}">
+                <a16:creationId xmlns:a16="http://schemas.microsoft.com/office/drawing/2014/main" id="{2954CFD6-7409-4287-B008-E6E9200ED0D6}"/>
+              </a:ext>
+            </a:extLst>
+          </p:cNvPr>
+          <p:cNvSpPr>
+            <a:spLocks noGrp="1"/>
+          </p:cNvSpPr>
+          <p:nvPr>
+            <p:ph type="sldNum" sz="quarter" idx="12"/>
+          </p:nvPr>
+        </p:nvSpPr>
+        <p:spPr/>
+        <p:txBody>
+          <a:bodyPr rtlCol="0"/>
+          <a:lstStyle/>
+          <a:p>
+            <a:pPr rtl="0"/>
+            <a:fld id="{07CE569E-9B7C-4CB9-AB80-C0841F922CFF}" type="slidenum">
+              <a:rPr lang="pt-BR" smtClean="0"/>
+              <a:pPr rtl="0"/>
+              <a:t>3</a:t>
+            </a:fld>
+            <a:endParaRPr lang="pt-BR" dirty="0"/>
+          </a:p>
+        </p:txBody>
+      </p:sp>
+      <p:sp>
+        <p:nvSpPr>
+          <p:cNvPr id="19" name="Forma Livre: Forma 18">
+            <a:extLst>
+              <a:ext uri="{FF2B5EF4-FFF2-40B4-BE49-F238E27FC236}">
+                <a16:creationId xmlns:a16="http://schemas.microsoft.com/office/drawing/2014/main" id="{4A837396-9198-4DFD-BAAD-EF9260C9600B}"/>
+              </a:ext>
+              <a:ext uri="{C183D7F6-B498-43B3-948B-1728B52AA6E4}">
+                <adec:decorative xmlns:adec="http://schemas.microsoft.com/office/drawing/2017/decorative" val="1"/>
+              </a:ext>
+            </a:extLst>
+          </p:cNvPr>
+          <p:cNvSpPr/>
+          <p:nvPr/>
+        </p:nvSpPr>
+        <p:spPr>
+          <a:xfrm rot="14885154" flipH="1">
+            <a:off x="7164734" y="-2511844"/>
+            <a:ext cx="3825181" cy="6243456"/>
+          </a:xfrm>
+          <a:custGeom>
+            <a:avLst/>
+            <a:gdLst>
+              <a:gd name="connsiteX0" fmla="*/ 0 w 4033589"/>
+              <a:gd name="connsiteY0" fmla="*/ 0 h 6858000"/>
+              <a:gd name="connsiteX1" fmla="*/ 1878934 w 4033589"/>
+              <a:gd name="connsiteY1" fmla="*/ 0 h 6858000"/>
+              <a:gd name="connsiteX2" fmla="*/ 1882313 w 4033589"/>
+              <a:gd name="connsiteY2" fmla="*/ 2021 h 6858000"/>
+              <a:gd name="connsiteX3" fmla="*/ 3475371 w 4033589"/>
+              <a:gd name="connsiteY3" fmla="*/ 1517967 h 6858000"/>
+              <a:gd name="connsiteX4" fmla="*/ 3975977 w 4033589"/>
+              <a:gd name="connsiteY4" fmla="*/ 4379386 h 6858000"/>
+              <a:gd name="connsiteX5" fmla="*/ 3312864 w 4033589"/>
+              <a:gd name="connsiteY5" fmla="*/ 6852362 h 6858000"/>
+              <a:gd name="connsiteX6" fmla="*/ 3310593 w 4033589"/>
+              <a:gd name="connsiteY6" fmla="*/ 6858000 h 6858000"/>
+              <a:gd name="connsiteX7" fmla="*/ 0 w 4033589"/>
+              <a:gd name="connsiteY7" fmla="*/ 6858000 h 6858000"/>
+              <a:gd name="connsiteX8" fmla="*/ 0 w 4033589"/>
+              <a:gd name="connsiteY8" fmla="*/ 0 h 6858000"/>
+              <a:gd name="connsiteX0" fmla="*/ 0 w 4033589"/>
+              <a:gd name="connsiteY0" fmla="*/ 6858000 h 6858000"/>
+              <a:gd name="connsiteX1" fmla="*/ 1878934 w 4033589"/>
+              <a:gd name="connsiteY1" fmla="*/ 0 h 6858000"/>
+              <a:gd name="connsiteX2" fmla="*/ 1882313 w 4033589"/>
+              <a:gd name="connsiteY2" fmla="*/ 2021 h 6858000"/>
+              <a:gd name="connsiteX3" fmla="*/ 3475371 w 4033589"/>
+              <a:gd name="connsiteY3" fmla="*/ 1517967 h 6858000"/>
+              <a:gd name="connsiteX4" fmla="*/ 3975977 w 4033589"/>
+              <a:gd name="connsiteY4" fmla="*/ 4379386 h 6858000"/>
+              <a:gd name="connsiteX5" fmla="*/ 3312864 w 4033589"/>
+              <a:gd name="connsiteY5" fmla="*/ 6852362 h 6858000"/>
+              <a:gd name="connsiteX6" fmla="*/ 3310593 w 4033589"/>
+              <a:gd name="connsiteY6" fmla="*/ 6858000 h 6858000"/>
+              <a:gd name="connsiteX7" fmla="*/ 0 w 4033589"/>
+              <a:gd name="connsiteY7" fmla="*/ 6858000 h 6858000"/>
+              <a:gd name="connsiteX0" fmla="*/ 1787494 w 3942149"/>
+              <a:gd name="connsiteY0" fmla="*/ 0 h 6949440"/>
+              <a:gd name="connsiteX1" fmla="*/ 1790873 w 3942149"/>
+              <a:gd name="connsiteY1" fmla="*/ 2021 h 6949440"/>
+              <a:gd name="connsiteX2" fmla="*/ 3383931 w 3942149"/>
+              <a:gd name="connsiteY2" fmla="*/ 1517967 h 6949440"/>
+              <a:gd name="connsiteX3" fmla="*/ 3884537 w 3942149"/>
+              <a:gd name="connsiteY3" fmla="*/ 4379386 h 6949440"/>
+              <a:gd name="connsiteX4" fmla="*/ 3221424 w 3942149"/>
+              <a:gd name="connsiteY4" fmla="*/ 6852362 h 6949440"/>
+              <a:gd name="connsiteX5" fmla="*/ 3219153 w 3942149"/>
+              <a:gd name="connsiteY5" fmla="*/ 6858000 h 6949440"/>
+              <a:gd name="connsiteX6" fmla="*/ 0 w 3942149"/>
+              <a:gd name="connsiteY6" fmla="*/ 6949440 h 6949440"/>
+              <a:gd name="connsiteX0" fmla="*/ 1787494 w 3942149"/>
+              <a:gd name="connsiteY0" fmla="*/ 0 h 6949440"/>
+              <a:gd name="connsiteX1" fmla="*/ 1790873 w 3942149"/>
+              <a:gd name="connsiteY1" fmla="*/ 2021 h 6949440"/>
+              <a:gd name="connsiteX2" fmla="*/ 3383931 w 3942149"/>
+              <a:gd name="connsiteY2" fmla="*/ 1517967 h 6949440"/>
+              <a:gd name="connsiteX3" fmla="*/ 3884537 w 3942149"/>
+              <a:gd name="connsiteY3" fmla="*/ 4379386 h 6949440"/>
+              <a:gd name="connsiteX4" fmla="*/ 3221424 w 3942149"/>
+              <a:gd name="connsiteY4" fmla="*/ 6852362 h 6949440"/>
+              <a:gd name="connsiteX5" fmla="*/ 3219153 w 3942149"/>
+              <a:gd name="connsiteY5" fmla="*/ 6858000 h 6949440"/>
+              <a:gd name="connsiteX6" fmla="*/ 0 w 3942149"/>
+              <a:gd name="connsiteY6" fmla="*/ 6949440 h 6949440"/>
+              <a:gd name="connsiteX0" fmla="*/ 0 w 2154655"/>
+              <a:gd name="connsiteY0" fmla="*/ 0 h 6858000"/>
+              <a:gd name="connsiteX1" fmla="*/ 3379 w 2154655"/>
+              <a:gd name="connsiteY1" fmla="*/ 2021 h 6858000"/>
+              <a:gd name="connsiteX2" fmla="*/ 1596437 w 2154655"/>
+              <a:gd name="connsiteY2" fmla="*/ 1517967 h 6858000"/>
+              <a:gd name="connsiteX3" fmla="*/ 2097043 w 2154655"/>
+              <a:gd name="connsiteY3" fmla="*/ 4379386 h 6858000"/>
+              <a:gd name="connsiteX4" fmla="*/ 1433930 w 2154655"/>
+              <a:gd name="connsiteY4" fmla="*/ 6852362 h 6858000"/>
+              <a:gd name="connsiteX5" fmla="*/ 1431659 w 2154655"/>
+              <a:gd name="connsiteY5" fmla="*/ 6858000 h 6858000"/>
+            </a:gdLst>
+            <a:ahLst/>
+            <a:cxnLst>
+              <a:cxn ang="0">
+                <a:pos x="connsiteX0" y="connsiteY0"/>
+              </a:cxn>
+              <a:cxn ang="0">
+                <a:pos x="connsiteX1" y="connsiteY1"/>
+              </a:cxn>
+              <a:cxn ang="0">
+                <a:pos x="connsiteX2" y="connsiteY2"/>
+              </a:cxn>
+              <a:cxn ang="0">
+                <a:pos x="connsiteX3" y="connsiteY3"/>
+              </a:cxn>
+              <a:cxn ang="0">
+                <a:pos x="connsiteX4" y="connsiteY4"/>
+              </a:cxn>
+              <a:cxn ang="0">
+                <a:pos x="connsiteX5" y="connsiteY5"/>
+              </a:cxn>
+            </a:cxnLst>
+            <a:rect l="l" t="t" r="r" b="b"/>
+            <a:pathLst>
+              <a:path w="2154655" h="6858000">
+                <a:moveTo>
+                  <a:pt x="0" y="0"/>
+                </a:moveTo>
+                <a:lnTo>
+                  <a:pt x="3379" y="2021"/>
+                </a:lnTo>
+                <a:cubicBezTo>
+                  <a:pt x="667061" y="423753"/>
+                  <a:pt x="1239365" y="963389"/>
+                  <a:pt x="1596437" y="1517967"/>
+                </a:cubicBezTo>
+                <a:cubicBezTo>
+                  <a:pt x="2133142" y="2350886"/>
+                  <a:pt x="2239839" y="3395752"/>
+                  <a:pt x="2097043" y="4379386"/>
+                </a:cubicBezTo>
+                <a:cubicBezTo>
+                  <a:pt x="2032295" y="4824358"/>
+                  <a:pt x="1812506" y="5869368"/>
+                  <a:pt x="1433930" y="6852362"/>
+                </a:cubicBezTo>
+                <a:lnTo>
+                  <a:pt x="1431659" y="6858000"/>
+                </a:lnTo>
+              </a:path>
+            </a:pathLst>
+          </a:custGeom>
+          <a:noFill/>
+          <a:ln w="19050">
+            <a:solidFill>
+              <a:schemeClr val="accent2">
+                <a:lumMod val="60000"/>
+                <a:lumOff val="40000"/>
+              </a:schemeClr>
+            </a:solidFill>
+          </a:ln>
+        </p:spPr>
+        <p:style>
+          <a:lnRef idx="2">
+            <a:schemeClr val="accent1">
+              <a:shade val="50000"/>
+            </a:schemeClr>
+          </a:lnRef>
+          <a:fillRef idx="1">
+            <a:schemeClr val="accent1"/>
+          </a:fillRef>
+          <a:effectRef idx="0">
+            <a:schemeClr val="accent1"/>
+          </a:effectRef>
+          <a:fontRef idx="minor">
+            <a:schemeClr val="lt1"/>
+          </a:fontRef>
+        </p:style>
+        <p:txBody>
+          <a:bodyPr rtlCol="0" anchor="ctr"/>
+          <a:lstStyle/>
+          <a:p>
+            <a:pPr algn="ctr" rtl="0"/>
+            <a:endParaRPr lang="pt-BR" dirty="0">
+              <a:solidFill>
+                <a:prstClr val="white"/>
+              </a:solidFill>
+              <a:latin typeface="Avenir Next LT Pro Light"/>
+            </a:endParaRPr>
+          </a:p>
+        </p:txBody>
+      </p:sp>
+    </p:spTree>
+    <p:extLst>
+      <p:ext uri="{BB962C8B-B14F-4D97-AF65-F5344CB8AC3E}">
+        <p14:creationId xmlns:p14="http://schemas.microsoft.com/office/powerpoint/2010/main" val="3794124485"/>
+      </p:ext>
+    </p:extLst>
+  </p:cSld>
+  <p:clrMapOvr>
+    <a:masterClrMapping/>
+  </p:clrMapOvr>
+</p:sld>
+</file>
+
+<file path=ppt/slides/slide4.xml><?xml version="1.0" encoding="utf-8"?>
+<p:sld xmlns:a="http://schemas.openxmlformats.org/drawingml/2006/main" xmlns:r="http://schemas.openxmlformats.org/officeDocument/2006/relationships" xmlns:p="http://schemas.openxmlformats.org/presentationml/2006/main">
+  <p:cSld>
+    <p:spTree>
+      <p:nvGrpSpPr>
+        <p:cNvPr id="1" name=""/>
+        <p:cNvGrpSpPr/>
+        <p:nvPr/>
+      </p:nvGrpSpPr>
+      <p:grpSpPr>
+        <a:xfrm>
+          <a:off x="0" y="0"/>
+          <a:ext cx="0" cy="0"/>
+          <a:chOff x="0" y="0"/>
+          <a:chExt cx="0" cy="0"/>
+        </a:xfrm>
+      </p:grpSpPr>
+      <p:sp>
+        <p:nvSpPr>
+          <p:cNvPr id="5" name="Título 4">
+            <a:extLst>
+              <a:ext uri="{FF2B5EF4-FFF2-40B4-BE49-F238E27FC236}">
+                <a16:creationId xmlns:a16="http://schemas.microsoft.com/office/drawing/2014/main" id="{C9A76E37-1467-4F0D-927C-AEC0E2846867}"/>
+              </a:ext>
+            </a:extLst>
+          </p:cNvPr>
+          <p:cNvSpPr>
+            <a:spLocks noGrp="1"/>
+          </p:cNvSpPr>
+          <p:nvPr>
+            <p:ph type="title"/>
+          </p:nvPr>
+        </p:nvSpPr>
+        <p:spPr>
+          <a:xfrm>
+            <a:off x="2209800" y="923340"/>
+            <a:ext cx="4572000" cy="1524000"/>
+          </a:xfrm>
+        </p:spPr>
+        <p:txBody>
+          <a:bodyPr rtlCol="0"/>
+          <a:lstStyle/>
+          <a:p>
+            <a:pPr rtl="0"/>
+            <a:r>
+              <a:rPr lang="pt-BR" dirty="0"/>
+              <a:t>Contexto</a:t>
+            </a:r>
+          </a:p>
+        </p:txBody>
+      </p:sp>
+      <p:pic>
+        <p:nvPicPr>
+          <p:cNvPr id="11" name="Espaço Reservado para Imagem 10" descr="Uma imagem contendo comida, diferente, várias, variadas">
+            <a:extLst>
+              <a:ext uri="{FF2B5EF4-FFF2-40B4-BE49-F238E27FC236}">
+                <a16:creationId xmlns:a16="http://schemas.microsoft.com/office/drawing/2014/main" id="{AF040032-2C50-4A91-A8A9-750A9E1CA99A}"/>
+              </a:ext>
+            </a:extLst>
+          </p:cNvPr>
+          <p:cNvPicPr>
+            <a:picLocks noGrp="1" noChangeAspect="1"/>
+          </p:cNvPicPr>
+          <p:nvPr>
+            <p:ph type="pic" sz="quarter" idx="13"/>
+          </p:nvPr>
+        </p:nvPicPr>
+        <p:blipFill rotWithShape="1">
+          <a:blip r:embed="rId3" cstate="screen">
+            <a:extLst>
+              <a:ext uri="{28A0092B-C50C-407E-A947-70E740481C1C}">
+                <a14:useLocalDpi xmlns:a14="http://schemas.microsoft.com/office/drawing/2010/main" val="0"/>
+              </a:ext>
+            </a:extLst>
+          </a:blip>
+          <a:srcRect t="210" b="210"/>
+          <a:stretch/>
+        </p:blipFill>
+        <p:spPr/>
+      </p:pic>
+      <p:sp>
+        <p:nvSpPr>
+          <p:cNvPr id="6" name="Espaço Reservado para Conteúdo 5">
+            <a:extLst>
+              <a:ext uri="{FF2B5EF4-FFF2-40B4-BE49-F238E27FC236}">
+                <a16:creationId xmlns:a16="http://schemas.microsoft.com/office/drawing/2014/main" id="{E43DD79B-0698-4E19-B7CA-FAB8A8A282C9}"/>
+              </a:ext>
+            </a:extLst>
+          </p:cNvPr>
+          <p:cNvSpPr>
+            <a:spLocks noGrp="1"/>
+          </p:cNvSpPr>
+          <p:nvPr>
+            <p:ph idx="1"/>
+          </p:nvPr>
+        </p:nvSpPr>
+        <p:spPr>
+          <a:xfrm>
+            <a:off x="2209800" y="2314138"/>
+            <a:ext cx="5334000" cy="3048000"/>
+          </a:xfrm>
+        </p:spPr>
+        <p:txBody>
+          <a:bodyPr rtlCol="0">
+            <a:noAutofit/>
+          </a:bodyPr>
+          <a:lstStyle/>
+          <a:p>
+            <a:pPr>
+              <a:spcBef>
+                <a:spcPts val="200"/>
+              </a:spcBef>
+              <a:spcAft>
+                <a:spcPts val="200"/>
+              </a:spcAft>
+            </a:pPr>
+            <a:r>
+              <a:rPr lang="pt-BR" sz="1800" kern="1000" dirty="0">
+                <a:effectLst/>
+                <a:latin typeface="Simplon Mono"/>
+                <a:ea typeface="Calibri" panose="020F0502020204030204" pitchFamily="34" charset="0"/>
+                <a:cs typeface="Times New Roman" panose="02020603050405020304" pitchFamily="18" charset="0"/>
+              </a:rPr>
+              <a:t>As doenças do café podem reduzir consideravelmente cada produção e serem limitantes para o cultivo da cultura. Portanto é necessário um diagnóstico correto, para que um controle eficaz seja realizado. Com um controle de temperatura e umidade adequado, pode-se otimizar o plantio, evitando o desperdiço de uma parte considerável do café. A ferrugem do cafeeiro, por exemplo, é a doença mais abrangente nas plantações do Brasil, causada por alta umidade, esse fungo está distribuído por todas as regiões do país com alto índice de comprometimento, chegando a afetar 35% da produção nacional. Os prejuízos além de afetarem a produção atual, se estendem ainda a plantações do ano posterior, por conta do fungo se expandir do ápice da planta à saia do cafeeiro.</a:t>
+            </a:r>
+          </a:p>
+          <a:p>
+            <a:pPr rtl="0"/>
+            <a:endParaRPr lang="pt-BR" sz="2000" dirty="0"/>
+          </a:p>
+        </p:txBody>
+      </p:sp>
+      <p:pic>
+        <p:nvPicPr>
+          <p:cNvPr id="13" name="Espaço Reservado para Imagem 12" descr="Café em uma mesa de madeira com água ">
+            <a:extLst>
+              <a:ext uri="{FF2B5EF4-FFF2-40B4-BE49-F238E27FC236}">
+                <a16:creationId xmlns:a16="http://schemas.microsoft.com/office/drawing/2014/main" id="{730189FF-93BC-4663-B776-E572DC6C0E4E}"/>
+              </a:ext>
+            </a:extLst>
+          </p:cNvPr>
+          <p:cNvPicPr>
+            <a:picLocks noGrp="1" noChangeAspect="1"/>
+          </p:cNvPicPr>
+          <p:nvPr>
+            <p:ph type="pic" sz="quarter" idx="14"/>
+          </p:nvPr>
+        </p:nvPicPr>
+        <p:blipFill rotWithShape="1">
+          <a:blip r:embed="rId4" cstate="screen">
+            <a:extLst>
+              <a:ext uri="{28A0092B-C50C-407E-A947-70E740481C1C}">
+                <a14:useLocalDpi xmlns:a14="http://schemas.microsoft.com/office/drawing/2010/main" val="0"/>
+              </a:ext>
+            </a:extLst>
+          </a:blip>
+          <a:srcRect l="65" r="65"/>
+          <a:stretch/>
+        </p:blipFill>
+        <p:spPr/>
+      </p:pic>
+      <p:pic>
+        <p:nvPicPr>
+          <p:cNvPr id="15" name="Espaço Reservado para Imagem 14" descr="Um prato de comida e uma xícara de café em uma mesa">
+            <a:extLst>
+              <a:ext uri="{FF2B5EF4-FFF2-40B4-BE49-F238E27FC236}">
+                <a16:creationId xmlns:a16="http://schemas.microsoft.com/office/drawing/2014/main" id="{DDD35196-C0A0-4FF6-885D-696DD859D7AA}"/>
+              </a:ext>
+            </a:extLst>
+          </p:cNvPr>
+          <p:cNvPicPr>
+            <a:picLocks noGrp="1" noChangeAspect="1"/>
+          </p:cNvPicPr>
+          <p:nvPr>
+            <p:ph type="pic" sz="quarter" idx="15"/>
+          </p:nvPr>
+        </p:nvPicPr>
+        <p:blipFill rotWithShape="1">
+          <a:blip r:embed="rId5" cstate="screen">
+            <a:extLst>
+              <a:ext uri="{28A0092B-C50C-407E-A947-70E740481C1C}">
+                <a14:useLocalDpi xmlns:a14="http://schemas.microsoft.com/office/drawing/2010/main" val="0"/>
+              </a:ext>
+            </a:extLst>
+          </a:blip>
+          <a:srcRect t="1" b="1"/>
+          <a:stretch/>
+        </p:blipFill>
+        <p:spPr/>
+      </p:pic>
+      <p:sp>
+        <p:nvSpPr>
+          <p:cNvPr id="19" name="Forma Livre: Forma 18">
+            <a:extLst>
+              <a:ext uri="{FF2B5EF4-FFF2-40B4-BE49-F238E27FC236}">
+                <a16:creationId xmlns:a16="http://schemas.microsoft.com/office/drawing/2014/main" id="{4A837396-9198-4DFD-BAAD-EF9260C9600B}"/>
+              </a:ext>
+              <a:ext uri="{C183D7F6-B498-43B3-948B-1728B52AA6E4}">
+                <adec:decorative xmlns:adec="http://schemas.microsoft.com/office/drawing/2017/decorative" val="1"/>
+              </a:ext>
+            </a:extLst>
+          </p:cNvPr>
+          <p:cNvSpPr/>
+          <p:nvPr/>
+        </p:nvSpPr>
+        <p:spPr>
+          <a:xfrm rot="14885154" flipH="1">
+            <a:off x="7164734" y="-2511844"/>
+            <a:ext cx="3825181" cy="6243456"/>
+          </a:xfrm>
+          <a:custGeom>
+            <a:avLst/>
+            <a:gdLst>
+              <a:gd name="connsiteX0" fmla="*/ 0 w 4033589"/>
+              <a:gd name="connsiteY0" fmla="*/ 0 h 6858000"/>
+              <a:gd name="connsiteX1" fmla="*/ 1878934 w 4033589"/>
+              <a:gd name="connsiteY1" fmla="*/ 0 h 6858000"/>
+              <a:gd name="connsiteX2" fmla="*/ 1882313 w 4033589"/>
+              <a:gd name="connsiteY2" fmla="*/ 2021 h 6858000"/>
+              <a:gd name="connsiteX3" fmla="*/ 3475371 w 4033589"/>
+              <a:gd name="connsiteY3" fmla="*/ 1517967 h 6858000"/>
+              <a:gd name="connsiteX4" fmla="*/ 3975977 w 4033589"/>
+              <a:gd name="connsiteY4" fmla="*/ 4379386 h 6858000"/>
+              <a:gd name="connsiteX5" fmla="*/ 3312864 w 4033589"/>
+              <a:gd name="connsiteY5" fmla="*/ 6852362 h 6858000"/>
+              <a:gd name="connsiteX6" fmla="*/ 3310593 w 4033589"/>
+              <a:gd name="connsiteY6" fmla="*/ 6858000 h 6858000"/>
+              <a:gd name="connsiteX7" fmla="*/ 0 w 4033589"/>
+              <a:gd name="connsiteY7" fmla="*/ 6858000 h 6858000"/>
+              <a:gd name="connsiteX8" fmla="*/ 0 w 4033589"/>
+              <a:gd name="connsiteY8" fmla="*/ 0 h 6858000"/>
+              <a:gd name="connsiteX0" fmla="*/ 0 w 4033589"/>
+              <a:gd name="connsiteY0" fmla="*/ 6858000 h 6858000"/>
+              <a:gd name="connsiteX1" fmla="*/ 1878934 w 4033589"/>
+              <a:gd name="connsiteY1" fmla="*/ 0 h 6858000"/>
+              <a:gd name="connsiteX2" fmla="*/ 1882313 w 4033589"/>
+              <a:gd name="connsiteY2" fmla="*/ 2021 h 6858000"/>
+              <a:gd name="connsiteX3" fmla="*/ 3475371 w 4033589"/>
+              <a:gd name="connsiteY3" fmla="*/ 1517967 h 6858000"/>
+              <a:gd name="connsiteX4" fmla="*/ 3975977 w 4033589"/>
+              <a:gd name="connsiteY4" fmla="*/ 4379386 h 6858000"/>
+              <a:gd name="connsiteX5" fmla="*/ 3312864 w 4033589"/>
+              <a:gd name="connsiteY5" fmla="*/ 6852362 h 6858000"/>
+              <a:gd name="connsiteX6" fmla="*/ 3310593 w 4033589"/>
+              <a:gd name="connsiteY6" fmla="*/ 6858000 h 6858000"/>
+              <a:gd name="connsiteX7" fmla="*/ 0 w 4033589"/>
+              <a:gd name="connsiteY7" fmla="*/ 6858000 h 6858000"/>
+              <a:gd name="connsiteX0" fmla="*/ 1787494 w 3942149"/>
+              <a:gd name="connsiteY0" fmla="*/ 0 h 6949440"/>
+              <a:gd name="connsiteX1" fmla="*/ 1790873 w 3942149"/>
+              <a:gd name="connsiteY1" fmla="*/ 2021 h 6949440"/>
+              <a:gd name="connsiteX2" fmla="*/ 3383931 w 3942149"/>
+              <a:gd name="connsiteY2" fmla="*/ 1517967 h 6949440"/>
+              <a:gd name="connsiteX3" fmla="*/ 3884537 w 3942149"/>
+              <a:gd name="connsiteY3" fmla="*/ 4379386 h 6949440"/>
+              <a:gd name="connsiteX4" fmla="*/ 3221424 w 3942149"/>
+              <a:gd name="connsiteY4" fmla="*/ 6852362 h 6949440"/>
+              <a:gd name="connsiteX5" fmla="*/ 3219153 w 3942149"/>
+              <a:gd name="connsiteY5" fmla="*/ 6858000 h 6949440"/>
+              <a:gd name="connsiteX6" fmla="*/ 0 w 3942149"/>
+              <a:gd name="connsiteY6" fmla="*/ 6949440 h 6949440"/>
+              <a:gd name="connsiteX0" fmla="*/ 1787494 w 3942149"/>
+              <a:gd name="connsiteY0" fmla="*/ 0 h 6949440"/>
+              <a:gd name="connsiteX1" fmla="*/ 1790873 w 3942149"/>
+              <a:gd name="connsiteY1" fmla="*/ 2021 h 6949440"/>
+              <a:gd name="connsiteX2" fmla="*/ 3383931 w 3942149"/>
+              <a:gd name="connsiteY2" fmla="*/ 1517967 h 6949440"/>
+              <a:gd name="connsiteX3" fmla="*/ 3884537 w 3942149"/>
+              <a:gd name="connsiteY3" fmla="*/ 4379386 h 6949440"/>
+              <a:gd name="connsiteX4" fmla="*/ 3221424 w 3942149"/>
+              <a:gd name="connsiteY4" fmla="*/ 6852362 h 6949440"/>
+              <a:gd name="connsiteX5" fmla="*/ 3219153 w 3942149"/>
+              <a:gd name="connsiteY5" fmla="*/ 6858000 h 6949440"/>
+              <a:gd name="connsiteX6" fmla="*/ 0 w 3942149"/>
+              <a:gd name="connsiteY6" fmla="*/ 6949440 h 6949440"/>
+              <a:gd name="connsiteX0" fmla="*/ 0 w 2154655"/>
+              <a:gd name="connsiteY0" fmla="*/ 0 h 6858000"/>
+              <a:gd name="connsiteX1" fmla="*/ 3379 w 2154655"/>
+              <a:gd name="connsiteY1" fmla="*/ 2021 h 6858000"/>
+              <a:gd name="connsiteX2" fmla="*/ 1596437 w 2154655"/>
+              <a:gd name="connsiteY2" fmla="*/ 1517967 h 6858000"/>
+              <a:gd name="connsiteX3" fmla="*/ 2097043 w 2154655"/>
+              <a:gd name="connsiteY3" fmla="*/ 4379386 h 6858000"/>
+              <a:gd name="connsiteX4" fmla="*/ 1433930 w 2154655"/>
+              <a:gd name="connsiteY4" fmla="*/ 6852362 h 6858000"/>
+              <a:gd name="connsiteX5" fmla="*/ 1431659 w 2154655"/>
+              <a:gd name="connsiteY5" fmla="*/ 6858000 h 6858000"/>
+            </a:gdLst>
+            <a:ahLst/>
+            <a:cxnLst>
+              <a:cxn ang="0">
+                <a:pos x="connsiteX0" y="connsiteY0"/>
+              </a:cxn>
+              <a:cxn ang="0">
+                <a:pos x="connsiteX1" y="connsiteY1"/>
+              </a:cxn>
+              <a:cxn ang="0">
+                <a:pos x="connsiteX2" y="connsiteY2"/>
+              </a:cxn>
+              <a:cxn ang="0">
+                <a:pos x="connsiteX3" y="connsiteY3"/>
+              </a:cxn>
+              <a:cxn ang="0">
+                <a:pos x="connsiteX4" y="connsiteY4"/>
+              </a:cxn>
+              <a:cxn ang="0">
+                <a:pos x="connsiteX5" y="connsiteY5"/>
+              </a:cxn>
+            </a:cxnLst>
+            <a:rect l="l" t="t" r="r" b="b"/>
+            <a:pathLst>
+              <a:path w="2154655" h="6858000">
+                <a:moveTo>
+                  <a:pt x="0" y="0"/>
+                </a:moveTo>
+                <a:lnTo>
+                  <a:pt x="3379" y="2021"/>
+                </a:lnTo>
+                <a:cubicBezTo>
+                  <a:pt x="667061" y="423753"/>
+                  <a:pt x="1239365" y="963389"/>
+                  <a:pt x="1596437" y="1517967"/>
+                </a:cubicBezTo>
+                <a:cubicBezTo>
+                  <a:pt x="2133142" y="2350886"/>
+                  <a:pt x="2239839" y="3395752"/>
+                  <a:pt x="2097043" y="4379386"/>
+                </a:cubicBezTo>
+                <a:cubicBezTo>
+                  <a:pt x="2032295" y="4824358"/>
+                  <a:pt x="1812506" y="5869368"/>
+                  <a:pt x="1433930" y="6852362"/>
+                </a:cubicBezTo>
+                <a:lnTo>
+                  <a:pt x="1431659" y="6858000"/>
+                </a:lnTo>
+              </a:path>
+            </a:pathLst>
+          </a:custGeom>
+          <a:noFill/>
+          <a:ln w="19050">
+            <a:solidFill>
+              <a:schemeClr val="accent2">
+                <a:lumMod val="60000"/>
+                <a:lumOff val="40000"/>
+              </a:schemeClr>
+            </a:solidFill>
+          </a:ln>
+        </p:spPr>
+        <p:style>
+          <a:lnRef idx="2">
+            <a:schemeClr val="accent1">
+              <a:shade val="50000"/>
+            </a:schemeClr>
+          </a:lnRef>
+          <a:fillRef idx="1">
+            <a:schemeClr val="accent1"/>
+          </a:fillRef>
+          <a:effectRef idx="0">
+            <a:schemeClr val="accent1"/>
+          </a:effectRef>
+          <a:fontRef idx="minor">
+            <a:schemeClr val="lt1"/>
+          </a:fontRef>
+        </p:style>
+        <p:txBody>
+          <a:bodyPr rtlCol="0" anchor="ctr"/>
+          <a:lstStyle/>
+          <a:p>
+            <a:pPr algn="ctr" rtl="0"/>
+            <a:endParaRPr lang="pt-BR" dirty="0">
+              <a:solidFill>
+                <a:prstClr val="white"/>
+              </a:solidFill>
+              <a:latin typeface="Avenir Next LT Pro Light"/>
+            </a:endParaRPr>
+          </a:p>
+        </p:txBody>
+      </p:sp>
+    </p:spTree>
+    <p:extLst>
+      <p:ext uri="{BB962C8B-B14F-4D97-AF65-F5344CB8AC3E}">
+        <p14:creationId xmlns:p14="http://schemas.microsoft.com/office/powerpoint/2010/main" val="4209107499"/>
+      </p:ext>
+    </p:extLst>
+  </p:cSld>
+  <p:clrMapOvr>
+    <a:masterClrMapping/>
+  </p:clrMapOvr>
+</p:sld>
+</file>
+
+<file path=ppt/slides/slide5.xml><?xml version="1.0" encoding="utf-8"?>
+<p:sld xmlns:a="http://schemas.openxmlformats.org/drawingml/2006/main" xmlns:r="http://schemas.openxmlformats.org/officeDocument/2006/relationships" xmlns:p="http://schemas.openxmlformats.org/presentationml/2006/main">
+  <p:cSld>
+    <p:spTree>
+      <p:nvGrpSpPr>
+        <p:cNvPr id="1" name=""/>
+        <p:cNvGrpSpPr/>
+        <p:nvPr/>
+      </p:nvGrpSpPr>
+      <p:grpSpPr>
+        <a:xfrm>
+          <a:off x="0" y="0"/>
+          <a:ext cx="0" cy="0"/>
+          <a:chOff x="0" y="0"/>
+          <a:chExt cx="0" cy="0"/>
+        </a:xfrm>
+      </p:grpSpPr>
+      <p:sp>
+        <p:nvSpPr>
+          <p:cNvPr id="7" name="Título 6">
+            <a:extLst>
+              <a:ext uri="{FF2B5EF4-FFF2-40B4-BE49-F238E27FC236}">
+                <a16:creationId xmlns:a16="http://schemas.microsoft.com/office/drawing/2014/main" id="{7EAF89CD-F3F9-40F6-939A-840F4569201C}"/>
+              </a:ext>
+            </a:extLst>
+          </p:cNvPr>
+          <p:cNvSpPr>
+            <a:spLocks noGrp="1"/>
+          </p:cNvSpPr>
+          <p:nvPr>
+            <p:ph type="title"/>
+          </p:nvPr>
+        </p:nvSpPr>
+        <p:spPr>
+          <a:xfrm>
+            <a:off x="838200" y="778951"/>
+            <a:ext cx="5334000" cy="1524000"/>
+          </a:xfrm>
+        </p:spPr>
+        <p:txBody>
+          <a:bodyPr rtlCol="0"/>
+          <a:lstStyle/>
+          <a:p>
+            <a:pPr rtl="0"/>
+            <a:r>
+              <a:rPr lang="pt-BR" dirty="0"/>
+              <a:t>Justificativa</a:t>
+            </a:r>
+          </a:p>
+        </p:txBody>
+      </p:sp>
+      <p:pic>
+        <p:nvPicPr>
+          <p:cNvPr id="10" name="Espaço Reservado para Imagem 9" descr="Máquina de café no trabalho">
+            <a:extLst>
+              <a:ext uri="{FF2B5EF4-FFF2-40B4-BE49-F238E27FC236}">
+                <a16:creationId xmlns:a16="http://schemas.microsoft.com/office/drawing/2014/main" id="{72BB3FC2-928F-49D2-BAAE-2C2A055F1927}"/>
+              </a:ext>
+            </a:extLst>
+          </p:cNvPr>
+          <p:cNvPicPr>
+            <a:picLocks noGrp="1" noChangeAspect="1"/>
+          </p:cNvPicPr>
+          <p:nvPr>
+            <p:ph type="pic" sz="quarter" idx="13"/>
+          </p:nvPr>
+        </p:nvPicPr>
+        <p:blipFill rotWithShape="1">
+          <a:blip r:embed="rId2" cstate="screen">
+            <a:extLst>
+              <a:ext uri="{28A0092B-C50C-407E-A947-70E740481C1C}">
+                <a14:useLocalDpi xmlns:a14="http://schemas.microsoft.com/office/drawing/2010/main" val="0"/>
+              </a:ext>
+            </a:extLst>
+          </a:blip>
+          <a:srcRect l="65" r="65"/>
+          <a:stretch/>
+        </p:blipFill>
+        <p:spPr/>
+      </p:pic>
+      <p:sp>
+        <p:nvSpPr>
+          <p:cNvPr id="6" name="Espaço Reservado para Conteúdo 5">
+            <a:extLst>
+              <a:ext uri="{FF2B5EF4-FFF2-40B4-BE49-F238E27FC236}">
+                <a16:creationId xmlns:a16="http://schemas.microsoft.com/office/drawing/2014/main" id="{EC896496-4BA0-472A-993B-7FA4D3681B47}"/>
+              </a:ext>
+            </a:extLst>
+          </p:cNvPr>
+          <p:cNvSpPr>
+            <a:spLocks noGrp="1"/>
+          </p:cNvSpPr>
+          <p:nvPr>
+            <p:ph idx="1"/>
+          </p:nvPr>
+        </p:nvSpPr>
+        <p:spPr>
+          <a:xfrm>
+            <a:off x="762000" y="2603382"/>
+            <a:ext cx="5334000" cy="3047999"/>
+          </a:xfrm>
+        </p:spPr>
+        <p:txBody>
+          <a:bodyPr rtlCol="0">
+            <a:noAutofit/>
+          </a:bodyPr>
+          <a:lstStyle/>
+          <a:p>
+            <a:pPr>
+              <a:spcBef>
+                <a:spcPts val="200"/>
+              </a:spcBef>
+              <a:spcAft>
+                <a:spcPts val="200"/>
+              </a:spcAft>
+            </a:pPr>
+            <a:r>
+              <a:rPr lang="pt-BR" sz="1800" kern="1000" dirty="0">
+                <a:effectLst/>
+                <a:latin typeface="Simplon Mono"/>
+                <a:ea typeface="Calibri" panose="020F0502020204030204" pitchFamily="34" charset="0"/>
+                <a:cs typeface="Times New Roman" panose="02020603050405020304" pitchFamily="18" charset="0"/>
+              </a:rPr>
+              <a:t>Para o café crescer e dar seus frutos, é necessário estar sendo cultivado em uma certa temperatura recomendada que varia de 18C a 22C, também devemos ter um controle de umidade, por isso a preferência dos produtores de cafeeiro é primeiro se estabelecer num local com as devidas temperaturas e com boa distribuição de chuva, tendo preferência onde a precipitação fique entre 600mm a 1500mm/ano. Caso essas condições não sejam atendidas toda a safra ou boa parte dela pode ser prejudicada, pois sem o controle de irrigação e temperatura o café fica propício a desenvolver diversas doenças que o destroem.</a:t>
+            </a:r>
+          </a:p>
+          <a:p>
+            <a:pPr rtl="0"/>
+            <a:endParaRPr lang="pt-BR" sz="2000" dirty="0"/>
+          </a:p>
+        </p:txBody>
+      </p:sp>
+      <p:pic>
+        <p:nvPicPr>
+          <p:cNvPr id="12" name="Espaço Reservado para Imagem 11" descr="Um prato de comida e uma xícara de café em uma mesa">
+            <a:extLst>
+              <a:ext uri="{FF2B5EF4-FFF2-40B4-BE49-F238E27FC236}">
+                <a16:creationId xmlns:a16="http://schemas.microsoft.com/office/drawing/2014/main" id="{A2A14B2C-861B-4D89-8E2E-55D212D4AC5A}"/>
+              </a:ext>
+            </a:extLst>
+          </p:cNvPr>
+          <p:cNvPicPr>
+            <a:picLocks noGrp="1" noChangeAspect="1"/>
+          </p:cNvPicPr>
+          <p:nvPr>
+            <p:ph type="pic" sz="quarter" idx="14"/>
+          </p:nvPr>
+        </p:nvPicPr>
+        <p:blipFill rotWithShape="1">
+          <a:blip r:embed="rId3" cstate="screen">
+            <a:extLst>
+              <a:ext uri="{28A0092B-C50C-407E-A947-70E740481C1C}">
+                <a14:useLocalDpi xmlns:a14="http://schemas.microsoft.com/office/drawing/2010/main" val="0"/>
+              </a:ext>
+            </a:extLst>
+          </a:blip>
+          <a:srcRect l="61" r="61"/>
+          <a:stretch/>
+        </p:blipFill>
+        <p:spPr/>
+      </p:pic>
+      <p:sp>
+        <p:nvSpPr>
+          <p:cNvPr id="14" name="Forma Livre: Forma 13">
+            <a:extLst>
+              <a:ext uri="{FF2B5EF4-FFF2-40B4-BE49-F238E27FC236}">
+                <a16:creationId xmlns:a16="http://schemas.microsoft.com/office/drawing/2014/main" id="{FEA3BCB6-65D7-413C-9C17-C82003C8252A}"/>
+              </a:ext>
+              <a:ext uri="{C183D7F6-B498-43B3-948B-1728B52AA6E4}">
+                <adec:decorative xmlns:adec="http://schemas.microsoft.com/office/drawing/2017/decorative" val="1"/>
+              </a:ext>
+            </a:extLst>
+          </p:cNvPr>
+          <p:cNvSpPr/>
+          <p:nvPr/>
+        </p:nvSpPr>
+        <p:spPr>
+          <a:xfrm rot="14885154" flipH="1">
+            <a:off x="7260230" y="-2526873"/>
+            <a:ext cx="3738966" cy="6206270"/>
+          </a:xfrm>
+          <a:custGeom>
+            <a:avLst/>
+            <a:gdLst>
+              <a:gd name="connsiteX0" fmla="*/ 0 w 4033589"/>
+              <a:gd name="connsiteY0" fmla="*/ 0 h 6858000"/>
+              <a:gd name="connsiteX1" fmla="*/ 1878934 w 4033589"/>
+              <a:gd name="connsiteY1" fmla="*/ 0 h 6858000"/>
+              <a:gd name="connsiteX2" fmla="*/ 1882313 w 4033589"/>
+              <a:gd name="connsiteY2" fmla="*/ 2021 h 6858000"/>
+              <a:gd name="connsiteX3" fmla="*/ 3475371 w 4033589"/>
+              <a:gd name="connsiteY3" fmla="*/ 1517967 h 6858000"/>
+              <a:gd name="connsiteX4" fmla="*/ 3975977 w 4033589"/>
+              <a:gd name="connsiteY4" fmla="*/ 4379386 h 6858000"/>
+              <a:gd name="connsiteX5" fmla="*/ 3312864 w 4033589"/>
+              <a:gd name="connsiteY5" fmla="*/ 6852362 h 6858000"/>
+              <a:gd name="connsiteX6" fmla="*/ 3310593 w 4033589"/>
+              <a:gd name="connsiteY6" fmla="*/ 6858000 h 6858000"/>
+              <a:gd name="connsiteX7" fmla="*/ 0 w 4033589"/>
+              <a:gd name="connsiteY7" fmla="*/ 6858000 h 6858000"/>
+              <a:gd name="connsiteX8" fmla="*/ 0 w 4033589"/>
+              <a:gd name="connsiteY8" fmla="*/ 0 h 6858000"/>
+              <a:gd name="connsiteX0" fmla="*/ 0 w 4033589"/>
+              <a:gd name="connsiteY0" fmla="*/ 6858000 h 6858000"/>
+              <a:gd name="connsiteX1" fmla="*/ 1878934 w 4033589"/>
+              <a:gd name="connsiteY1" fmla="*/ 0 h 6858000"/>
+              <a:gd name="connsiteX2" fmla="*/ 1882313 w 4033589"/>
+              <a:gd name="connsiteY2" fmla="*/ 2021 h 6858000"/>
+              <a:gd name="connsiteX3" fmla="*/ 3475371 w 4033589"/>
+              <a:gd name="connsiteY3" fmla="*/ 1517967 h 6858000"/>
+              <a:gd name="connsiteX4" fmla="*/ 3975977 w 4033589"/>
+              <a:gd name="connsiteY4" fmla="*/ 4379386 h 6858000"/>
+              <a:gd name="connsiteX5" fmla="*/ 3312864 w 4033589"/>
+              <a:gd name="connsiteY5" fmla="*/ 6852362 h 6858000"/>
+              <a:gd name="connsiteX6" fmla="*/ 3310593 w 4033589"/>
+              <a:gd name="connsiteY6" fmla="*/ 6858000 h 6858000"/>
+              <a:gd name="connsiteX7" fmla="*/ 0 w 4033589"/>
+              <a:gd name="connsiteY7" fmla="*/ 6858000 h 6858000"/>
+              <a:gd name="connsiteX0" fmla="*/ 1787494 w 3942149"/>
+              <a:gd name="connsiteY0" fmla="*/ 0 h 6949440"/>
+              <a:gd name="connsiteX1" fmla="*/ 1790873 w 3942149"/>
+              <a:gd name="connsiteY1" fmla="*/ 2021 h 6949440"/>
+              <a:gd name="connsiteX2" fmla="*/ 3383931 w 3942149"/>
+              <a:gd name="connsiteY2" fmla="*/ 1517967 h 6949440"/>
+              <a:gd name="connsiteX3" fmla="*/ 3884537 w 3942149"/>
+              <a:gd name="connsiteY3" fmla="*/ 4379386 h 6949440"/>
+              <a:gd name="connsiteX4" fmla="*/ 3221424 w 3942149"/>
+              <a:gd name="connsiteY4" fmla="*/ 6852362 h 6949440"/>
+              <a:gd name="connsiteX5" fmla="*/ 3219153 w 3942149"/>
+              <a:gd name="connsiteY5" fmla="*/ 6858000 h 6949440"/>
+              <a:gd name="connsiteX6" fmla="*/ 0 w 3942149"/>
+              <a:gd name="connsiteY6" fmla="*/ 6949440 h 6949440"/>
+              <a:gd name="connsiteX0" fmla="*/ 1787494 w 3942149"/>
+              <a:gd name="connsiteY0" fmla="*/ 0 h 6949440"/>
+              <a:gd name="connsiteX1" fmla="*/ 1790873 w 3942149"/>
+              <a:gd name="connsiteY1" fmla="*/ 2021 h 6949440"/>
+              <a:gd name="connsiteX2" fmla="*/ 3383931 w 3942149"/>
+              <a:gd name="connsiteY2" fmla="*/ 1517967 h 6949440"/>
+              <a:gd name="connsiteX3" fmla="*/ 3884537 w 3942149"/>
+              <a:gd name="connsiteY3" fmla="*/ 4379386 h 6949440"/>
+              <a:gd name="connsiteX4" fmla="*/ 3221424 w 3942149"/>
+              <a:gd name="connsiteY4" fmla="*/ 6852362 h 6949440"/>
+              <a:gd name="connsiteX5" fmla="*/ 3219153 w 3942149"/>
+              <a:gd name="connsiteY5" fmla="*/ 6858000 h 6949440"/>
+              <a:gd name="connsiteX6" fmla="*/ 0 w 3942149"/>
+              <a:gd name="connsiteY6" fmla="*/ 6949440 h 6949440"/>
+              <a:gd name="connsiteX0" fmla="*/ 0 w 2154655"/>
+              <a:gd name="connsiteY0" fmla="*/ 0 h 6858000"/>
+              <a:gd name="connsiteX1" fmla="*/ 3379 w 2154655"/>
+              <a:gd name="connsiteY1" fmla="*/ 2021 h 6858000"/>
+              <a:gd name="connsiteX2" fmla="*/ 1596437 w 2154655"/>
+              <a:gd name="connsiteY2" fmla="*/ 1517967 h 6858000"/>
+              <a:gd name="connsiteX3" fmla="*/ 2097043 w 2154655"/>
+              <a:gd name="connsiteY3" fmla="*/ 4379386 h 6858000"/>
+              <a:gd name="connsiteX4" fmla="*/ 1433930 w 2154655"/>
+              <a:gd name="connsiteY4" fmla="*/ 6852362 h 6858000"/>
+              <a:gd name="connsiteX5" fmla="*/ 1431659 w 2154655"/>
+              <a:gd name="connsiteY5" fmla="*/ 6858000 h 6858000"/>
+            </a:gdLst>
+            <a:ahLst/>
+            <a:cxnLst>
+              <a:cxn ang="0">
+                <a:pos x="connsiteX0" y="connsiteY0"/>
+              </a:cxn>
+              <a:cxn ang="0">
+                <a:pos x="connsiteX1" y="connsiteY1"/>
+              </a:cxn>
+              <a:cxn ang="0">
+                <a:pos x="connsiteX2" y="connsiteY2"/>
+              </a:cxn>
+              <a:cxn ang="0">
+                <a:pos x="connsiteX3" y="connsiteY3"/>
+              </a:cxn>
+              <a:cxn ang="0">
+                <a:pos x="connsiteX4" y="connsiteY4"/>
+              </a:cxn>
+              <a:cxn ang="0">
+                <a:pos x="connsiteX5" y="connsiteY5"/>
+              </a:cxn>
+            </a:cxnLst>
+            <a:rect l="l" t="t" r="r" b="b"/>
+            <a:pathLst>
+              <a:path w="2154655" h="6858000">
+                <a:moveTo>
+                  <a:pt x="0" y="0"/>
+                </a:moveTo>
+                <a:lnTo>
+                  <a:pt x="3379" y="2021"/>
+                </a:lnTo>
+                <a:cubicBezTo>
+                  <a:pt x="667061" y="423753"/>
+                  <a:pt x="1239365" y="963389"/>
+                  <a:pt x="1596437" y="1517967"/>
+                </a:cubicBezTo>
+                <a:cubicBezTo>
+                  <a:pt x="2133142" y="2350886"/>
+                  <a:pt x="2239839" y="3395752"/>
+                  <a:pt x="2097043" y="4379386"/>
+                </a:cubicBezTo>
+                <a:cubicBezTo>
+                  <a:pt x="2032295" y="4824358"/>
+                  <a:pt x="1812506" y="5869368"/>
+                  <a:pt x="1433930" y="6852362"/>
+                </a:cubicBezTo>
+                <a:lnTo>
+                  <a:pt x="1431659" y="6858000"/>
+                </a:lnTo>
+              </a:path>
+            </a:pathLst>
+          </a:custGeom>
+          <a:noFill/>
+          <a:ln w="19050">
+            <a:solidFill>
+              <a:schemeClr val="accent2">
+                <a:lumMod val="60000"/>
+                <a:lumOff val="40000"/>
+              </a:schemeClr>
+            </a:solidFill>
+          </a:ln>
+        </p:spPr>
+        <p:style>
+          <a:lnRef idx="2">
+            <a:schemeClr val="accent1">
+              <a:shade val="50000"/>
+            </a:schemeClr>
+          </a:lnRef>
+          <a:fillRef idx="1">
+            <a:schemeClr val="accent1"/>
+          </a:fillRef>
+          <a:effectRef idx="0">
+            <a:schemeClr val="accent1"/>
+          </a:effectRef>
+          <a:fontRef idx="minor">
+            <a:schemeClr val="lt1"/>
+          </a:fontRef>
+        </p:style>
+        <p:txBody>
+          <a:bodyPr rtlCol="0" anchor="ctr"/>
+          <a:lstStyle/>
+          <a:p>
+            <a:pPr algn="ctr" rtl="0"/>
+            <a:endParaRPr lang="pt-BR" dirty="0">
+              <a:solidFill>
+                <a:prstClr val="white"/>
+              </a:solidFill>
+              <a:latin typeface="Avenir Next LT Pro Light"/>
+            </a:endParaRPr>
+          </a:p>
+        </p:txBody>
+      </p:sp>
+    </p:spTree>
+    <p:extLst>
+      <p:ext uri="{BB962C8B-B14F-4D97-AF65-F5344CB8AC3E}">
+        <p14:creationId xmlns:p14="http://schemas.microsoft.com/office/powerpoint/2010/main" val="100251410"/>
+      </p:ext>
+    </p:extLst>
+  </p:cSld>
+  <p:clrMapOvr>
+    <a:masterClrMapping/>
+  </p:clrMapOvr>
+</p:sld>
+</file>
+
+<file path=ppt/slides/slide6.xml><?xml version="1.0" encoding="utf-8"?>
+<p:sld xmlns:a="http://schemas.openxmlformats.org/drawingml/2006/main" xmlns:r="http://schemas.openxmlformats.org/officeDocument/2006/relationships" xmlns:p="http://schemas.openxmlformats.org/presentationml/2006/main">
+  <p:cSld>
+    <p:spTree>
+      <p:nvGrpSpPr>
+        <p:cNvPr id="1" name=""/>
+        <p:cNvGrpSpPr/>
+        <p:nvPr/>
+      </p:nvGrpSpPr>
+      <p:grpSpPr>
+        <a:xfrm>
+          <a:off x="0" y="0"/>
+          <a:ext cx="0" cy="0"/>
+          <a:chOff x="0" y="0"/>
+          <a:chExt cx="0" cy="0"/>
+        </a:xfrm>
+      </p:grpSpPr>
+      <p:sp>
+        <p:nvSpPr>
+          <p:cNvPr id="5" name="Título 4">
+            <a:extLst>
+              <a:ext uri="{FF2B5EF4-FFF2-40B4-BE49-F238E27FC236}">
+                <a16:creationId xmlns:a16="http://schemas.microsoft.com/office/drawing/2014/main" id="{C9A76E37-1467-4F0D-927C-AEC0E2846867}"/>
+              </a:ext>
+            </a:extLst>
+          </p:cNvPr>
+          <p:cNvSpPr>
+            <a:spLocks noGrp="1"/>
+          </p:cNvSpPr>
+          <p:nvPr>
+            <p:ph type="title"/>
+          </p:nvPr>
+        </p:nvSpPr>
+        <p:spPr>
+          <a:xfrm>
+            <a:off x="1957638" y="640155"/>
+            <a:ext cx="5295417" cy="1524000"/>
+          </a:xfrm>
+        </p:spPr>
+        <p:txBody>
+          <a:bodyPr rtlCol="0"/>
+          <a:lstStyle/>
+          <a:p>
+            <a:pPr rtl="0"/>
+            <a:r>
+              <a:rPr lang="pt-BR" dirty="0"/>
+              <a:t>Principais Requisitos</a:t>
+            </a:r>
+            <a:br>
+              <a:rPr lang="pt-BR" dirty="0"/>
+            </a:br>
+            <a:r>
+              <a:rPr lang="pt-BR" dirty="0"/>
+              <a:t>Backlog</a:t>
+            </a:r>
+          </a:p>
+        </p:txBody>
+      </p:sp>
+      <p:pic>
+        <p:nvPicPr>
+          <p:cNvPr id="11" name="Espaço Reservado para Imagem 10" descr="Uma imagem contendo comida, diferente, várias, variadas">
+            <a:extLst>
+              <a:ext uri="{FF2B5EF4-FFF2-40B4-BE49-F238E27FC236}">
+                <a16:creationId xmlns:a16="http://schemas.microsoft.com/office/drawing/2014/main" id="{AF040032-2C50-4A91-A8A9-750A9E1CA99A}"/>
+              </a:ext>
+            </a:extLst>
+          </p:cNvPr>
+          <p:cNvPicPr>
+            <a:picLocks noGrp="1" noChangeAspect="1"/>
+          </p:cNvPicPr>
+          <p:nvPr>
+            <p:ph type="pic" sz="quarter" idx="13"/>
+          </p:nvPr>
+        </p:nvPicPr>
+        <p:blipFill rotWithShape="1">
+          <a:blip r:embed="rId3" cstate="screen">
+            <a:extLst>
+              <a:ext uri="{28A0092B-C50C-407E-A947-70E740481C1C}">
+                <a14:useLocalDpi xmlns:a14="http://schemas.microsoft.com/office/drawing/2010/main" val="0"/>
+              </a:ext>
+            </a:extLst>
+          </a:blip>
+          <a:srcRect t="210" b="210"/>
+          <a:stretch/>
+        </p:blipFill>
+        <p:spPr/>
+      </p:pic>
+      <p:pic>
+        <p:nvPicPr>
+          <p:cNvPr id="13" name="Espaço Reservado para Imagem 12" descr="Café em uma mesa de madeira com água ">
+            <a:extLst>
+              <a:ext uri="{FF2B5EF4-FFF2-40B4-BE49-F238E27FC236}">
+                <a16:creationId xmlns:a16="http://schemas.microsoft.com/office/drawing/2014/main" id="{730189FF-93BC-4663-B776-E572DC6C0E4E}"/>
+              </a:ext>
+            </a:extLst>
+          </p:cNvPr>
+          <p:cNvPicPr>
+            <a:picLocks noGrp="1" noChangeAspect="1"/>
+          </p:cNvPicPr>
+          <p:nvPr>
+            <p:ph type="pic" sz="quarter" idx="14"/>
+          </p:nvPr>
+        </p:nvPicPr>
+        <p:blipFill rotWithShape="1">
+          <a:blip r:embed="rId4" cstate="screen">
+            <a:extLst>
+              <a:ext uri="{28A0092B-C50C-407E-A947-70E740481C1C}">
+                <a14:useLocalDpi xmlns:a14="http://schemas.microsoft.com/office/drawing/2010/main" val="0"/>
+              </a:ext>
+            </a:extLst>
+          </a:blip>
+          <a:srcRect l="65" r="65"/>
+          <a:stretch/>
+        </p:blipFill>
+        <p:spPr>
+          <a:xfrm>
+            <a:off x="6842773" y="-62144"/>
+            <a:ext cx="5820495" cy="2302951"/>
+          </a:xfrm>
+        </p:spPr>
+      </p:pic>
+      <p:pic>
+        <p:nvPicPr>
+          <p:cNvPr id="15" name="Espaço Reservado para Imagem 14" descr="Um prato de comida e uma xícara de café em uma mesa">
+            <a:extLst>
+              <a:ext uri="{FF2B5EF4-FFF2-40B4-BE49-F238E27FC236}">
+                <a16:creationId xmlns:a16="http://schemas.microsoft.com/office/drawing/2014/main" id="{DDD35196-C0A0-4FF6-885D-696DD859D7AA}"/>
+              </a:ext>
+            </a:extLst>
+          </p:cNvPr>
+          <p:cNvPicPr>
+            <a:picLocks noGrp="1" noChangeAspect="1"/>
+          </p:cNvPicPr>
+          <p:nvPr>
+            <p:ph type="pic" sz="quarter" idx="15"/>
+          </p:nvPr>
+        </p:nvPicPr>
+        <p:blipFill rotWithShape="1">
+          <a:blip r:embed="rId5" cstate="screen">
+            <a:extLst>
+              <a:ext uri="{28A0092B-C50C-407E-A947-70E740481C1C}">
+                <a14:useLocalDpi xmlns:a14="http://schemas.microsoft.com/office/drawing/2010/main" val="0"/>
+              </a:ext>
+            </a:extLst>
+          </a:blip>
+          <a:srcRect t="1" b="1"/>
+          <a:stretch/>
+        </p:blipFill>
+        <p:spPr/>
+      </p:pic>
+      <p:sp>
+        <p:nvSpPr>
+          <p:cNvPr id="19" name="Forma Livre: Forma 18">
+            <a:extLst>
+              <a:ext uri="{FF2B5EF4-FFF2-40B4-BE49-F238E27FC236}">
+                <a16:creationId xmlns:a16="http://schemas.microsoft.com/office/drawing/2014/main" id="{4A837396-9198-4DFD-BAAD-EF9260C9600B}"/>
+              </a:ext>
+              <a:ext uri="{C183D7F6-B498-43B3-948B-1728B52AA6E4}">
+                <adec:decorative xmlns:adec="http://schemas.microsoft.com/office/drawing/2017/decorative" val="1"/>
+              </a:ext>
+            </a:extLst>
+          </p:cNvPr>
+          <p:cNvSpPr/>
+          <p:nvPr/>
+        </p:nvSpPr>
+        <p:spPr>
+          <a:xfrm rot="14885154" flipH="1">
+            <a:off x="7625399" y="-2481573"/>
+            <a:ext cx="3825181" cy="6243456"/>
+          </a:xfrm>
+          <a:custGeom>
+            <a:avLst/>
+            <a:gdLst>
+              <a:gd name="connsiteX0" fmla="*/ 0 w 4033589"/>
+              <a:gd name="connsiteY0" fmla="*/ 0 h 6858000"/>
+              <a:gd name="connsiteX1" fmla="*/ 1878934 w 4033589"/>
+              <a:gd name="connsiteY1" fmla="*/ 0 h 6858000"/>
+              <a:gd name="connsiteX2" fmla="*/ 1882313 w 4033589"/>
+              <a:gd name="connsiteY2" fmla="*/ 2021 h 6858000"/>
+              <a:gd name="connsiteX3" fmla="*/ 3475371 w 4033589"/>
+              <a:gd name="connsiteY3" fmla="*/ 1517967 h 6858000"/>
+              <a:gd name="connsiteX4" fmla="*/ 3975977 w 4033589"/>
+              <a:gd name="connsiteY4" fmla="*/ 4379386 h 6858000"/>
+              <a:gd name="connsiteX5" fmla="*/ 3312864 w 4033589"/>
+              <a:gd name="connsiteY5" fmla="*/ 6852362 h 6858000"/>
+              <a:gd name="connsiteX6" fmla="*/ 3310593 w 4033589"/>
+              <a:gd name="connsiteY6" fmla="*/ 6858000 h 6858000"/>
+              <a:gd name="connsiteX7" fmla="*/ 0 w 4033589"/>
+              <a:gd name="connsiteY7" fmla="*/ 6858000 h 6858000"/>
+              <a:gd name="connsiteX8" fmla="*/ 0 w 4033589"/>
+              <a:gd name="connsiteY8" fmla="*/ 0 h 6858000"/>
+              <a:gd name="connsiteX0" fmla="*/ 0 w 4033589"/>
+              <a:gd name="connsiteY0" fmla="*/ 6858000 h 6858000"/>
+              <a:gd name="connsiteX1" fmla="*/ 1878934 w 4033589"/>
+              <a:gd name="connsiteY1" fmla="*/ 0 h 6858000"/>
+              <a:gd name="connsiteX2" fmla="*/ 1882313 w 4033589"/>
+              <a:gd name="connsiteY2" fmla="*/ 2021 h 6858000"/>
+              <a:gd name="connsiteX3" fmla="*/ 3475371 w 4033589"/>
+              <a:gd name="connsiteY3" fmla="*/ 1517967 h 6858000"/>
+              <a:gd name="connsiteX4" fmla="*/ 3975977 w 4033589"/>
+              <a:gd name="connsiteY4" fmla="*/ 4379386 h 6858000"/>
+              <a:gd name="connsiteX5" fmla="*/ 3312864 w 4033589"/>
+              <a:gd name="connsiteY5" fmla="*/ 6852362 h 6858000"/>
+              <a:gd name="connsiteX6" fmla="*/ 3310593 w 4033589"/>
+              <a:gd name="connsiteY6" fmla="*/ 6858000 h 6858000"/>
+              <a:gd name="connsiteX7" fmla="*/ 0 w 4033589"/>
+              <a:gd name="connsiteY7" fmla="*/ 6858000 h 6858000"/>
+              <a:gd name="connsiteX0" fmla="*/ 1787494 w 3942149"/>
+              <a:gd name="connsiteY0" fmla="*/ 0 h 6949440"/>
+              <a:gd name="connsiteX1" fmla="*/ 1790873 w 3942149"/>
+              <a:gd name="connsiteY1" fmla="*/ 2021 h 6949440"/>
+              <a:gd name="connsiteX2" fmla="*/ 3383931 w 3942149"/>
+              <a:gd name="connsiteY2" fmla="*/ 1517967 h 6949440"/>
+              <a:gd name="connsiteX3" fmla="*/ 3884537 w 3942149"/>
+              <a:gd name="connsiteY3" fmla="*/ 4379386 h 6949440"/>
+              <a:gd name="connsiteX4" fmla="*/ 3221424 w 3942149"/>
+              <a:gd name="connsiteY4" fmla="*/ 6852362 h 6949440"/>
+              <a:gd name="connsiteX5" fmla="*/ 3219153 w 3942149"/>
+              <a:gd name="connsiteY5" fmla="*/ 6858000 h 6949440"/>
+              <a:gd name="connsiteX6" fmla="*/ 0 w 3942149"/>
+              <a:gd name="connsiteY6" fmla="*/ 6949440 h 6949440"/>
+              <a:gd name="connsiteX0" fmla="*/ 1787494 w 3942149"/>
+              <a:gd name="connsiteY0" fmla="*/ 0 h 6949440"/>
+              <a:gd name="connsiteX1" fmla="*/ 1790873 w 3942149"/>
+              <a:gd name="connsiteY1" fmla="*/ 2021 h 6949440"/>
+              <a:gd name="connsiteX2" fmla="*/ 3383931 w 3942149"/>
+              <a:gd name="connsiteY2" fmla="*/ 1517967 h 6949440"/>
+              <a:gd name="connsiteX3" fmla="*/ 3884537 w 3942149"/>
+              <a:gd name="connsiteY3" fmla="*/ 4379386 h 6949440"/>
+              <a:gd name="connsiteX4" fmla="*/ 3221424 w 3942149"/>
+              <a:gd name="connsiteY4" fmla="*/ 6852362 h 6949440"/>
+              <a:gd name="connsiteX5" fmla="*/ 3219153 w 3942149"/>
+              <a:gd name="connsiteY5" fmla="*/ 6858000 h 6949440"/>
+              <a:gd name="connsiteX6" fmla="*/ 0 w 3942149"/>
+              <a:gd name="connsiteY6" fmla="*/ 6949440 h 6949440"/>
+              <a:gd name="connsiteX0" fmla="*/ 0 w 2154655"/>
+              <a:gd name="connsiteY0" fmla="*/ 0 h 6858000"/>
+              <a:gd name="connsiteX1" fmla="*/ 3379 w 2154655"/>
+              <a:gd name="connsiteY1" fmla="*/ 2021 h 6858000"/>
+              <a:gd name="connsiteX2" fmla="*/ 1596437 w 2154655"/>
+              <a:gd name="connsiteY2" fmla="*/ 1517967 h 6858000"/>
+              <a:gd name="connsiteX3" fmla="*/ 2097043 w 2154655"/>
+              <a:gd name="connsiteY3" fmla="*/ 4379386 h 6858000"/>
+              <a:gd name="connsiteX4" fmla="*/ 1433930 w 2154655"/>
+              <a:gd name="connsiteY4" fmla="*/ 6852362 h 6858000"/>
+              <a:gd name="connsiteX5" fmla="*/ 1431659 w 2154655"/>
+              <a:gd name="connsiteY5" fmla="*/ 6858000 h 6858000"/>
+            </a:gdLst>
+            <a:ahLst/>
+            <a:cxnLst>
+              <a:cxn ang="0">
+                <a:pos x="connsiteX0" y="connsiteY0"/>
+              </a:cxn>
+              <a:cxn ang="0">
+                <a:pos x="connsiteX1" y="connsiteY1"/>
+              </a:cxn>
+              <a:cxn ang="0">
+                <a:pos x="connsiteX2" y="connsiteY2"/>
+              </a:cxn>
+              <a:cxn ang="0">
+                <a:pos x="connsiteX3" y="connsiteY3"/>
+              </a:cxn>
+              <a:cxn ang="0">
+                <a:pos x="connsiteX4" y="connsiteY4"/>
+              </a:cxn>
+              <a:cxn ang="0">
+                <a:pos x="connsiteX5" y="connsiteY5"/>
+              </a:cxn>
+            </a:cxnLst>
+            <a:rect l="l" t="t" r="r" b="b"/>
+            <a:pathLst>
+              <a:path w="2154655" h="6858000">
+                <a:moveTo>
+                  <a:pt x="0" y="0"/>
+                </a:moveTo>
+                <a:lnTo>
+                  <a:pt x="3379" y="2021"/>
+                </a:lnTo>
+                <a:cubicBezTo>
+                  <a:pt x="667061" y="423753"/>
+                  <a:pt x="1239365" y="963389"/>
+                  <a:pt x="1596437" y="1517967"/>
+                </a:cubicBezTo>
+                <a:cubicBezTo>
+                  <a:pt x="2133142" y="2350886"/>
+                  <a:pt x="2239839" y="3395752"/>
+                  <a:pt x="2097043" y="4379386"/>
+                </a:cubicBezTo>
+                <a:cubicBezTo>
+                  <a:pt x="2032295" y="4824358"/>
+                  <a:pt x="1812506" y="5869368"/>
+                  <a:pt x="1433930" y="6852362"/>
+                </a:cubicBezTo>
+                <a:lnTo>
+                  <a:pt x="1431659" y="6858000"/>
+                </a:lnTo>
+              </a:path>
+            </a:pathLst>
+          </a:custGeom>
+          <a:noFill/>
+          <a:ln w="19050">
+            <a:solidFill>
+              <a:schemeClr val="accent2">
+                <a:lumMod val="60000"/>
+                <a:lumOff val="40000"/>
+              </a:schemeClr>
+            </a:solidFill>
+          </a:ln>
+        </p:spPr>
+        <p:style>
+          <a:lnRef idx="2">
+            <a:schemeClr val="accent1">
+              <a:shade val="50000"/>
+            </a:schemeClr>
+          </a:lnRef>
+          <a:fillRef idx="1">
+            <a:schemeClr val="accent1"/>
+          </a:fillRef>
+          <a:effectRef idx="0">
+            <a:schemeClr val="accent1"/>
+          </a:effectRef>
+          <a:fontRef idx="minor">
+            <a:schemeClr val="lt1"/>
+          </a:fontRef>
+        </p:style>
+        <p:txBody>
+          <a:bodyPr rtlCol="0" anchor="ctr"/>
+          <a:lstStyle/>
+          <a:p>
+            <a:pPr algn="ctr" rtl="0"/>
+            <a:endParaRPr lang="pt-BR" dirty="0">
+              <a:solidFill>
+                <a:prstClr val="white"/>
+              </a:solidFill>
+              <a:latin typeface="Avenir Next LT Pro Light"/>
+            </a:endParaRPr>
+          </a:p>
+        </p:txBody>
+      </p:sp>
+      <p:graphicFrame>
+        <p:nvGraphicFramePr>
+          <p:cNvPr id="7" name="Tabela 6">
+            <a:extLst>
+              <a:ext uri="{FF2B5EF4-FFF2-40B4-BE49-F238E27FC236}">
+                <a16:creationId xmlns:a16="http://schemas.microsoft.com/office/drawing/2014/main" id="{0EE59C0B-230C-8C81-7A5E-272F128986E8}"/>
+              </a:ext>
+            </a:extLst>
+          </p:cNvPr>
+          <p:cNvGraphicFramePr>
+            <a:graphicFrameLocks noGrp="1"/>
+          </p:cNvGraphicFramePr>
+          <p:nvPr>
+            <p:extLst>
+              <p:ext uri="{D42A27DB-BD31-4B8C-83A1-F6EECF244321}">
+                <p14:modId xmlns:p14="http://schemas.microsoft.com/office/powerpoint/2010/main" val="3912601390"/>
+              </p:ext>
+            </p:extLst>
+          </p:nvPr>
+        </p:nvGraphicFramePr>
+        <p:xfrm>
+          <a:off x="2070778" y="2302951"/>
+          <a:ext cx="7082779" cy="3092787"/>
+        </p:xfrm>
+        <a:graphic>
+          <a:graphicData uri="http://schemas.openxmlformats.org/drawingml/2006/table">
+            <a:tbl>
+              <a:tblPr>
+                <a:tableStyleId>{5C22544A-7EE6-4342-B048-85BDC9FD1C3A}</a:tableStyleId>
+              </a:tblPr>
+              <a:tblGrid>
+                <a:gridCol w="3525365">
+                  <a:extLst>
+                    <a:ext uri="{9D8B030D-6E8A-4147-A177-3AD203B41FA5}">
+                      <a16:colId xmlns:a16="http://schemas.microsoft.com/office/drawing/2014/main" val="3184647460"/>
+                    </a:ext>
+                  </a:extLst>
+                </a:gridCol>
+                <a:gridCol w="1522317">
+                  <a:extLst>
+                    <a:ext uri="{9D8B030D-6E8A-4147-A177-3AD203B41FA5}">
+                      <a16:colId xmlns:a16="http://schemas.microsoft.com/office/drawing/2014/main" val="1045272486"/>
+                    </a:ext>
+                  </a:extLst>
+                </a:gridCol>
+                <a:gridCol w="2035097">
+                  <a:extLst>
+                    <a:ext uri="{9D8B030D-6E8A-4147-A177-3AD203B41FA5}">
+                      <a16:colId xmlns:a16="http://schemas.microsoft.com/office/drawing/2014/main" val="1645896643"/>
+                    </a:ext>
+                  </a:extLst>
+                </a:gridCol>
+              </a:tblGrid>
+              <a:tr h="343643">
+                <a:tc>
+                  <a:txBody>
+                    <a:bodyPr/>
+                    <a:lstStyle/>
+                    <a:p>
+                      <a:pPr algn="l" fontAlgn="b"/>
+                      <a:r>
+                        <a:rPr lang="pt-BR" sz="1600" b="1" u="none" strike="noStrike" dirty="0">
+                          <a:effectLst/>
+                        </a:rPr>
+                        <a:t>Requisitos</a:t>
+                      </a:r>
+                      <a:endParaRPr lang="pt-BR" sz="1600" b="1" i="0" u="none" strike="noStrike" dirty="0">
+                        <a:solidFill>
+                          <a:srgbClr val="FFFFFF"/>
+                        </a:solidFill>
+                        <a:effectLst/>
+                        <a:latin typeface="Calibri" panose="020F0502020204030204" pitchFamily="34" charset="0"/>
+                      </a:endParaRPr>
+                    </a:p>
+                  </a:txBody>
+                  <a:tcPr marL="7620" marR="7620" marT="7620" marB="0" anchor="b"/>
+                </a:tc>
+                <a:tc>
+                  <a:txBody>
+                    <a:bodyPr/>
+                    <a:lstStyle/>
+                    <a:p>
+                      <a:pPr algn="l" fontAlgn="b"/>
+                      <a:r>
+                        <a:rPr lang="pt-BR" sz="1600" b="1" u="none" strike="noStrike">
+                          <a:effectLst/>
+                        </a:rPr>
+                        <a:t>Classificação</a:t>
+                      </a:r>
+                      <a:endParaRPr lang="pt-BR" sz="1600" b="1" i="0" u="none" strike="noStrike">
+                        <a:solidFill>
+                          <a:srgbClr val="FFFFFF"/>
+                        </a:solidFill>
+                        <a:effectLst/>
+                        <a:latin typeface="Calibri" panose="020F0502020204030204" pitchFamily="34" charset="0"/>
+                      </a:endParaRPr>
+                    </a:p>
+                  </a:txBody>
+                  <a:tcPr marL="7620" marR="7620" marT="7620" marB="0" anchor="b"/>
+                </a:tc>
+                <a:tc>
+                  <a:txBody>
+                    <a:bodyPr/>
+                    <a:lstStyle/>
+                    <a:p>
+                      <a:pPr algn="l" fontAlgn="b"/>
+                      <a:r>
+                        <a:rPr lang="pt-BR" sz="1600" b="1" u="none" strike="noStrike" dirty="0">
+                          <a:effectLst/>
+                        </a:rPr>
+                        <a:t>Funcional/Em processo</a:t>
+                      </a:r>
+                      <a:endParaRPr lang="pt-BR" sz="1600" b="1" i="0" u="none" strike="noStrike" dirty="0">
+                        <a:solidFill>
+                          <a:srgbClr val="FFFFFF"/>
+                        </a:solidFill>
+                        <a:effectLst/>
+                        <a:latin typeface="Calibri" panose="020F0502020204030204" pitchFamily="34" charset="0"/>
+                      </a:endParaRPr>
+                    </a:p>
+                  </a:txBody>
+                  <a:tcPr marL="7620" marR="7620" marT="7620" marB="0" anchor="b"/>
+                </a:tc>
+                <a:extLst>
+                  <a:ext uri="{0D108BD9-81ED-4DB2-BD59-A6C34878D82A}">
+                    <a16:rowId xmlns:a16="http://schemas.microsoft.com/office/drawing/2014/main" val="111041408"/>
+                  </a:ext>
+                </a:extLst>
+              </a:tr>
+              <a:tr h="343643">
+                <a:tc>
+                  <a:txBody>
+                    <a:bodyPr/>
+                    <a:lstStyle/>
+                    <a:p>
+                      <a:pPr algn="l" fontAlgn="b"/>
+                      <a:r>
+                        <a:rPr lang="pt-BR" sz="1100" u="none" strike="noStrike">
+                          <a:effectLst/>
+                        </a:rPr>
+                        <a:t>Realizar o Orçamento/Calculadora Financeira</a:t>
+                      </a:r>
+                      <a:endParaRPr lang="pt-BR" sz="1100" b="0" i="0" u="none" strike="noStrike">
+                        <a:solidFill>
+                          <a:srgbClr val="000000"/>
+                        </a:solidFill>
+                        <a:effectLst/>
+                        <a:latin typeface="Calibri" panose="020F0502020204030204" pitchFamily="34" charset="0"/>
+                      </a:endParaRPr>
+                    </a:p>
+                  </a:txBody>
+                  <a:tcPr marL="7620" marR="7620" marT="7620" marB="0" anchor="b"/>
+                </a:tc>
+                <a:tc>
+                  <a:txBody>
+                    <a:bodyPr/>
+                    <a:lstStyle/>
+                    <a:p>
+                      <a:pPr algn="l" fontAlgn="b"/>
+                      <a:r>
+                        <a:rPr lang="pt-BR" sz="1100" u="none" strike="noStrike">
+                          <a:effectLst/>
+                        </a:rPr>
+                        <a:t>Essencial</a:t>
+                      </a:r>
+                      <a:endParaRPr lang="pt-BR" sz="1100" b="0" i="0" u="none" strike="noStrike">
+                        <a:solidFill>
+                          <a:srgbClr val="000000"/>
+                        </a:solidFill>
+                        <a:effectLst/>
+                        <a:latin typeface="Calibri" panose="020F0502020204030204" pitchFamily="34" charset="0"/>
+                      </a:endParaRPr>
+                    </a:p>
+                  </a:txBody>
+                  <a:tcPr marL="7620" marR="7620" marT="7620" marB="0" anchor="b"/>
+                </a:tc>
+                <a:tc>
+                  <a:txBody>
+                    <a:bodyPr/>
+                    <a:lstStyle/>
+                    <a:p>
+                      <a:pPr algn="l" fontAlgn="b"/>
+                      <a:r>
+                        <a:rPr lang="pt-BR" sz="1100" u="none" strike="noStrike">
+                          <a:effectLst/>
+                        </a:rPr>
+                        <a:t>Funcional</a:t>
+                      </a:r>
+                      <a:endParaRPr lang="pt-BR" sz="1100" b="0" i="0" u="none" strike="noStrike">
+                        <a:solidFill>
+                          <a:srgbClr val="000000"/>
+                        </a:solidFill>
+                        <a:effectLst/>
+                        <a:latin typeface="Calibri" panose="020F0502020204030204" pitchFamily="34" charset="0"/>
+                      </a:endParaRPr>
+                    </a:p>
+                  </a:txBody>
+                  <a:tcPr marL="7620" marR="7620" marT="7620" marB="0" anchor="b"/>
+                </a:tc>
+                <a:extLst>
+                  <a:ext uri="{0D108BD9-81ED-4DB2-BD59-A6C34878D82A}">
+                    <a16:rowId xmlns:a16="http://schemas.microsoft.com/office/drawing/2014/main" val="1554622465"/>
+                  </a:ext>
+                </a:extLst>
+              </a:tr>
+              <a:tr h="343643">
+                <a:tc>
+                  <a:txBody>
+                    <a:bodyPr/>
+                    <a:lstStyle/>
+                    <a:p>
+                      <a:pPr algn="l" fontAlgn="b"/>
+                      <a:r>
+                        <a:rPr lang="pt-BR" sz="1100" u="none" strike="noStrike">
+                          <a:effectLst/>
+                        </a:rPr>
+                        <a:t>Página de Cadastro e Login</a:t>
+                      </a:r>
+                      <a:endParaRPr lang="pt-BR" sz="1100" b="0" i="0" u="none" strike="noStrike">
+                        <a:solidFill>
+                          <a:srgbClr val="000000"/>
+                        </a:solidFill>
+                        <a:effectLst/>
+                        <a:latin typeface="Calibri" panose="020F0502020204030204" pitchFamily="34" charset="0"/>
+                      </a:endParaRPr>
+                    </a:p>
+                  </a:txBody>
+                  <a:tcPr marL="7620" marR="7620" marT="7620" marB="0" anchor="b"/>
+                </a:tc>
+                <a:tc>
+                  <a:txBody>
+                    <a:bodyPr/>
+                    <a:lstStyle/>
+                    <a:p>
+                      <a:pPr algn="l" fontAlgn="b"/>
+                      <a:r>
+                        <a:rPr lang="pt-BR" sz="1100" u="none" strike="noStrike">
+                          <a:effectLst/>
+                        </a:rPr>
+                        <a:t>Essencial</a:t>
+                      </a:r>
+                      <a:endParaRPr lang="pt-BR" sz="1100" b="0" i="0" u="none" strike="noStrike">
+                        <a:solidFill>
+                          <a:srgbClr val="000000"/>
+                        </a:solidFill>
+                        <a:effectLst/>
+                        <a:latin typeface="Calibri" panose="020F0502020204030204" pitchFamily="34" charset="0"/>
+                      </a:endParaRPr>
+                    </a:p>
+                  </a:txBody>
+                  <a:tcPr marL="7620" marR="7620" marT="7620" marB="0" anchor="b"/>
+                </a:tc>
+                <a:tc>
+                  <a:txBody>
+                    <a:bodyPr/>
+                    <a:lstStyle/>
+                    <a:p>
+                      <a:pPr algn="l" fontAlgn="b"/>
+                      <a:r>
+                        <a:rPr lang="pt-BR" sz="1100" u="none" strike="noStrike">
+                          <a:effectLst/>
+                        </a:rPr>
+                        <a:t>Funcional</a:t>
+                      </a:r>
+                      <a:endParaRPr lang="pt-BR" sz="1100" b="0" i="0" u="none" strike="noStrike">
+                        <a:solidFill>
+                          <a:srgbClr val="000000"/>
+                        </a:solidFill>
+                        <a:effectLst/>
+                        <a:latin typeface="Calibri" panose="020F0502020204030204" pitchFamily="34" charset="0"/>
+                      </a:endParaRPr>
+                    </a:p>
+                  </a:txBody>
+                  <a:tcPr marL="7620" marR="7620" marT="7620" marB="0" anchor="b"/>
+                </a:tc>
+                <a:extLst>
+                  <a:ext uri="{0D108BD9-81ED-4DB2-BD59-A6C34878D82A}">
+                    <a16:rowId xmlns:a16="http://schemas.microsoft.com/office/drawing/2014/main" val="1091582197"/>
+                  </a:ext>
+                </a:extLst>
+              </a:tr>
+              <a:tr h="343643">
+                <a:tc>
+                  <a:txBody>
+                    <a:bodyPr/>
+                    <a:lstStyle/>
+                    <a:p>
+                      <a:pPr algn="l" fontAlgn="b"/>
+                      <a:r>
+                        <a:rPr lang="pt-BR" sz="1100" u="none" strike="noStrike">
+                          <a:effectLst/>
+                        </a:rPr>
+                        <a:t>Informações para Contato</a:t>
+                      </a:r>
+                      <a:endParaRPr lang="pt-BR" sz="1100" b="0" i="0" u="none" strike="noStrike">
+                        <a:solidFill>
+                          <a:srgbClr val="000000"/>
+                        </a:solidFill>
+                        <a:effectLst/>
+                        <a:latin typeface="Calibri" panose="020F0502020204030204" pitchFamily="34" charset="0"/>
+                      </a:endParaRPr>
+                    </a:p>
+                  </a:txBody>
+                  <a:tcPr marL="7620" marR="7620" marT="7620" marB="0" anchor="b"/>
+                </a:tc>
+                <a:tc>
+                  <a:txBody>
+                    <a:bodyPr/>
+                    <a:lstStyle/>
+                    <a:p>
+                      <a:pPr algn="l" fontAlgn="b"/>
+                      <a:r>
+                        <a:rPr lang="pt-BR" sz="1100" u="none" strike="noStrike" dirty="0">
+                          <a:effectLst/>
+                        </a:rPr>
+                        <a:t>Essencial</a:t>
+                      </a:r>
+                      <a:endParaRPr lang="pt-BR" sz="1100" b="0" i="0" u="none" strike="noStrike" dirty="0">
+                        <a:solidFill>
+                          <a:srgbClr val="000000"/>
+                        </a:solidFill>
+                        <a:effectLst/>
+                        <a:latin typeface="Calibri" panose="020F0502020204030204" pitchFamily="34" charset="0"/>
+                      </a:endParaRPr>
+                    </a:p>
+                  </a:txBody>
+                  <a:tcPr marL="7620" marR="7620" marT="7620" marB="0" anchor="b"/>
+                </a:tc>
+                <a:tc>
+                  <a:txBody>
+                    <a:bodyPr/>
+                    <a:lstStyle/>
+                    <a:p>
+                      <a:pPr algn="l" fontAlgn="b"/>
+                      <a:r>
+                        <a:rPr lang="pt-BR" sz="1100" u="none" strike="noStrike">
+                          <a:effectLst/>
+                        </a:rPr>
+                        <a:t>Funcional</a:t>
+                      </a:r>
+                      <a:endParaRPr lang="pt-BR" sz="1100" b="0" i="0" u="none" strike="noStrike">
+                        <a:solidFill>
+                          <a:srgbClr val="000000"/>
+                        </a:solidFill>
+                        <a:effectLst/>
+                        <a:latin typeface="Calibri" panose="020F0502020204030204" pitchFamily="34" charset="0"/>
+                      </a:endParaRPr>
+                    </a:p>
+                  </a:txBody>
+                  <a:tcPr marL="7620" marR="7620" marT="7620" marB="0" anchor="b"/>
+                </a:tc>
+                <a:extLst>
+                  <a:ext uri="{0D108BD9-81ED-4DB2-BD59-A6C34878D82A}">
+                    <a16:rowId xmlns:a16="http://schemas.microsoft.com/office/drawing/2014/main" val="617348050"/>
+                  </a:ext>
+                </a:extLst>
+              </a:tr>
+              <a:tr h="343643">
+                <a:tc>
+                  <a:txBody>
+                    <a:bodyPr/>
+                    <a:lstStyle/>
+                    <a:p>
+                      <a:pPr algn="l" fontAlgn="b"/>
+                      <a:r>
+                        <a:rPr lang="pt-BR" sz="1100" u="none" strike="noStrike">
+                          <a:effectLst/>
+                        </a:rPr>
+                        <a:t>Confirmações por E-mail</a:t>
+                      </a:r>
+                      <a:endParaRPr lang="pt-BR" sz="1100" b="0" i="0" u="none" strike="noStrike">
+                        <a:solidFill>
+                          <a:srgbClr val="000000"/>
+                        </a:solidFill>
+                        <a:effectLst/>
+                        <a:latin typeface="Calibri" panose="020F0502020204030204" pitchFamily="34" charset="0"/>
+                      </a:endParaRPr>
+                    </a:p>
+                  </a:txBody>
+                  <a:tcPr marL="7620" marR="7620" marT="7620" marB="0" anchor="b"/>
+                </a:tc>
+                <a:tc>
+                  <a:txBody>
+                    <a:bodyPr/>
+                    <a:lstStyle/>
+                    <a:p>
+                      <a:pPr algn="l" fontAlgn="b"/>
+                      <a:r>
+                        <a:rPr lang="pt-BR" sz="1100" u="none" strike="noStrike">
+                          <a:effectLst/>
+                        </a:rPr>
+                        <a:t>Importante</a:t>
+                      </a:r>
+                      <a:endParaRPr lang="pt-BR" sz="1100" b="0" i="0" u="none" strike="noStrike">
+                        <a:solidFill>
+                          <a:srgbClr val="000000"/>
+                        </a:solidFill>
+                        <a:effectLst/>
+                        <a:latin typeface="Calibri" panose="020F0502020204030204" pitchFamily="34" charset="0"/>
+                      </a:endParaRPr>
+                    </a:p>
+                  </a:txBody>
+                  <a:tcPr marL="7620" marR="7620" marT="7620" marB="0" anchor="b"/>
+                </a:tc>
+                <a:tc>
+                  <a:txBody>
+                    <a:bodyPr/>
+                    <a:lstStyle/>
+                    <a:p>
+                      <a:pPr algn="l" fontAlgn="b"/>
+                      <a:r>
+                        <a:rPr lang="pt-BR" sz="1100" u="none" strike="noStrike">
+                          <a:effectLst/>
+                        </a:rPr>
+                        <a:t>Em processo</a:t>
+                      </a:r>
+                      <a:endParaRPr lang="pt-BR" sz="1100" b="0" i="0" u="none" strike="noStrike">
+                        <a:solidFill>
+                          <a:srgbClr val="000000"/>
+                        </a:solidFill>
+                        <a:effectLst/>
+                        <a:latin typeface="Calibri" panose="020F0502020204030204" pitchFamily="34" charset="0"/>
+                      </a:endParaRPr>
+                    </a:p>
+                  </a:txBody>
+                  <a:tcPr marL="7620" marR="7620" marT="7620" marB="0" anchor="b"/>
+                </a:tc>
+                <a:extLst>
+                  <a:ext uri="{0D108BD9-81ED-4DB2-BD59-A6C34878D82A}">
+                    <a16:rowId xmlns:a16="http://schemas.microsoft.com/office/drawing/2014/main" val="3937821033"/>
+                  </a:ext>
+                </a:extLst>
+              </a:tr>
+              <a:tr h="343643">
+                <a:tc>
+                  <a:txBody>
+                    <a:bodyPr/>
+                    <a:lstStyle/>
+                    <a:p>
+                      <a:pPr algn="l" fontAlgn="b"/>
+                      <a:r>
+                        <a:rPr lang="pt-BR" sz="1100" u="none" strike="noStrike">
+                          <a:effectLst/>
+                        </a:rPr>
+                        <a:t>Envio dos Sensores</a:t>
+                      </a:r>
+                      <a:endParaRPr lang="pt-BR" sz="1100" b="0" i="0" u="none" strike="noStrike">
+                        <a:solidFill>
+                          <a:srgbClr val="000000"/>
+                        </a:solidFill>
+                        <a:effectLst/>
+                        <a:latin typeface="Calibri" panose="020F0502020204030204" pitchFamily="34" charset="0"/>
+                      </a:endParaRPr>
+                    </a:p>
+                  </a:txBody>
+                  <a:tcPr marL="7620" marR="7620" marT="7620" marB="0" anchor="b"/>
+                </a:tc>
+                <a:tc>
+                  <a:txBody>
+                    <a:bodyPr/>
+                    <a:lstStyle/>
+                    <a:p>
+                      <a:pPr algn="l" fontAlgn="b"/>
+                      <a:r>
+                        <a:rPr lang="pt-BR" sz="1100" u="none" strike="noStrike">
+                          <a:effectLst/>
+                        </a:rPr>
+                        <a:t>Essencial</a:t>
+                      </a:r>
+                      <a:endParaRPr lang="pt-BR" sz="1100" b="0" i="0" u="none" strike="noStrike">
+                        <a:solidFill>
+                          <a:srgbClr val="000000"/>
+                        </a:solidFill>
+                        <a:effectLst/>
+                        <a:latin typeface="Calibri" panose="020F0502020204030204" pitchFamily="34" charset="0"/>
+                      </a:endParaRPr>
+                    </a:p>
+                  </a:txBody>
+                  <a:tcPr marL="7620" marR="7620" marT="7620" marB="0" anchor="b"/>
+                </a:tc>
+                <a:tc>
+                  <a:txBody>
+                    <a:bodyPr/>
+                    <a:lstStyle/>
+                    <a:p>
+                      <a:pPr algn="l" fontAlgn="b"/>
+                      <a:r>
+                        <a:rPr lang="pt-BR" sz="1100" u="none" strike="noStrike">
+                          <a:effectLst/>
+                        </a:rPr>
+                        <a:t>Em processo</a:t>
+                      </a:r>
+                      <a:endParaRPr lang="pt-BR" sz="1100" b="0" i="0" u="none" strike="noStrike">
+                        <a:solidFill>
+                          <a:srgbClr val="000000"/>
+                        </a:solidFill>
+                        <a:effectLst/>
+                        <a:latin typeface="Calibri" panose="020F0502020204030204" pitchFamily="34" charset="0"/>
+                      </a:endParaRPr>
+                    </a:p>
+                  </a:txBody>
+                  <a:tcPr marL="7620" marR="7620" marT="7620" marB="0" anchor="b"/>
+                </a:tc>
+                <a:extLst>
+                  <a:ext uri="{0D108BD9-81ED-4DB2-BD59-A6C34878D82A}">
+                    <a16:rowId xmlns:a16="http://schemas.microsoft.com/office/drawing/2014/main" val="3253901477"/>
+                  </a:ext>
+                </a:extLst>
+              </a:tr>
+              <a:tr h="343643">
+                <a:tc>
+                  <a:txBody>
+                    <a:bodyPr/>
+                    <a:lstStyle/>
+                    <a:p>
+                      <a:pPr algn="l" fontAlgn="b"/>
+                      <a:r>
+                        <a:rPr lang="pt-BR" sz="1100" u="none" strike="noStrike">
+                          <a:effectLst/>
+                        </a:rPr>
+                        <a:t>Incorporação do Banco de Dados</a:t>
+                      </a:r>
+                      <a:endParaRPr lang="pt-BR" sz="1100" b="0" i="0" u="none" strike="noStrike">
+                        <a:solidFill>
+                          <a:srgbClr val="000000"/>
+                        </a:solidFill>
+                        <a:effectLst/>
+                        <a:latin typeface="Calibri" panose="020F0502020204030204" pitchFamily="34" charset="0"/>
+                      </a:endParaRPr>
+                    </a:p>
+                  </a:txBody>
+                  <a:tcPr marL="7620" marR="7620" marT="7620" marB="0" anchor="b"/>
+                </a:tc>
+                <a:tc>
+                  <a:txBody>
+                    <a:bodyPr/>
+                    <a:lstStyle/>
+                    <a:p>
+                      <a:pPr algn="l" fontAlgn="b"/>
+                      <a:r>
+                        <a:rPr lang="pt-BR" sz="1100" u="none" strike="noStrike">
+                          <a:effectLst/>
+                        </a:rPr>
+                        <a:t>Essencial</a:t>
+                      </a:r>
+                      <a:endParaRPr lang="pt-BR" sz="1100" b="0" i="0" u="none" strike="noStrike">
+                        <a:solidFill>
+                          <a:srgbClr val="000000"/>
+                        </a:solidFill>
+                        <a:effectLst/>
+                        <a:latin typeface="Calibri" panose="020F0502020204030204" pitchFamily="34" charset="0"/>
+                      </a:endParaRPr>
+                    </a:p>
+                  </a:txBody>
+                  <a:tcPr marL="7620" marR="7620" marT="7620" marB="0" anchor="b"/>
+                </a:tc>
+                <a:tc>
+                  <a:txBody>
+                    <a:bodyPr/>
+                    <a:lstStyle/>
+                    <a:p>
+                      <a:pPr algn="l" fontAlgn="b"/>
+                      <a:r>
+                        <a:rPr lang="pt-BR" sz="1100" u="none" strike="noStrike">
+                          <a:effectLst/>
+                        </a:rPr>
+                        <a:t>Em processo</a:t>
+                      </a:r>
+                      <a:endParaRPr lang="pt-BR" sz="1100" b="0" i="0" u="none" strike="noStrike">
+                        <a:solidFill>
+                          <a:srgbClr val="000000"/>
+                        </a:solidFill>
+                        <a:effectLst/>
+                        <a:latin typeface="Calibri" panose="020F0502020204030204" pitchFamily="34" charset="0"/>
+                      </a:endParaRPr>
+                    </a:p>
+                  </a:txBody>
+                  <a:tcPr marL="7620" marR="7620" marT="7620" marB="0" anchor="b"/>
+                </a:tc>
+                <a:extLst>
+                  <a:ext uri="{0D108BD9-81ED-4DB2-BD59-A6C34878D82A}">
+                    <a16:rowId xmlns:a16="http://schemas.microsoft.com/office/drawing/2014/main" val="4290864566"/>
+                  </a:ext>
+                </a:extLst>
+              </a:tr>
+              <a:tr h="343643">
+                <a:tc>
+                  <a:txBody>
+                    <a:bodyPr/>
+                    <a:lstStyle/>
+                    <a:p>
+                      <a:pPr algn="l" fontAlgn="b"/>
+                      <a:r>
+                        <a:rPr lang="pt-BR" sz="1100" u="none" strike="noStrike">
+                          <a:effectLst/>
+                        </a:rPr>
+                        <a:t>FeedBack / Comentários</a:t>
+                      </a:r>
+                      <a:endParaRPr lang="pt-BR" sz="1100" b="0" i="0" u="none" strike="noStrike">
+                        <a:solidFill>
+                          <a:srgbClr val="000000"/>
+                        </a:solidFill>
+                        <a:effectLst/>
+                        <a:latin typeface="Calibri" panose="020F0502020204030204" pitchFamily="34" charset="0"/>
+                      </a:endParaRPr>
+                    </a:p>
+                  </a:txBody>
+                  <a:tcPr marL="7620" marR="7620" marT="7620" marB="0" anchor="b"/>
+                </a:tc>
+                <a:tc>
+                  <a:txBody>
+                    <a:bodyPr/>
+                    <a:lstStyle/>
+                    <a:p>
+                      <a:pPr algn="l" fontAlgn="b"/>
+                      <a:r>
+                        <a:rPr lang="pt-BR" sz="1100" u="none" strike="noStrike">
+                          <a:effectLst/>
+                        </a:rPr>
+                        <a:t>Desejável</a:t>
+                      </a:r>
+                      <a:endParaRPr lang="pt-BR" sz="1100" b="0" i="0" u="none" strike="noStrike">
+                        <a:solidFill>
+                          <a:srgbClr val="000000"/>
+                        </a:solidFill>
+                        <a:effectLst/>
+                        <a:latin typeface="Calibri" panose="020F0502020204030204" pitchFamily="34" charset="0"/>
+                      </a:endParaRPr>
+                    </a:p>
+                  </a:txBody>
+                  <a:tcPr marL="7620" marR="7620" marT="7620" marB="0" anchor="b"/>
+                </a:tc>
+                <a:tc>
+                  <a:txBody>
+                    <a:bodyPr/>
+                    <a:lstStyle/>
+                    <a:p>
+                      <a:pPr algn="l" fontAlgn="b"/>
+                      <a:r>
+                        <a:rPr lang="pt-BR" sz="1100" u="none" strike="noStrike">
+                          <a:effectLst/>
+                        </a:rPr>
+                        <a:t>Em processo</a:t>
+                      </a:r>
+                      <a:endParaRPr lang="pt-BR" sz="1100" b="0" i="0" u="none" strike="noStrike">
+                        <a:solidFill>
+                          <a:srgbClr val="000000"/>
+                        </a:solidFill>
+                        <a:effectLst/>
+                        <a:latin typeface="Calibri" panose="020F0502020204030204" pitchFamily="34" charset="0"/>
+                      </a:endParaRPr>
+                    </a:p>
+                  </a:txBody>
+                  <a:tcPr marL="7620" marR="7620" marT="7620" marB="0" anchor="b"/>
+                </a:tc>
+                <a:extLst>
+                  <a:ext uri="{0D108BD9-81ED-4DB2-BD59-A6C34878D82A}">
+                    <a16:rowId xmlns:a16="http://schemas.microsoft.com/office/drawing/2014/main" val="1728612997"/>
+                  </a:ext>
+                </a:extLst>
+              </a:tr>
+              <a:tr h="343643">
+                <a:tc>
+                  <a:txBody>
+                    <a:bodyPr/>
+                    <a:lstStyle/>
+                    <a:p>
+                      <a:pPr algn="l" fontAlgn="b"/>
+                      <a:r>
+                        <a:rPr lang="pt-BR" sz="1100" u="none" strike="noStrike">
+                          <a:effectLst/>
+                        </a:rPr>
+                        <a:t>Dashboard</a:t>
+                      </a:r>
+                      <a:endParaRPr lang="pt-BR" sz="1100" b="0" i="0" u="none" strike="noStrike">
+                        <a:solidFill>
+                          <a:srgbClr val="000000"/>
+                        </a:solidFill>
+                        <a:effectLst/>
+                        <a:latin typeface="Calibri" panose="020F0502020204030204" pitchFamily="34" charset="0"/>
+                      </a:endParaRPr>
+                    </a:p>
+                  </a:txBody>
+                  <a:tcPr marL="7620" marR="7620" marT="7620" marB="0" anchor="b"/>
+                </a:tc>
+                <a:tc>
+                  <a:txBody>
+                    <a:bodyPr/>
+                    <a:lstStyle/>
+                    <a:p>
+                      <a:pPr algn="l" fontAlgn="b"/>
+                      <a:r>
+                        <a:rPr lang="pt-BR" sz="1100" u="none" strike="noStrike">
+                          <a:effectLst/>
+                        </a:rPr>
+                        <a:t>Importante</a:t>
+                      </a:r>
+                      <a:endParaRPr lang="pt-BR" sz="1100" b="0" i="0" u="none" strike="noStrike">
+                        <a:solidFill>
+                          <a:srgbClr val="000000"/>
+                        </a:solidFill>
+                        <a:effectLst/>
+                        <a:latin typeface="Calibri" panose="020F0502020204030204" pitchFamily="34" charset="0"/>
+                      </a:endParaRPr>
+                    </a:p>
+                  </a:txBody>
+                  <a:tcPr marL="7620" marR="7620" marT="7620" marB="0" anchor="b"/>
+                </a:tc>
+                <a:tc>
+                  <a:txBody>
+                    <a:bodyPr/>
+                    <a:lstStyle/>
+                    <a:p>
+                      <a:pPr algn="l" fontAlgn="b"/>
+                      <a:r>
+                        <a:rPr lang="pt-BR" sz="1100" u="none" strike="noStrike" dirty="0">
+                          <a:effectLst/>
+                        </a:rPr>
+                        <a:t>Em processo</a:t>
+                      </a:r>
+                      <a:endParaRPr lang="pt-BR" sz="1100" b="0" i="0" u="none" strike="noStrike" dirty="0">
+                        <a:solidFill>
+                          <a:srgbClr val="000000"/>
+                        </a:solidFill>
+                        <a:effectLst/>
+                        <a:latin typeface="Calibri" panose="020F0502020204030204" pitchFamily="34" charset="0"/>
+                      </a:endParaRPr>
+                    </a:p>
+                  </a:txBody>
+                  <a:tcPr marL="7620" marR="7620" marT="7620" marB="0" anchor="b"/>
+                </a:tc>
+                <a:extLst>
+                  <a:ext uri="{0D108BD9-81ED-4DB2-BD59-A6C34878D82A}">
+                    <a16:rowId xmlns:a16="http://schemas.microsoft.com/office/drawing/2014/main" val="2136911296"/>
+                  </a:ext>
+                </a:extLst>
+              </a:tr>
+            </a:tbl>
+          </a:graphicData>
+        </a:graphic>
+      </p:graphicFrame>
+    </p:spTree>
+    <p:extLst>
+      <p:ext uri="{BB962C8B-B14F-4D97-AF65-F5344CB8AC3E}">
+        <p14:creationId xmlns:p14="http://schemas.microsoft.com/office/powerpoint/2010/main" val="2156074104"/>
+      </p:ext>
+    </p:extLst>
+  </p:cSld>
+  <p:clrMapOvr>
+    <a:masterClrMapping/>
+  </p:clrMapOvr>
+</p:sld>
+</file>
+
+<file path=ppt/slides/slide7.xml><?xml version="1.0" encoding="utf-8"?>
+<p:sld xmlns:a="http://schemas.openxmlformats.org/drawingml/2006/main" xmlns:r="http://schemas.openxmlformats.org/officeDocument/2006/relationships" xmlns:p="http://schemas.openxmlformats.org/presentationml/2006/main">
+  <p:cSld>
+    <p:spTree>
+      <p:nvGrpSpPr>
+        <p:cNvPr id="1" name=""/>
+        <p:cNvGrpSpPr/>
+        <p:nvPr/>
+      </p:nvGrpSpPr>
+      <p:grpSpPr>
+        <a:xfrm>
+          <a:off x="0" y="0"/>
+          <a:ext cx="0" cy="0"/>
+          <a:chOff x="0" y="0"/>
+          <a:chExt cx="0" cy="0"/>
+        </a:xfrm>
+      </p:grpSpPr>
+      <p:sp>
+        <p:nvSpPr>
+          <p:cNvPr id="11" name="Título 10">
+            <a:extLst>
+              <a:ext uri="{FF2B5EF4-FFF2-40B4-BE49-F238E27FC236}">
+                <a16:creationId xmlns:a16="http://schemas.microsoft.com/office/drawing/2014/main" id="{04ABDAF7-BFCA-4B52-805A-736887EB7C85}"/>
+              </a:ext>
+            </a:extLst>
+          </p:cNvPr>
+          <p:cNvSpPr>
+            <a:spLocks noGrp="1"/>
+          </p:cNvSpPr>
+          <p:nvPr>
+            <p:ph type="title"/>
+          </p:nvPr>
+        </p:nvSpPr>
+        <p:spPr/>
+        <p:txBody>
+          <a:bodyPr rtlCol="0"/>
+          <a:lstStyle/>
+          <a:p>
+            <a:pPr rtl="0"/>
+            <a:r>
+              <a:rPr lang="pt-BR" dirty="0"/>
+              <a:t>Diagrama de negocio</a:t>
+            </a:r>
+          </a:p>
+        </p:txBody>
+      </p:sp>
+      <p:pic>
+        <p:nvPicPr>
+          <p:cNvPr id="5" name="Imagem 4">
+            <a:extLst>
+              <a:ext uri="{FF2B5EF4-FFF2-40B4-BE49-F238E27FC236}">
+                <a16:creationId xmlns:a16="http://schemas.microsoft.com/office/drawing/2014/main" id="{0CA3EF4B-E4D8-3053-6CFD-77BBF4C42DC0}"/>
+              </a:ext>
+            </a:extLst>
+          </p:cNvPr>
+          <p:cNvPicPr>
+            <a:picLocks noChangeAspect="1"/>
+          </p:cNvPicPr>
+          <p:nvPr/>
+        </p:nvPicPr>
+        <p:blipFill>
+          <a:blip r:embed="rId3"/>
+          <a:stretch>
+            <a:fillRect/>
+          </a:stretch>
+        </p:blipFill>
+        <p:spPr>
+          <a:xfrm>
+            <a:off x="3712464" y="1639983"/>
+            <a:ext cx="4767072" cy="4767072"/>
+          </a:xfrm>
+          <a:prstGeom prst="rect">
+            <a:avLst/>
+          </a:prstGeom>
+        </p:spPr>
+      </p:pic>
+      <p:pic>
+        <p:nvPicPr>
+          <p:cNvPr id="6" name="Espaço Reservado para Imagem 32" descr="Grãos de Café">
+            <a:extLst>
+              <a:ext uri="{FF2B5EF4-FFF2-40B4-BE49-F238E27FC236}">
+                <a16:creationId xmlns:a16="http://schemas.microsoft.com/office/drawing/2014/main" id="{802A2F84-CBCB-AF89-1FBC-C4C28C58F58C}"/>
+              </a:ext>
+            </a:extLst>
+          </p:cNvPr>
+          <p:cNvPicPr>
+            <a:picLocks noChangeAspect="1"/>
+          </p:cNvPicPr>
+          <p:nvPr/>
+        </p:nvPicPr>
+        <p:blipFill rotWithShape="1">
+          <a:blip r:embed="rId4" cstate="screen">
+            <a:extLst>
+              <a:ext uri="{28A0092B-C50C-407E-A947-70E740481C1C}">
+                <a14:useLocalDpi xmlns:a14="http://schemas.microsoft.com/office/drawing/2010/main" val="0"/>
+              </a:ext>
+            </a:extLst>
+          </a:blip>
+          <a:srcRect t="183" b="183"/>
+          <a:stretch/>
+        </p:blipFill>
+        <p:spPr>
+          <a:xfrm>
+            <a:off x="9889048" y="518753"/>
+            <a:ext cx="2302952" cy="5820494"/>
+          </a:xfrm>
+          <a:custGeom>
+            <a:avLst/>
+            <a:gdLst>
+              <a:gd name="connsiteX0" fmla="*/ 2302952 w 2302952"/>
+              <a:gd name="connsiteY0" fmla="*/ 0 h 5820494"/>
+              <a:gd name="connsiteX1" fmla="*/ 2302951 w 2302952"/>
+              <a:gd name="connsiteY1" fmla="*/ 5489408 h 5820494"/>
+              <a:gd name="connsiteX2" fmla="*/ 2214998 w 2302952"/>
+              <a:gd name="connsiteY2" fmla="*/ 5568668 h 5820494"/>
+              <a:gd name="connsiteX3" fmla="*/ 980229 w 2302952"/>
+              <a:gd name="connsiteY3" fmla="*/ 5533905 h 5820494"/>
+              <a:gd name="connsiteX4" fmla="*/ 34664 w 2302952"/>
+              <a:gd name="connsiteY4" fmla="*/ 2458684 h 5820494"/>
+              <a:gd name="connsiteX5" fmla="*/ 962915 w 2302952"/>
+              <a:gd name="connsiteY5" fmla="*/ 888011 h 5820494"/>
+              <a:gd name="connsiteX6" fmla="*/ 2089185 w 2302952"/>
+              <a:gd name="connsiteY6" fmla="*/ 110594 h 5820494"/>
+            </a:gdLst>
+            <a:ahLst/>
+            <a:cxnLst>
+              <a:cxn ang="0">
+                <a:pos x="connsiteX0" y="connsiteY0"/>
+              </a:cxn>
+              <a:cxn ang="0">
+                <a:pos x="connsiteX1" y="connsiteY1"/>
+              </a:cxn>
+              <a:cxn ang="0">
+                <a:pos x="connsiteX2" y="connsiteY2"/>
+              </a:cxn>
+              <a:cxn ang="0">
+                <a:pos x="connsiteX3" y="connsiteY3"/>
+              </a:cxn>
+              <a:cxn ang="0">
+                <a:pos x="connsiteX4" y="connsiteY4"/>
+              </a:cxn>
+              <a:cxn ang="0">
+                <a:pos x="connsiteX5" y="connsiteY5"/>
+              </a:cxn>
+              <a:cxn ang="0">
+                <a:pos x="connsiteX6" y="connsiteY6"/>
+              </a:cxn>
+            </a:cxnLst>
+            <a:rect l="l" t="t" r="r" b="b"/>
+            <a:pathLst>
+              <a:path w="2302952" h="5820494">
+                <a:moveTo>
+                  <a:pt x="2302952" y="0"/>
+                </a:moveTo>
+                <a:lnTo>
+                  <a:pt x="2302951" y="5489408"/>
+                </a:lnTo>
+                <a:lnTo>
+                  <a:pt x="2214998" y="5568668"/>
+                </a:lnTo>
+                <a:cubicBezTo>
+                  <a:pt x="1859218" y="5862586"/>
+                  <a:pt x="1445746" y="5956656"/>
+                  <a:pt x="980229" y="5533905"/>
+                </a:cubicBezTo>
+                <a:cubicBezTo>
+                  <a:pt x="245766" y="4867048"/>
+                  <a:pt x="-119012" y="3425160"/>
+                  <a:pt x="34664" y="2458684"/>
+                </a:cubicBezTo>
+                <a:cubicBezTo>
+                  <a:pt x="135459" y="1823441"/>
+                  <a:pt x="507389" y="1284554"/>
+                  <a:pt x="962915" y="888011"/>
+                </a:cubicBezTo>
+                <a:cubicBezTo>
+                  <a:pt x="1150308" y="724995"/>
+                  <a:pt x="1591681" y="387625"/>
+                  <a:pt x="2089185" y="110594"/>
+                </a:cubicBezTo>
+                <a:close/>
+              </a:path>
+            </a:pathLst>
+          </a:custGeom>
+        </p:spPr>
+      </p:pic>
+      <p:pic>
+        <p:nvPicPr>
+          <p:cNvPr id="7" name="Espaço Reservado para Imagem 17" descr="Café em uma mesa de madeira com água ">
+            <a:extLst>
+              <a:ext uri="{FF2B5EF4-FFF2-40B4-BE49-F238E27FC236}">
+                <a16:creationId xmlns:a16="http://schemas.microsoft.com/office/drawing/2014/main" id="{F7E8A95D-CB09-B94B-0239-61D4F2D7E613}"/>
+              </a:ext>
+            </a:extLst>
+          </p:cNvPr>
+          <p:cNvPicPr>
+            <a:picLocks noChangeAspect="1"/>
+          </p:cNvPicPr>
+          <p:nvPr/>
+        </p:nvPicPr>
+        <p:blipFill rotWithShape="1">
+          <a:blip r:embed="rId5" cstate="screen">
+            <a:extLst>
+              <a:ext uri="{28A0092B-C50C-407E-A947-70E740481C1C}">
+                <a14:useLocalDpi xmlns:a14="http://schemas.microsoft.com/office/drawing/2010/main" val="0"/>
+              </a:ext>
+            </a:extLst>
+          </a:blip>
+          <a:srcRect t="39" b="39"/>
+          <a:stretch/>
+        </p:blipFill>
+        <p:spPr>
+          <a:xfrm>
+            <a:off x="0" y="2650923"/>
+            <a:ext cx="2915897" cy="3150803"/>
+          </a:xfrm>
+          <a:custGeom>
+            <a:avLst/>
+            <a:gdLst>
+              <a:gd name="connsiteX0" fmla="*/ 0 w 2915897"/>
+              <a:gd name="connsiteY0" fmla="*/ 0 h 3150803"/>
+              <a:gd name="connsiteX1" fmla="*/ 2037171 w 2915897"/>
+              <a:gd name="connsiteY1" fmla="*/ 0 h 3150803"/>
+              <a:gd name="connsiteX2" fmla="*/ 2234023 w 2915897"/>
+              <a:gd name="connsiteY2" fmla="*/ 188447 h 3150803"/>
+              <a:gd name="connsiteX3" fmla="*/ 2442937 w 2915897"/>
+              <a:gd name="connsiteY3" fmla="*/ 385917 h 3150803"/>
+              <a:gd name="connsiteX4" fmla="*/ 2833858 w 2915897"/>
+              <a:gd name="connsiteY4" fmla="*/ 927137 h 3150803"/>
+              <a:gd name="connsiteX5" fmla="*/ 2858599 w 2915897"/>
+              <a:gd name="connsiteY5" fmla="*/ 1740110 h 3150803"/>
+              <a:gd name="connsiteX6" fmla="*/ 2478276 w 2915897"/>
+              <a:gd name="connsiteY6" fmla="*/ 2549381 h 3150803"/>
+              <a:gd name="connsiteX7" fmla="*/ 692855 w 2915897"/>
+              <a:gd name="connsiteY7" fmla="*/ 3125784 h 3150803"/>
+              <a:gd name="connsiteX8" fmla="*/ 71916 w 2915897"/>
+              <a:gd name="connsiteY8" fmla="*/ 3033613 h 3150803"/>
+              <a:gd name="connsiteX9" fmla="*/ 0 w 2915897"/>
+              <a:gd name="connsiteY9" fmla="*/ 3010677 h 3150803"/>
+            </a:gdLst>
+            <a:ahLst/>
+            <a:cxnLst>
+              <a:cxn ang="0">
+                <a:pos x="connsiteX0" y="connsiteY0"/>
+              </a:cxn>
+              <a:cxn ang="0">
+                <a:pos x="connsiteX1" y="connsiteY1"/>
+              </a:cxn>
+              <a:cxn ang="0">
+                <a:pos x="connsiteX2" y="connsiteY2"/>
+              </a:cxn>
+              <a:cxn ang="0">
+                <a:pos x="connsiteX3" y="connsiteY3"/>
+              </a:cxn>
+              <a:cxn ang="0">
+                <a:pos x="connsiteX4" y="connsiteY4"/>
+              </a:cxn>
+              <a:cxn ang="0">
+                <a:pos x="connsiteX5" y="connsiteY5"/>
+              </a:cxn>
+              <a:cxn ang="0">
+                <a:pos x="connsiteX6" y="connsiteY6"/>
+              </a:cxn>
+              <a:cxn ang="0">
+                <a:pos x="connsiteX7" y="connsiteY7"/>
+              </a:cxn>
+              <a:cxn ang="0">
+                <a:pos x="connsiteX8" y="connsiteY8"/>
+              </a:cxn>
+              <a:cxn ang="0">
+                <a:pos x="connsiteX9" y="connsiteY9"/>
+              </a:cxn>
+            </a:cxnLst>
+            <a:rect l="l" t="t" r="r" b="b"/>
+            <a:pathLst>
+              <a:path w="2915897" h="3150803">
+                <a:moveTo>
+                  <a:pt x="0" y="0"/>
+                </a:moveTo>
+                <a:lnTo>
+                  <a:pt x="2037171" y="0"/>
+                </a:lnTo>
+                <a:lnTo>
+                  <a:pt x="2234023" y="188447"/>
+                </a:lnTo>
+                <a:cubicBezTo>
+                  <a:pt x="2304388" y="255540"/>
+                  <a:pt x="2374048" y="321538"/>
+                  <a:pt x="2442937" y="385917"/>
+                </a:cubicBezTo>
+                <a:cubicBezTo>
+                  <a:pt x="2635661" y="565992"/>
+                  <a:pt x="2760928" y="746433"/>
+                  <a:pt x="2833858" y="927137"/>
+                </a:cubicBezTo>
+                <a:cubicBezTo>
+                  <a:pt x="2943221" y="1198077"/>
+                  <a:pt x="2934665" y="1469402"/>
+                  <a:pt x="2858599" y="1740110"/>
+                </a:cubicBezTo>
+                <a:cubicBezTo>
+                  <a:pt x="2782532" y="2010817"/>
+                  <a:pt x="2638953" y="2280908"/>
+                  <a:pt x="2478276" y="2549381"/>
+                </a:cubicBezTo>
+                <a:cubicBezTo>
+                  <a:pt x="2104926" y="3173402"/>
+                  <a:pt x="1445175" y="3189854"/>
+                  <a:pt x="692855" y="3125784"/>
+                </a:cubicBezTo>
+                <a:cubicBezTo>
+                  <a:pt x="472468" y="3106996"/>
+                  <a:pt x="261198" y="3087734"/>
+                  <a:pt x="71916" y="3033613"/>
+                </a:cubicBezTo>
+                <a:lnTo>
+                  <a:pt x="0" y="3010677"/>
+                </a:lnTo>
+                <a:close/>
+              </a:path>
+            </a:pathLst>
+          </a:custGeom>
+        </p:spPr>
+      </p:pic>
+    </p:spTree>
+    <p:extLst>
+      <p:ext uri="{BB962C8B-B14F-4D97-AF65-F5344CB8AC3E}">
+        <p14:creationId xmlns:p14="http://schemas.microsoft.com/office/powerpoint/2010/main" val="1883819263"/>
+      </p:ext>
+    </p:extLst>
+  </p:cSld>
+  <p:clrMapOvr>
+    <a:masterClrMapping/>
+  </p:clrMapOvr>
+</p:sld>
+</file>
+
+<file path=ppt/slides/slide8.xml><?xml version="1.0" encoding="utf-8"?>
+<p:sld xmlns:a="http://schemas.openxmlformats.org/drawingml/2006/main" xmlns:r="http://schemas.openxmlformats.org/officeDocument/2006/relationships" xmlns:p="http://schemas.openxmlformats.org/presentationml/2006/main">
+  <p:cSld>
+    <p:spTree>
+      <p:nvGrpSpPr>
+        <p:cNvPr id="1" name=""/>
+        <p:cNvGrpSpPr/>
+        <p:nvPr/>
+      </p:nvGrpSpPr>
+      <p:grpSpPr>
+        <a:xfrm>
+          <a:off x="0" y="0"/>
+          <a:ext cx="0" cy="0"/>
+          <a:chOff x="0" y="0"/>
+          <a:chExt cx="0" cy="0"/>
+        </a:xfrm>
+      </p:grpSpPr>
+      <p:sp>
+        <p:nvSpPr>
+          <p:cNvPr id="5" name="Título 4">
+            <a:extLst>
+              <a:ext uri="{FF2B5EF4-FFF2-40B4-BE49-F238E27FC236}">
+                <a16:creationId xmlns:a16="http://schemas.microsoft.com/office/drawing/2014/main" id="{9175A73F-B407-4F1B-BA54-CF25554AD2A4}"/>
+              </a:ext>
+            </a:extLst>
+          </p:cNvPr>
+          <p:cNvSpPr>
+            <a:spLocks noGrp="1"/>
+          </p:cNvSpPr>
+          <p:nvPr>
+            <p:ph type="title"/>
+          </p:nvPr>
+        </p:nvSpPr>
+        <p:spPr>
+          <a:xfrm>
+            <a:off x="345625" y="265191"/>
+            <a:ext cx="10515600" cy="1325563"/>
+          </a:xfrm>
+        </p:spPr>
+        <p:txBody>
+          <a:bodyPr rtlCol="0"/>
+          <a:lstStyle/>
+          <a:p>
+            <a:pPr rtl="0"/>
+            <a:r>
+              <a:rPr lang="pt-BR" dirty="0"/>
+              <a:t>Ferramenta escolhida para gestão</a:t>
+            </a:r>
+          </a:p>
+        </p:txBody>
+      </p:sp>
+      <p:sp>
+        <p:nvSpPr>
+          <p:cNvPr id="10" name="Espaço Reservado para Conteúdo 3">
+            <a:extLst>
+              <a:ext uri="{FF2B5EF4-FFF2-40B4-BE49-F238E27FC236}">
+                <a16:creationId xmlns:a16="http://schemas.microsoft.com/office/drawing/2014/main" id="{3E03A7A2-3011-6EC6-27C0-B86F5C58F31A}"/>
               </a:ext>
             </a:extLst>
           </p:cNvPr>
@@ -13026,8 +14060,8 @@
         </p:nvSpPr>
         <p:spPr>
           <a:xfrm>
-            <a:off x="9242867" y="2219195"/>
-            <a:ext cx="2593597" cy="3048000"/>
+            <a:off x="838199" y="1999376"/>
+            <a:ext cx="5151119" cy="3048000"/>
           </a:xfrm>
           <a:prstGeom prst="rect">
             <a:avLst/>
@@ -13202,91 +14236,16 @@
             </a:lvl9pPr>
           </a:lstStyle>
           <a:p>
-            <a:pPr>
-              <a:spcBef>
-                <a:spcPts val="200"/>
-              </a:spcBef>
-              <a:spcAft>
-                <a:spcPts val="200"/>
-              </a:spcAft>
-            </a:pPr>
-            <a:r>
-              <a:rPr lang="pt-BR" sz="1800" kern="1000" dirty="0">
-                <a:effectLst/>
-                <a:latin typeface="Simplon Mono"/>
-                <a:ea typeface="Calibri" panose="020F0502020204030204" pitchFamily="34" charset="0"/>
-                <a:cs typeface="Times New Roman" panose="02020603050405020304" pitchFamily="18" charset="0"/>
-              </a:rPr>
-              <a:t>Escolhemos o Trello pelo fato dele utilizar o método kanban que significa cartão ou post-its. E pela facilidade que ele traz na hora de editar ou adicionar algo a mais e também pelo fato dele ser gratuito.</a:t>
-            </a:r>
-          </a:p>
-        </p:txBody>
-      </p:sp>
-    </p:spTree>
-    <p:extLst>
-      <p:ext uri="{BB962C8B-B14F-4D97-AF65-F5344CB8AC3E}">
-        <p14:creationId xmlns:p14="http://schemas.microsoft.com/office/powerpoint/2010/main" val="947216270"/>
-      </p:ext>
-    </p:extLst>
-  </p:cSld>
-  <p:clrMapOvr>
-    <a:masterClrMapping/>
-  </p:clrMapOvr>
-</p:sld>
-</file>
-
-<file path=ppt/slides/slide8.xml><?xml version="1.0" encoding="utf-8"?>
-<p:sld xmlns:a="http://schemas.openxmlformats.org/drawingml/2006/main" xmlns:r="http://schemas.openxmlformats.org/officeDocument/2006/relationships" xmlns:p="http://schemas.openxmlformats.org/presentationml/2006/main">
-  <p:cSld>
-    <p:spTree>
-      <p:nvGrpSpPr>
-        <p:cNvPr id="1" name=""/>
-        <p:cNvGrpSpPr/>
-        <p:nvPr/>
-      </p:nvGrpSpPr>
-      <p:grpSpPr>
-        <a:xfrm>
-          <a:off x="0" y="0"/>
-          <a:ext cx="0" cy="0"/>
-          <a:chOff x="0" y="0"/>
-          <a:chExt cx="0" cy="0"/>
-        </a:xfrm>
-      </p:grpSpPr>
-      <p:sp>
-        <p:nvSpPr>
-          <p:cNvPr id="11" name="Título 10">
+            <a:endParaRPr lang="pt-BR" sz="1400" dirty="0"/>
+          </a:p>
+        </p:txBody>
+      </p:sp>
+      <p:pic>
+        <p:nvPicPr>
+          <p:cNvPr id="12" name="Imagem 11">
             <a:extLst>
               <a:ext uri="{FF2B5EF4-FFF2-40B4-BE49-F238E27FC236}">
-                <a16:creationId xmlns:a16="http://schemas.microsoft.com/office/drawing/2014/main" id="{04ABDAF7-BFCA-4B52-805A-736887EB7C85}"/>
-              </a:ext>
-            </a:extLst>
-          </p:cNvPr>
-          <p:cNvSpPr>
-            <a:spLocks noGrp="1"/>
-          </p:cNvSpPr>
-          <p:nvPr>
-            <p:ph type="title"/>
-          </p:nvPr>
-        </p:nvSpPr>
-        <p:spPr/>
-        <p:txBody>
-          <a:bodyPr rtlCol="0"/>
-          <a:lstStyle/>
-          <a:p>
-            <a:pPr rtl="0"/>
-            <a:r>
-              <a:rPr lang="pt-BR" dirty="0"/>
-              <a:t>Diagrama de negocio</a:t>
-            </a:r>
-          </a:p>
-        </p:txBody>
-      </p:sp>
-      <p:pic>
-        <p:nvPicPr>
-          <p:cNvPr id="5" name="Imagem 4">
-            <a:extLst>
-              <a:ext uri="{FF2B5EF4-FFF2-40B4-BE49-F238E27FC236}">
-                <a16:creationId xmlns:a16="http://schemas.microsoft.com/office/drawing/2014/main" id="{0CA3EF4B-E4D8-3053-6CFD-77BBF4C42DC0}"/>
+                <a16:creationId xmlns:a16="http://schemas.microsoft.com/office/drawing/2014/main" id="{1026D103-DF44-57A3-0176-CD265A41BDB6}"/>
               </a:ext>
             </a:extLst>
           </p:cNvPr>
@@ -13296,273 +14255,237 @@
           <p:nvPr/>
         </p:nvPicPr>
         <p:blipFill>
-          <a:blip r:embed="rId3"/>
+          <a:blip r:embed="rId2"/>
           <a:stretch>
             <a:fillRect/>
           </a:stretch>
         </p:blipFill>
         <p:spPr>
           <a:xfrm>
-            <a:off x="3712464" y="1639983"/>
-            <a:ext cx="4767072" cy="4767072"/>
+            <a:off x="499145" y="1695141"/>
+            <a:ext cx="8542788" cy="4234886"/>
           </a:xfrm>
           <a:prstGeom prst="rect">
             <a:avLst/>
           </a:prstGeom>
         </p:spPr>
       </p:pic>
-      <p:pic>
-        <p:nvPicPr>
-          <p:cNvPr id="6" name="Espaço Reservado para Imagem 32" descr="Grãos de Café">
+      <p:sp>
+        <p:nvSpPr>
+          <p:cNvPr id="13" name="Espaço Reservado para Conteúdo 3">
             <a:extLst>
               <a:ext uri="{FF2B5EF4-FFF2-40B4-BE49-F238E27FC236}">
-                <a16:creationId xmlns:a16="http://schemas.microsoft.com/office/drawing/2014/main" id="{802A2F84-CBCB-AF89-1FBC-C4C28C58F58C}"/>
+                <a16:creationId xmlns:a16="http://schemas.microsoft.com/office/drawing/2014/main" id="{5429C59C-0B93-6734-D8C6-56618F3851A5}"/>
               </a:ext>
             </a:extLst>
           </p:cNvPr>
-          <p:cNvPicPr>
-            <a:picLocks noChangeAspect="1"/>
-          </p:cNvPicPr>
+          <p:cNvSpPr txBox="1">
+            <a:spLocks/>
+          </p:cNvSpPr>
           <p:nvPr/>
-        </p:nvPicPr>
-        <p:blipFill rotWithShape="1">
-          <a:blip r:embed="rId4" cstate="screen">
-            <a:extLst>
-              <a:ext uri="{28A0092B-C50C-407E-A947-70E740481C1C}">
-                <a14:useLocalDpi xmlns:a14="http://schemas.microsoft.com/office/drawing/2010/main" val="0"/>
-              </a:ext>
-            </a:extLst>
-          </a:blip>
-          <a:srcRect t="183" b="183"/>
-          <a:stretch/>
-        </p:blipFill>
+        </p:nvSpPr>
         <p:spPr>
           <a:xfrm>
-            <a:off x="9889048" y="518753"/>
-            <a:ext cx="2302952" cy="5820494"/>
+            <a:off x="9242867" y="2219195"/>
+            <a:ext cx="2593597" cy="3048000"/>
           </a:xfrm>
-          <a:custGeom>
+          <a:prstGeom prst="rect">
             <a:avLst/>
-            <a:gdLst>
-              <a:gd name="connsiteX0" fmla="*/ 2302952 w 2302952"/>
-              <a:gd name="connsiteY0" fmla="*/ 0 h 5820494"/>
-              <a:gd name="connsiteX1" fmla="*/ 2302951 w 2302952"/>
-              <a:gd name="connsiteY1" fmla="*/ 5489408 h 5820494"/>
-              <a:gd name="connsiteX2" fmla="*/ 2214998 w 2302952"/>
-              <a:gd name="connsiteY2" fmla="*/ 5568668 h 5820494"/>
-              <a:gd name="connsiteX3" fmla="*/ 980229 w 2302952"/>
-              <a:gd name="connsiteY3" fmla="*/ 5533905 h 5820494"/>
-              <a:gd name="connsiteX4" fmla="*/ 34664 w 2302952"/>
-              <a:gd name="connsiteY4" fmla="*/ 2458684 h 5820494"/>
-              <a:gd name="connsiteX5" fmla="*/ 962915 w 2302952"/>
-              <a:gd name="connsiteY5" fmla="*/ 888011 h 5820494"/>
-              <a:gd name="connsiteX6" fmla="*/ 2089185 w 2302952"/>
-              <a:gd name="connsiteY6" fmla="*/ 110594 h 5820494"/>
-            </a:gdLst>
-            <a:ahLst/>
-            <a:cxnLst>
-              <a:cxn ang="0">
-                <a:pos x="connsiteX0" y="connsiteY0"/>
-              </a:cxn>
-              <a:cxn ang="0">
-                <a:pos x="connsiteX1" y="connsiteY1"/>
-              </a:cxn>
-              <a:cxn ang="0">
-                <a:pos x="connsiteX2" y="connsiteY2"/>
-              </a:cxn>
-              <a:cxn ang="0">
-                <a:pos x="connsiteX3" y="connsiteY3"/>
-              </a:cxn>
-              <a:cxn ang="0">
-                <a:pos x="connsiteX4" y="connsiteY4"/>
-              </a:cxn>
-              <a:cxn ang="0">
-                <a:pos x="connsiteX5" y="connsiteY5"/>
-              </a:cxn>
-              <a:cxn ang="0">
-                <a:pos x="connsiteX6" y="connsiteY6"/>
-              </a:cxn>
-            </a:cxnLst>
-            <a:rect l="l" t="t" r="r" b="b"/>
-            <a:pathLst>
-              <a:path w="2302952" h="5820494">
-                <a:moveTo>
-                  <a:pt x="2302952" y="0"/>
-                </a:moveTo>
-                <a:lnTo>
-                  <a:pt x="2302951" y="5489408"/>
-                </a:lnTo>
-                <a:lnTo>
-                  <a:pt x="2214998" y="5568668"/>
-                </a:lnTo>
-                <a:cubicBezTo>
-                  <a:pt x="1859218" y="5862586"/>
-                  <a:pt x="1445746" y="5956656"/>
-                  <a:pt x="980229" y="5533905"/>
-                </a:cubicBezTo>
-                <a:cubicBezTo>
-                  <a:pt x="245766" y="4867048"/>
-                  <a:pt x="-119012" y="3425160"/>
-                  <a:pt x="34664" y="2458684"/>
-                </a:cubicBezTo>
-                <a:cubicBezTo>
-                  <a:pt x="135459" y="1823441"/>
-                  <a:pt x="507389" y="1284554"/>
-                  <a:pt x="962915" y="888011"/>
-                </a:cubicBezTo>
-                <a:cubicBezTo>
-                  <a:pt x="1150308" y="724995"/>
-                  <a:pt x="1591681" y="387625"/>
-                  <a:pt x="2089185" y="110594"/>
-                </a:cubicBezTo>
-                <a:close/>
-              </a:path>
-            </a:pathLst>
-          </a:custGeom>
+          </a:prstGeom>
         </p:spPr>
-      </p:pic>
-      <p:pic>
-        <p:nvPicPr>
-          <p:cNvPr id="7" name="Espaço Reservado para Imagem 17" descr="Café em uma mesa de madeira com água ">
-            <a:extLst>
-              <a:ext uri="{FF2B5EF4-FFF2-40B4-BE49-F238E27FC236}">
-                <a16:creationId xmlns:a16="http://schemas.microsoft.com/office/drawing/2014/main" id="{F7E8A95D-CB09-B94B-0239-61D4F2D7E613}"/>
-              </a:ext>
-            </a:extLst>
-          </p:cNvPr>
-          <p:cNvPicPr>
-            <a:picLocks noChangeAspect="1"/>
-          </p:cNvPicPr>
-          <p:nvPr/>
-        </p:nvPicPr>
-        <p:blipFill rotWithShape="1">
-          <a:blip r:embed="rId5" cstate="screen">
-            <a:extLst>
-              <a:ext uri="{28A0092B-C50C-407E-A947-70E740481C1C}">
-                <a14:useLocalDpi xmlns:a14="http://schemas.microsoft.com/office/drawing/2010/main" val="0"/>
-              </a:ext>
-            </a:extLst>
-          </a:blip>
-          <a:srcRect t="39" b="39"/>
-          <a:stretch/>
-        </p:blipFill>
-        <p:spPr>
-          <a:xfrm>
-            <a:off x="0" y="2650923"/>
-            <a:ext cx="2915897" cy="3150803"/>
-          </a:xfrm>
-          <a:custGeom>
-            <a:avLst/>
-            <a:gdLst>
-              <a:gd name="connsiteX0" fmla="*/ 0 w 2915897"/>
-              <a:gd name="connsiteY0" fmla="*/ 0 h 3150803"/>
-              <a:gd name="connsiteX1" fmla="*/ 2037171 w 2915897"/>
-              <a:gd name="connsiteY1" fmla="*/ 0 h 3150803"/>
-              <a:gd name="connsiteX2" fmla="*/ 2234023 w 2915897"/>
-              <a:gd name="connsiteY2" fmla="*/ 188447 h 3150803"/>
-              <a:gd name="connsiteX3" fmla="*/ 2442937 w 2915897"/>
-              <a:gd name="connsiteY3" fmla="*/ 385917 h 3150803"/>
-              <a:gd name="connsiteX4" fmla="*/ 2833858 w 2915897"/>
-              <a:gd name="connsiteY4" fmla="*/ 927137 h 3150803"/>
-              <a:gd name="connsiteX5" fmla="*/ 2858599 w 2915897"/>
-              <a:gd name="connsiteY5" fmla="*/ 1740110 h 3150803"/>
-              <a:gd name="connsiteX6" fmla="*/ 2478276 w 2915897"/>
-              <a:gd name="connsiteY6" fmla="*/ 2549381 h 3150803"/>
-              <a:gd name="connsiteX7" fmla="*/ 692855 w 2915897"/>
-              <a:gd name="connsiteY7" fmla="*/ 3125784 h 3150803"/>
-              <a:gd name="connsiteX8" fmla="*/ 71916 w 2915897"/>
-              <a:gd name="connsiteY8" fmla="*/ 3033613 h 3150803"/>
-              <a:gd name="connsiteX9" fmla="*/ 0 w 2915897"/>
-              <a:gd name="connsiteY9" fmla="*/ 3010677 h 3150803"/>
-            </a:gdLst>
-            <a:ahLst/>
-            <a:cxnLst>
-              <a:cxn ang="0">
-                <a:pos x="connsiteX0" y="connsiteY0"/>
-              </a:cxn>
-              <a:cxn ang="0">
-                <a:pos x="connsiteX1" y="connsiteY1"/>
-              </a:cxn>
-              <a:cxn ang="0">
-                <a:pos x="connsiteX2" y="connsiteY2"/>
-              </a:cxn>
-              <a:cxn ang="0">
-                <a:pos x="connsiteX3" y="connsiteY3"/>
-              </a:cxn>
-              <a:cxn ang="0">
-                <a:pos x="connsiteX4" y="connsiteY4"/>
-              </a:cxn>
-              <a:cxn ang="0">
-                <a:pos x="connsiteX5" y="connsiteY5"/>
-              </a:cxn>
-              <a:cxn ang="0">
-                <a:pos x="connsiteX6" y="connsiteY6"/>
-              </a:cxn>
-              <a:cxn ang="0">
-                <a:pos x="connsiteX7" y="connsiteY7"/>
-              </a:cxn>
-              <a:cxn ang="0">
-                <a:pos x="connsiteX8" y="connsiteY8"/>
-              </a:cxn>
-              <a:cxn ang="0">
-                <a:pos x="connsiteX9" y="connsiteY9"/>
-              </a:cxn>
-            </a:cxnLst>
-            <a:rect l="l" t="t" r="r" b="b"/>
-            <a:pathLst>
-              <a:path w="2915897" h="3150803">
-                <a:moveTo>
-                  <a:pt x="0" y="0"/>
-                </a:moveTo>
-                <a:lnTo>
-                  <a:pt x="2037171" y="0"/>
-                </a:lnTo>
-                <a:lnTo>
-                  <a:pt x="2234023" y="188447"/>
-                </a:lnTo>
-                <a:cubicBezTo>
-                  <a:pt x="2304388" y="255540"/>
-                  <a:pt x="2374048" y="321538"/>
-                  <a:pt x="2442937" y="385917"/>
-                </a:cubicBezTo>
-                <a:cubicBezTo>
-                  <a:pt x="2635661" y="565992"/>
-                  <a:pt x="2760928" y="746433"/>
-                  <a:pt x="2833858" y="927137"/>
-                </a:cubicBezTo>
-                <a:cubicBezTo>
-                  <a:pt x="2943221" y="1198077"/>
-                  <a:pt x="2934665" y="1469402"/>
-                  <a:pt x="2858599" y="1740110"/>
-                </a:cubicBezTo>
-                <a:cubicBezTo>
-                  <a:pt x="2782532" y="2010817"/>
-                  <a:pt x="2638953" y="2280908"/>
-                  <a:pt x="2478276" y="2549381"/>
-                </a:cubicBezTo>
-                <a:cubicBezTo>
-                  <a:pt x="2104926" y="3173402"/>
-                  <a:pt x="1445175" y="3189854"/>
-                  <a:pt x="692855" y="3125784"/>
-                </a:cubicBezTo>
-                <a:cubicBezTo>
-                  <a:pt x="472468" y="3106996"/>
-                  <a:pt x="261198" y="3087734"/>
-                  <a:pt x="71916" y="3033613"/>
-                </a:cubicBezTo>
-                <a:lnTo>
-                  <a:pt x="0" y="3010677"/>
-                </a:lnTo>
-                <a:close/>
-              </a:path>
-            </a:pathLst>
-          </a:custGeom>
-        </p:spPr>
-      </p:pic>
+        <p:txBody>
+          <a:bodyPr rtlCol="0">
+            <a:normAutofit/>
+          </a:bodyPr>
+          <a:lstStyle>
+            <a:lvl1pPr marL="228600" indent="-228600" algn="l" defTabSz="914400" rtl="0" eaLnBrk="1" latinLnBrk="0" hangingPunct="1">
+              <a:lnSpc>
+                <a:spcPct val="90000"/>
+              </a:lnSpc>
+              <a:spcBef>
+                <a:spcPts val="1000"/>
+              </a:spcBef>
+              <a:buFont typeface="Arial" panose="020B0604020202020204" pitchFamily="34" charset="0"/>
+              <a:buChar char="•"/>
+              <a:defRPr sz="2800" kern="1200">
+                <a:solidFill>
+                  <a:schemeClr val="tx1"/>
+                </a:solidFill>
+                <a:latin typeface="+mn-lt"/>
+                <a:ea typeface="+mn-ea"/>
+                <a:cs typeface="+mn-cs"/>
+              </a:defRPr>
+            </a:lvl1pPr>
+            <a:lvl2pPr marL="685800" indent="-228600" algn="l" defTabSz="914400" rtl="0" eaLnBrk="1" latinLnBrk="0" hangingPunct="1">
+              <a:lnSpc>
+                <a:spcPct val="90000"/>
+              </a:lnSpc>
+              <a:spcBef>
+                <a:spcPts val="500"/>
+              </a:spcBef>
+              <a:buFont typeface="Arial" panose="020B0604020202020204" pitchFamily="34" charset="0"/>
+              <a:buChar char="•"/>
+              <a:defRPr sz="2400" kern="1200">
+                <a:solidFill>
+                  <a:schemeClr val="tx1"/>
+                </a:solidFill>
+                <a:latin typeface="+mn-lt"/>
+                <a:ea typeface="+mn-ea"/>
+                <a:cs typeface="+mn-cs"/>
+              </a:defRPr>
+            </a:lvl2pPr>
+            <a:lvl3pPr marL="1143000" indent="-228600" algn="l" defTabSz="914400" rtl="0" eaLnBrk="1" latinLnBrk="0" hangingPunct="1">
+              <a:lnSpc>
+                <a:spcPct val="90000"/>
+              </a:lnSpc>
+              <a:spcBef>
+                <a:spcPts val="500"/>
+              </a:spcBef>
+              <a:buFont typeface="Arial" panose="020B0604020202020204" pitchFamily="34" charset="0"/>
+              <a:buChar char="•"/>
+              <a:defRPr sz="2000" kern="1200">
+                <a:solidFill>
+                  <a:schemeClr val="tx1"/>
+                </a:solidFill>
+                <a:latin typeface="+mn-lt"/>
+                <a:ea typeface="+mn-ea"/>
+                <a:cs typeface="+mn-cs"/>
+              </a:defRPr>
+            </a:lvl3pPr>
+            <a:lvl4pPr marL="1600200" indent="-228600" algn="l" defTabSz="914400" rtl="0" eaLnBrk="1" latinLnBrk="0" hangingPunct="1">
+              <a:lnSpc>
+                <a:spcPct val="90000"/>
+              </a:lnSpc>
+              <a:spcBef>
+                <a:spcPts val="500"/>
+              </a:spcBef>
+              <a:buFont typeface="Arial" panose="020B0604020202020204" pitchFamily="34" charset="0"/>
+              <a:buChar char="•"/>
+              <a:defRPr sz="1800" kern="1200">
+                <a:solidFill>
+                  <a:schemeClr val="tx1"/>
+                </a:solidFill>
+                <a:latin typeface="+mn-lt"/>
+                <a:ea typeface="+mn-ea"/>
+                <a:cs typeface="+mn-cs"/>
+              </a:defRPr>
+            </a:lvl4pPr>
+            <a:lvl5pPr marL="2057400" indent="-228600" algn="l" defTabSz="914400" rtl="0" eaLnBrk="1" latinLnBrk="0" hangingPunct="1">
+              <a:lnSpc>
+                <a:spcPct val="90000"/>
+              </a:lnSpc>
+              <a:spcBef>
+                <a:spcPts val="500"/>
+              </a:spcBef>
+              <a:buFont typeface="Arial" panose="020B0604020202020204" pitchFamily="34" charset="0"/>
+              <a:buChar char="•"/>
+              <a:defRPr sz="1800" kern="1200">
+                <a:solidFill>
+                  <a:schemeClr val="tx1"/>
+                </a:solidFill>
+                <a:latin typeface="+mn-lt"/>
+                <a:ea typeface="+mn-ea"/>
+                <a:cs typeface="+mn-cs"/>
+              </a:defRPr>
+            </a:lvl5pPr>
+            <a:lvl6pPr marL="2514600" indent="-228600" algn="l" defTabSz="914400" rtl="0" eaLnBrk="1" latinLnBrk="0" hangingPunct="1">
+              <a:lnSpc>
+                <a:spcPct val="90000"/>
+              </a:lnSpc>
+              <a:spcBef>
+                <a:spcPts val="500"/>
+              </a:spcBef>
+              <a:buFont typeface="Arial" panose="020B0604020202020204" pitchFamily="34" charset="0"/>
+              <a:buChar char="•"/>
+              <a:defRPr sz="1800" kern="1200">
+                <a:solidFill>
+                  <a:schemeClr val="tx1"/>
+                </a:solidFill>
+                <a:latin typeface="+mn-lt"/>
+                <a:ea typeface="+mn-ea"/>
+                <a:cs typeface="+mn-cs"/>
+              </a:defRPr>
+            </a:lvl6pPr>
+            <a:lvl7pPr marL="2971800" indent="-228600" algn="l" defTabSz="914400" rtl="0" eaLnBrk="1" latinLnBrk="0" hangingPunct="1">
+              <a:lnSpc>
+                <a:spcPct val="90000"/>
+              </a:lnSpc>
+              <a:spcBef>
+                <a:spcPts val="500"/>
+              </a:spcBef>
+              <a:buFont typeface="Arial" panose="020B0604020202020204" pitchFamily="34" charset="0"/>
+              <a:buChar char="•"/>
+              <a:defRPr sz="1800" kern="1200">
+                <a:solidFill>
+                  <a:schemeClr val="tx1"/>
+                </a:solidFill>
+                <a:latin typeface="+mn-lt"/>
+                <a:ea typeface="+mn-ea"/>
+                <a:cs typeface="+mn-cs"/>
+              </a:defRPr>
+            </a:lvl7pPr>
+            <a:lvl8pPr marL="3429000" indent="-228600" algn="l" defTabSz="914400" rtl="0" eaLnBrk="1" latinLnBrk="0" hangingPunct="1">
+              <a:lnSpc>
+                <a:spcPct val="90000"/>
+              </a:lnSpc>
+              <a:spcBef>
+                <a:spcPts val="500"/>
+              </a:spcBef>
+              <a:buFont typeface="Arial" panose="020B0604020202020204" pitchFamily="34" charset="0"/>
+              <a:buChar char="•"/>
+              <a:defRPr sz="1800" kern="1200">
+                <a:solidFill>
+                  <a:schemeClr val="tx1"/>
+                </a:solidFill>
+                <a:latin typeface="+mn-lt"/>
+                <a:ea typeface="+mn-ea"/>
+                <a:cs typeface="+mn-cs"/>
+              </a:defRPr>
+            </a:lvl8pPr>
+            <a:lvl9pPr marL="3886200" indent="-228600" algn="l" defTabSz="914400" rtl="0" eaLnBrk="1" latinLnBrk="0" hangingPunct="1">
+              <a:lnSpc>
+                <a:spcPct val="90000"/>
+              </a:lnSpc>
+              <a:spcBef>
+                <a:spcPts val="500"/>
+              </a:spcBef>
+              <a:buFont typeface="Arial" panose="020B0604020202020204" pitchFamily="34" charset="0"/>
+              <a:buChar char="•"/>
+              <a:defRPr sz="1800" kern="1200">
+                <a:solidFill>
+                  <a:schemeClr val="tx1"/>
+                </a:solidFill>
+                <a:latin typeface="+mn-lt"/>
+                <a:ea typeface="+mn-ea"/>
+                <a:cs typeface="+mn-cs"/>
+              </a:defRPr>
+            </a:lvl9pPr>
+          </a:lstStyle>
+          <a:p>
+            <a:pPr>
+              <a:spcBef>
+                <a:spcPts val="200"/>
+              </a:spcBef>
+              <a:spcAft>
+                <a:spcPts val="200"/>
+              </a:spcAft>
+            </a:pPr>
+            <a:r>
+              <a:rPr lang="pt-BR" sz="1800" kern="1000" dirty="0">
+                <a:effectLst/>
+                <a:latin typeface="Simplon Mono"/>
+                <a:ea typeface="Calibri" panose="020F0502020204030204" pitchFamily="34" charset="0"/>
+                <a:cs typeface="Times New Roman" panose="02020603050405020304" pitchFamily="18" charset="0"/>
+              </a:rPr>
+              <a:t>Escolhemos o Trello pelo fato dele utilizar o método kanban que significa cartão ou post-its. E pela facilidade que ele traz na hora de editar ou adicionar algo a mais e também pelo fato dele ser gratuito.</a:t>
+            </a:r>
+          </a:p>
+        </p:txBody>
+      </p:sp>
     </p:spTree>
     <p:extLst>
       <p:ext uri="{BB962C8B-B14F-4D97-AF65-F5344CB8AC3E}">
-        <p14:creationId xmlns:p14="http://schemas.microsoft.com/office/powerpoint/2010/main" val="1883819263"/>
+        <p14:creationId xmlns:p14="http://schemas.microsoft.com/office/powerpoint/2010/main" val="947216270"/>
       </p:ext>
     </p:extLst>
   </p:cSld>
@@ -14623,6 +15546,15 @@
 </file>
 
 <file path=customXml/item1.xml><?xml version="1.0" encoding="utf-8"?>
+<?mso-contentType ?>
+<FormTemplates xmlns="http://schemas.microsoft.com/sharepoint/v3/contenttype/forms">
+  <Display>DocumentLibraryForm</Display>
+  <Edit>DocumentLibraryForm</Edit>
+  <New>DocumentLibraryForm</New>
+</FormTemplates>
+</file>
+
+<file path=customXml/item2.xml><?xml version="1.0" encoding="utf-8"?>
 <ct:contentTypeSchema xmlns:ct="http://schemas.microsoft.com/office/2006/metadata/contentType" xmlns:ma="http://schemas.microsoft.com/office/2006/metadata/properties/metaAttributes" ct:_="" ma:_="" ma:contentTypeName="Document" ma:contentTypeID="0x01010079F111ED35F8CC479449609E8A0923A6" ma:contentTypeVersion="18" ma:contentTypeDescription="Create a new document." ma:contentTypeScope="" ma:versionID="22a266b9fa9a230c5a512669d8b298c3">
   <xsd:schema xmlns:xsd="http://www.w3.org/2001/XMLSchema" xmlns:xs="http://www.w3.org/2001/XMLSchema" xmlns:p="http://schemas.microsoft.com/office/2006/metadata/properties" xmlns:ns1="http://schemas.microsoft.com/sharepoint/v3" xmlns:ns2="71af3243-3dd4-4a8d-8c0d-dd76da1f02a5" xmlns:ns3="16c05727-aa75-4e4a-9b5f-8a80a1165891" xmlns:ns4="230e9df3-be65-4c73-a93b-d1236ebd677e" targetNamespace="http://schemas.microsoft.com/office/2006/metadata/properties" ma:root="true" ma:fieldsID="eddc33fff6b14141ee5c74a0d29ea6a1" ns1:_="" ns2:_="" ns3:_="" ns4:_="">
     <xsd:import namespace="http://schemas.microsoft.com/sharepoint/v3"/>
@@ -14898,15 +15830,6 @@
 </ct:contentTypeSchema>
 </file>
 
-<file path=customXml/item2.xml><?xml version="1.0" encoding="utf-8"?>
-<?mso-contentType ?>
-<FormTemplates xmlns="http://schemas.microsoft.com/sharepoint/v3/contenttype/forms">
-  <Display>DocumentLibraryForm</Display>
-  <Edit>DocumentLibraryForm</Edit>
-  <New>DocumentLibraryForm</New>
-</FormTemplates>
-</file>
-
 <file path=customXml/item3.xml><?xml version="1.0" encoding="utf-8"?>
 <p:properties xmlns:p="http://schemas.microsoft.com/office/2006/metadata/properties" xmlns:xsi="http://www.w3.org/2001/XMLSchema-instance" xmlns:pc="http://schemas.microsoft.com/office/infopath/2007/PartnerControls">
   <documentManagement>
@@ -14927,6 +15850,14 @@
 </file>
 
 <file path=customXml/itemProps1.xml><?xml version="1.0" encoding="utf-8"?>
+<ds:datastoreItem xmlns:ds="http://schemas.openxmlformats.org/officeDocument/2006/customXml" ds:itemID="{09F7E09F-F817-4A99-A43E-1B7B2298E82F}">
+  <ds:schemaRefs>
+    <ds:schemaRef ds:uri="http://schemas.microsoft.com/sharepoint/v3/contenttype/forms"/>
+  </ds:schemaRefs>
+</ds:datastoreItem>
+</file>
+
+<file path=customXml/itemProps2.xml><?xml version="1.0" encoding="utf-8"?>
 <ds:datastoreItem xmlns:ds="http://schemas.openxmlformats.org/officeDocument/2006/customXml" ds:itemID="{A56FC496-221D-4D11-9DFD-2E47AEB2A196}">
   <ds:schemaRefs>
     <ds:schemaRef ds:uri="http://schemas.microsoft.com/office/2006/metadata/contentType"/>
@@ -14943,14 +15874,6 @@
     <ds:schemaRef ds:uri="http://purl.org/dc/elements/1.1/"/>
     <ds:schemaRef ds:uri="http://purl.org/dc/terms/"/>
     <ds:schemaRef ds:uri="http://schemas.microsoft.com/internal/obd"/>
-  </ds:schemaRefs>
-</ds:datastoreItem>
-</file>
-
-<file path=customXml/itemProps2.xml><?xml version="1.0" encoding="utf-8"?>
-<ds:datastoreItem xmlns:ds="http://schemas.openxmlformats.org/officeDocument/2006/customXml" ds:itemID="{09F7E09F-F817-4A99-A43E-1B7B2298E82F}">
-  <ds:schemaRefs>
-    <ds:schemaRef ds:uri="http://schemas.microsoft.com/sharepoint/v3/contenttype/forms"/>
   </ds:schemaRefs>
 </ds:datastoreItem>
 </file>
